--- a/presentation.pptx
+++ b/presentation.pptx
@@ -1,38 +1,38 @@
 
 <file path=ppt/presentation.xml><?xml version="1.0" encoding="utf-8"?>
-<p:presentation xmlns:a="http://schemas.openxmlformats.org/drawingml/2006/main" xmlns:r="http://schemas.openxmlformats.org/officeDocument/2006/relationships" xmlns:p="http://schemas.openxmlformats.org/presentationml/2006/main" saveSubsetFonts="1" embedTrueTypeFonts="true">
+<p:presentation xmlns:a="http://schemas.openxmlformats.org/drawingml/2006/main" xmlns:r="http://schemas.openxmlformats.org/officeDocument/2006/relationships" xmlns:p="http://schemas.openxmlformats.org/presentationml/2006/main" embedTrueTypeFonts="1" saveSubsetFonts="1">
   <p:sldMasterIdLst>
     <p:sldMasterId id="2147483648" r:id="rId1"/>
   </p:sldMasterIdLst>
   <p:sldIdLst>
-    <p:sldId id="256" r:id="rId6"/>
-    <p:sldId id="257" r:id="rId7"/>
-    <p:sldId id="258" r:id="rId8"/>
-    <p:sldId id="259" r:id="rId9"/>
-    <p:sldId id="260" r:id="rId10"/>
-    <p:sldId id="261" r:id="rId11"/>
-    <p:sldId id="262" r:id="rId12"/>
-    <p:sldId id="263" r:id="rId13"/>
-    <p:sldId id="264" r:id="rId14"/>
+    <p:sldId id="256" r:id="rId2"/>
+    <p:sldId id="257" r:id="rId3"/>
+    <p:sldId id="258" r:id="rId4"/>
+    <p:sldId id="259" r:id="rId5"/>
+    <p:sldId id="260" r:id="rId6"/>
+    <p:sldId id="261" r:id="rId7"/>
+    <p:sldId id="262" r:id="rId8"/>
+    <p:sldId id="263" r:id="rId9"/>
+    <p:sldId id="264" r:id="rId10"/>
   </p:sldIdLst>
   <p:sldSz cx="18288000" cy="10287000"/>
   <p:notesSz cx="6858000" cy="9144000"/>
   <p:embeddedFontLst>
     <p:embeddedFont>
-      <p:font typeface="Garet 1" charset="1" panose="00000000000000000000"/>
-      <p:regular r:id="rId15"/>
+      <p:font typeface="Garet 1" panose="020B0604020202020204" charset="0"/>
+      <p:regular r:id="rId11"/>
     </p:embeddedFont>
     <p:embeddedFont>
-      <p:font typeface="Garet 1 Bold" charset="1" panose="00000000000000000000"/>
-      <p:regular r:id="rId16"/>
+      <p:font typeface="Garet 1 Bold" panose="020B0604020202020204" charset="0"/>
+      <p:regular r:id="rId12"/>
     </p:embeddedFont>
     <p:embeddedFont>
-      <p:font typeface="Garet 2 Light" charset="1" panose="00000000000000000000"/>
-      <p:regular r:id="rId17"/>
+      <p:font typeface="Garet 2" panose="020B0604020202020204" charset="0"/>
+      <p:regular r:id="rId13"/>
     </p:embeddedFont>
     <p:embeddedFont>
-      <p:font typeface="Garet 2" charset="1" panose="00000000000000000000"/>
-      <p:regular r:id="rId18"/>
+      <p:font typeface="Garet 2 Light" panose="020B0604020202020204" charset="0"/>
+      <p:regular r:id="rId14"/>
     </p:embeddedFont>
   </p:embeddedFontLst>
   <p:defaultTextStyle>
@@ -130,6 +130,22 @@
       </a:defRPr>
     </a:lvl9pPr>
   </p:defaultTextStyle>
+  <p:extLst>
+    <p:ext uri="{EFAFB233-063F-42B5-8137-9DF3F51BA10A}">
+      <p15:sldGuideLst xmlns:p15="http://schemas.microsoft.com/office/powerpoint/2012/main">
+        <p15:guide id="1" orient="horz" pos="2160">
+          <p15:clr>
+            <a:srgbClr val="A4A3A4"/>
+          </p15:clr>
+        </p15:guide>
+        <p15:guide id="2" pos="2880">
+          <p15:clr>
+            <a:srgbClr val="A4A3A4"/>
+          </p15:clr>
+        </p15:guide>
+      </p15:sldGuideLst>
+    </p:ext>
+  </p:extLst>
 </p:presentation>
 </file>
 
@@ -171,10 +187,9 @@
           <a:lstStyle/>
           <a:p>
             <a:r>
-              <a:rPr lang="en-US" smtClean="0"/>
+              <a:rPr lang="en-US"/>
               <a:t>Click to edit Master title style</a:t>
             </a:r>
-            <a:endParaRPr lang="en-US"/>
           </a:p>
         </p:txBody>
       </p:sp>
@@ -290,10 +305,9 @@
           </a:lstStyle>
           <a:p>
             <a:r>
-              <a:rPr lang="en-US" smtClean="0"/>
+              <a:rPr lang="en-US"/>
               <a:t>Click to edit Master subtitle style</a:t>
             </a:r>
-            <a:endParaRPr lang="en-US"/>
           </a:p>
         </p:txBody>
       </p:sp>
@@ -315,7 +329,7 @@
             <a:fld id="{1D8BD707-D9CF-40AE-B4C6-C98DA3205C09}" type="datetimeFigureOut">
               <a:rPr lang="en-US" smtClean="0"/>
               <a:pPr/>
-              <a:t>8/1/2011</a:t>
+              <a:t>13-Jan-25</a:t>
             </a:fld>
             <a:endParaRPr lang="en-US"/>
           </a:p>
@@ -405,10 +419,9 @@
           <a:lstStyle/>
           <a:p>
             <a:r>
-              <a:rPr lang="en-US" smtClean="0"/>
+              <a:rPr lang="en-US"/>
               <a:t>Click to edit Master title style</a:t>
             </a:r>
-            <a:endParaRPr lang="en-US"/>
           </a:p>
         </p:txBody>
       </p:sp>
@@ -429,38 +442,37 @@
           <a:p>
             <a:pPr lvl="0"/>
             <a:r>
-              <a:rPr lang="en-US" smtClean="0"/>
+              <a:rPr lang="en-US"/>
               <a:t>Click to edit Master text styles</a:t>
             </a:r>
           </a:p>
           <a:p>
             <a:pPr lvl="1"/>
             <a:r>
-              <a:rPr lang="en-US" smtClean="0"/>
+              <a:rPr lang="en-US"/>
               <a:t>Second level</a:t>
             </a:r>
           </a:p>
           <a:p>
             <a:pPr lvl="2"/>
             <a:r>
-              <a:rPr lang="en-US" smtClean="0"/>
+              <a:rPr lang="en-US"/>
               <a:t>Third level</a:t>
             </a:r>
           </a:p>
           <a:p>
             <a:pPr lvl="3"/>
             <a:r>
-              <a:rPr lang="en-US" smtClean="0"/>
+              <a:rPr lang="en-US"/>
               <a:t>Fourth level</a:t>
             </a:r>
           </a:p>
           <a:p>
             <a:pPr lvl="4"/>
             <a:r>
-              <a:rPr lang="en-US" smtClean="0"/>
+              <a:rPr lang="en-US"/>
               <a:t>Fifth level</a:t>
             </a:r>
-            <a:endParaRPr lang="en-US"/>
           </a:p>
         </p:txBody>
       </p:sp>
@@ -482,7 +494,7 @@
             <a:fld id="{1D8BD707-D9CF-40AE-B4C6-C98DA3205C09}" type="datetimeFigureOut">
               <a:rPr lang="en-US" smtClean="0"/>
               <a:pPr/>
-              <a:t>8/1/2011</a:t>
+              <a:t>13-Jan-25</a:t>
             </a:fld>
             <a:endParaRPr lang="en-US"/>
           </a:p>
@@ -577,10 +589,9 @@
           <a:lstStyle/>
           <a:p>
             <a:r>
-              <a:rPr lang="en-US" smtClean="0"/>
+              <a:rPr lang="en-US"/>
               <a:t>Click to edit Master title style</a:t>
             </a:r>
-            <a:endParaRPr lang="en-US"/>
           </a:p>
         </p:txBody>
       </p:sp>
@@ -606,38 +617,37 @@
           <a:p>
             <a:pPr lvl="0"/>
             <a:r>
-              <a:rPr lang="en-US" smtClean="0"/>
+              <a:rPr lang="en-US"/>
               <a:t>Click to edit Master text styles</a:t>
             </a:r>
           </a:p>
           <a:p>
             <a:pPr lvl="1"/>
             <a:r>
-              <a:rPr lang="en-US" smtClean="0"/>
+              <a:rPr lang="en-US"/>
               <a:t>Second level</a:t>
             </a:r>
           </a:p>
           <a:p>
             <a:pPr lvl="2"/>
             <a:r>
-              <a:rPr lang="en-US" smtClean="0"/>
+              <a:rPr lang="en-US"/>
               <a:t>Third level</a:t>
             </a:r>
           </a:p>
           <a:p>
             <a:pPr lvl="3"/>
             <a:r>
-              <a:rPr lang="en-US" smtClean="0"/>
+              <a:rPr lang="en-US"/>
               <a:t>Fourth level</a:t>
             </a:r>
           </a:p>
           <a:p>
             <a:pPr lvl="4"/>
             <a:r>
-              <a:rPr lang="en-US" smtClean="0"/>
+              <a:rPr lang="en-US"/>
               <a:t>Fifth level</a:t>
             </a:r>
-            <a:endParaRPr lang="en-US"/>
           </a:p>
         </p:txBody>
       </p:sp>
@@ -659,7 +669,7 @@
             <a:fld id="{1D8BD707-D9CF-40AE-B4C6-C98DA3205C09}" type="datetimeFigureOut">
               <a:rPr lang="en-US" smtClean="0"/>
               <a:pPr/>
-              <a:t>8/1/2011</a:t>
+              <a:t>13-Jan-25</a:t>
             </a:fld>
             <a:endParaRPr lang="en-US"/>
           </a:p>
@@ -749,10 +759,9 @@
           <a:lstStyle/>
           <a:p>
             <a:r>
-              <a:rPr lang="en-US" smtClean="0"/>
+              <a:rPr lang="en-US"/>
               <a:t>Click to edit Master title style</a:t>
             </a:r>
-            <a:endParaRPr lang="en-US"/>
           </a:p>
         </p:txBody>
       </p:sp>
@@ -773,38 +782,37 @@
           <a:p>
             <a:pPr lvl="0"/>
             <a:r>
-              <a:rPr lang="en-US" smtClean="0"/>
+              <a:rPr lang="en-US"/>
               <a:t>Click to edit Master text styles</a:t>
             </a:r>
           </a:p>
           <a:p>
             <a:pPr lvl="1"/>
             <a:r>
-              <a:rPr lang="en-US" smtClean="0"/>
+              <a:rPr lang="en-US"/>
               <a:t>Second level</a:t>
             </a:r>
           </a:p>
           <a:p>
             <a:pPr lvl="2"/>
             <a:r>
-              <a:rPr lang="en-US" smtClean="0"/>
+              <a:rPr lang="en-US"/>
               <a:t>Third level</a:t>
             </a:r>
           </a:p>
           <a:p>
             <a:pPr lvl="3"/>
             <a:r>
-              <a:rPr lang="en-US" smtClean="0"/>
+              <a:rPr lang="en-US"/>
               <a:t>Fourth level</a:t>
             </a:r>
           </a:p>
           <a:p>
             <a:pPr lvl="4"/>
             <a:r>
-              <a:rPr lang="en-US" smtClean="0"/>
+              <a:rPr lang="en-US"/>
               <a:t>Fifth level</a:t>
             </a:r>
-            <a:endParaRPr lang="en-US"/>
           </a:p>
         </p:txBody>
       </p:sp>
@@ -826,7 +834,7 @@
             <a:fld id="{1D8BD707-D9CF-40AE-B4C6-C98DA3205C09}" type="datetimeFigureOut">
               <a:rPr lang="en-US" smtClean="0"/>
               <a:pPr/>
-              <a:t>8/1/2011</a:t>
+              <a:t>13-Jan-25</a:t>
             </a:fld>
             <a:endParaRPr lang="en-US"/>
           </a:p>
@@ -925,10 +933,9 @@
           </a:lstStyle>
           <a:p>
             <a:r>
-              <a:rPr lang="en-US" smtClean="0"/>
+              <a:rPr lang="en-US"/>
               <a:t>Click to edit Master title style</a:t>
             </a:r>
-            <a:endParaRPr lang="en-US"/>
           </a:p>
         </p:txBody>
       </p:sp>
@@ -1045,7 +1052,7 @@
           <a:p>
             <a:pPr lvl="0"/>
             <a:r>
-              <a:rPr lang="en-US" smtClean="0"/>
+              <a:rPr lang="en-US"/>
               <a:t>Click to edit Master text styles</a:t>
             </a:r>
           </a:p>
@@ -1069,7 +1076,7 @@
             <a:fld id="{1D8BD707-D9CF-40AE-B4C6-C98DA3205C09}" type="datetimeFigureOut">
               <a:rPr lang="en-US" smtClean="0"/>
               <a:pPr/>
-              <a:t>8/1/2011</a:t>
+              <a:t>13-Jan-25</a:t>
             </a:fld>
             <a:endParaRPr lang="en-US"/>
           </a:p>
@@ -1159,10 +1166,9 @@
           <a:lstStyle/>
           <a:p>
             <a:r>
-              <a:rPr lang="en-US" smtClean="0"/>
+              <a:rPr lang="en-US"/>
               <a:t>Click to edit Master title style</a:t>
             </a:r>
-            <a:endParaRPr lang="en-US"/>
           </a:p>
         </p:txBody>
       </p:sp>
@@ -1216,38 +1222,37 @@
           <a:p>
             <a:pPr lvl="0"/>
             <a:r>
-              <a:rPr lang="en-US" smtClean="0"/>
+              <a:rPr lang="en-US"/>
               <a:t>Click to edit Master text styles</a:t>
             </a:r>
           </a:p>
           <a:p>
             <a:pPr lvl="1"/>
             <a:r>
-              <a:rPr lang="en-US" smtClean="0"/>
+              <a:rPr lang="en-US"/>
               <a:t>Second level</a:t>
             </a:r>
           </a:p>
           <a:p>
             <a:pPr lvl="2"/>
             <a:r>
-              <a:rPr lang="en-US" smtClean="0"/>
+              <a:rPr lang="en-US"/>
               <a:t>Third level</a:t>
             </a:r>
           </a:p>
           <a:p>
             <a:pPr lvl="3"/>
             <a:r>
-              <a:rPr lang="en-US" smtClean="0"/>
+              <a:rPr lang="en-US"/>
               <a:t>Fourth level</a:t>
             </a:r>
           </a:p>
           <a:p>
             <a:pPr lvl="4"/>
             <a:r>
-              <a:rPr lang="en-US" smtClean="0"/>
+              <a:rPr lang="en-US"/>
               <a:t>Fifth level</a:t>
             </a:r>
-            <a:endParaRPr lang="en-US"/>
           </a:p>
         </p:txBody>
       </p:sp>
@@ -1301,38 +1306,37 @@
           <a:p>
             <a:pPr lvl="0"/>
             <a:r>
-              <a:rPr lang="en-US" smtClean="0"/>
+              <a:rPr lang="en-US"/>
               <a:t>Click to edit Master text styles</a:t>
             </a:r>
           </a:p>
           <a:p>
             <a:pPr lvl="1"/>
             <a:r>
-              <a:rPr lang="en-US" smtClean="0"/>
+              <a:rPr lang="en-US"/>
               <a:t>Second level</a:t>
             </a:r>
           </a:p>
           <a:p>
             <a:pPr lvl="2"/>
             <a:r>
-              <a:rPr lang="en-US" smtClean="0"/>
+              <a:rPr lang="en-US"/>
               <a:t>Third level</a:t>
             </a:r>
           </a:p>
           <a:p>
             <a:pPr lvl="3"/>
             <a:r>
-              <a:rPr lang="en-US" smtClean="0"/>
+              <a:rPr lang="en-US"/>
               <a:t>Fourth level</a:t>
             </a:r>
           </a:p>
           <a:p>
             <a:pPr lvl="4"/>
             <a:r>
-              <a:rPr lang="en-US" smtClean="0"/>
+              <a:rPr lang="en-US"/>
               <a:t>Fifth level</a:t>
             </a:r>
-            <a:endParaRPr lang="en-US"/>
           </a:p>
         </p:txBody>
       </p:sp>
@@ -1354,7 +1358,7 @@
             <a:fld id="{1D8BD707-D9CF-40AE-B4C6-C98DA3205C09}" type="datetimeFigureOut">
               <a:rPr lang="en-US" smtClean="0"/>
               <a:pPr/>
-              <a:t>8/1/2011</a:t>
+              <a:t>13-Jan-25</a:t>
             </a:fld>
             <a:endParaRPr lang="en-US"/>
           </a:p>
@@ -1448,10 +1452,9 @@
           </a:lstStyle>
           <a:p>
             <a:r>
-              <a:rPr lang="en-US" smtClean="0"/>
+              <a:rPr lang="en-US"/>
               <a:t>Click to edit Master title style</a:t>
             </a:r>
-            <a:endParaRPr lang="en-US"/>
           </a:p>
         </p:txBody>
       </p:sp>
@@ -1514,7 +1517,7 @@
           <a:p>
             <a:pPr lvl="0"/>
             <a:r>
-              <a:rPr lang="en-US" smtClean="0"/>
+              <a:rPr lang="en-US"/>
               <a:t>Click to edit Master text styles</a:t>
             </a:r>
           </a:p>
@@ -1570,38 +1573,37 @@
           <a:p>
             <a:pPr lvl="0"/>
             <a:r>
-              <a:rPr lang="en-US" smtClean="0"/>
+              <a:rPr lang="en-US"/>
               <a:t>Click to edit Master text styles</a:t>
             </a:r>
           </a:p>
           <a:p>
             <a:pPr lvl="1"/>
             <a:r>
-              <a:rPr lang="en-US" smtClean="0"/>
+              <a:rPr lang="en-US"/>
               <a:t>Second level</a:t>
             </a:r>
           </a:p>
           <a:p>
             <a:pPr lvl="2"/>
             <a:r>
-              <a:rPr lang="en-US" smtClean="0"/>
+              <a:rPr lang="en-US"/>
               <a:t>Third level</a:t>
             </a:r>
           </a:p>
           <a:p>
             <a:pPr lvl="3"/>
             <a:r>
-              <a:rPr lang="en-US" smtClean="0"/>
+              <a:rPr lang="en-US"/>
               <a:t>Fourth level</a:t>
             </a:r>
           </a:p>
           <a:p>
             <a:pPr lvl="4"/>
             <a:r>
-              <a:rPr lang="en-US" smtClean="0"/>
+              <a:rPr lang="en-US"/>
               <a:t>Fifth level</a:t>
             </a:r>
-            <a:endParaRPr lang="en-US"/>
           </a:p>
         </p:txBody>
       </p:sp>
@@ -1664,7 +1666,7 @@
           <a:p>
             <a:pPr lvl="0"/>
             <a:r>
-              <a:rPr lang="en-US" smtClean="0"/>
+              <a:rPr lang="en-US"/>
               <a:t>Click to edit Master text styles</a:t>
             </a:r>
           </a:p>
@@ -1720,38 +1722,37 @@
           <a:p>
             <a:pPr lvl="0"/>
             <a:r>
-              <a:rPr lang="en-US" smtClean="0"/>
+              <a:rPr lang="en-US"/>
               <a:t>Click to edit Master text styles</a:t>
             </a:r>
           </a:p>
           <a:p>
             <a:pPr lvl="1"/>
             <a:r>
-              <a:rPr lang="en-US" smtClean="0"/>
+              <a:rPr lang="en-US"/>
               <a:t>Second level</a:t>
             </a:r>
           </a:p>
           <a:p>
             <a:pPr lvl="2"/>
             <a:r>
-              <a:rPr lang="en-US" smtClean="0"/>
+              <a:rPr lang="en-US"/>
               <a:t>Third level</a:t>
             </a:r>
           </a:p>
           <a:p>
             <a:pPr lvl="3"/>
             <a:r>
-              <a:rPr lang="en-US" smtClean="0"/>
+              <a:rPr lang="en-US"/>
               <a:t>Fourth level</a:t>
             </a:r>
           </a:p>
           <a:p>
             <a:pPr lvl="4"/>
             <a:r>
-              <a:rPr lang="en-US" smtClean="0"/>
+              <a:rPr lang="en-US"/>
               <a:t>Fifth level</a:t>
             </a:r>
-            <a:endParaRPr lang="en-US"/>
           </a:p>
         </p:txBody>
       </p:sp>
@@ -1773,7 +1774,7 @@
             <a:fld id="{1D8BD707-D9CF-40AE-B4C6-C98DA3205C09}" type="datetimeFigureOut">
               <a:rPr lang="en-US" smtClean="0"/>
               <a:pPr/>
-              <a:t>8/1/2011</a:t>
+              <a:t>13-Jan-25</a:t>
             </a:fld>
             <a:endParaRPr lang="en-US"/>
           </a:p>
@@ -1863,10 +1864,9 @@
           <a:lstStyle/>
           <a:p>
             <a:r>
-              <a:rPr lang="en-US" smtClean="0"/>
+              <a:rPr lang="en-US"/>
               <a:t>Click to edit Master title style</a:t>
             </a:r>
-            <a:endParaRPr lang="en-US"/>
           </a:p>
         </p:txBody>
       </p:sp>
@@ -1888,7 +1888,7 @@
             <a:fld id="{1D8BD707-D9CF-40AE-B4C6-C98DA3205C09}" type="datetimeFigureOut">
               <a:rPr lang="en-US" smtClean="0"/>
               <a:pPr/>
-              <a:t>8/1/2011</a:t>
+              <a:t>13-Jan-25</a:t>
             </a:fld>
             <a:endParaRPr lang="en-US"/>
           </a:p>
@@ -1980,7 +1980,7 @@
             <a:fld id="{1D8BD707-D9CF-40AE-B4C6-C98DA3205C09}" type="datetimeFigureOut">
               <a:rPr lang="en-US" smtClean="0"/>
               <a:pPr/>
-              <a:t>8/1/2011</a:t>
+              <a:t>13-Jan-25</a:t>
             </a:fld>
             <a:endParaRPr lang="en-US"/>
           </a:p>
@@ -2079,10 +2079,9 @@
           </a:lstStyle>
           <a:p>
             <a:r>
-              <a:rPr lang="en-US" smtClean="0"/>
+              <a:rPr lang="en-US"/>
               <a:t>Click to edit Master title style</a:t>
             </a:r>
-            <a:endParaRPr lang="en-US"/>
           </a:p>
         </p:txBody>
       </p:sp>
@@ -2136,38 +2135,37 @@
           <a:p>
             <a:pPr lvl="0"/>
             <a:r>
-              <a:rPr lang="en-US" smtClean="0"/>
+              <a:rPr lang="en-US"/>
               <a:t>Click to edit Master text styles</a:t>
             </a:r>
           </a:p>
           <a:p>
             <a:pPr lvl="1"/>
             <a:r>
-              <a:rPr lang="en-US" smtClean="0"/>
+              <a:rPr lang="en-US"/>
               <a:t>Second level</a:t>
             </a:r>
           </a:p>
           <a:p>
             <a:pPr lvl="2"/>
             <a:r>
-              <a:rPr lang="en-US" smtClean="0"/>
+              <a:rPr lang="en-US"/>
               <a:t>Third level</a:t>
             </a:r>
           </a:p>
           <a:p>
             <a:pPr lvl="3"/>
             <a:r>
-              <a:rPr lang="en-US" smtClean="0"/>
+              <a:rPr lang="en-US"/>
               <a:t>Fourth level</a:t>
             </a:r>
           </a:p>
           <a:p>
             <a:pPr lvl="4"/>
             <a:r>
-              <a:rPr lang="en-US" smtClean="0"/>
+              <a:rPr lang="en-US"/>
               <a:t>Fifth level</a:t>
             </a:r>
-            <a:endParaRPr lang="en-US"/>
           </a:p>
         </p:txBody>
       </p:sp>
@@ -2230,7 +2228,7 @@
           <a:p>
             <a:pPr lvl="0"/>
             <a:r>
-              <a:rPr lang="en-US" smtClean="0"/>
+              <a:rPr lang="en-US"/>
               <a:t>Click to edit Master text styles</a:t>
             </a:r>
           </a:p>
@@ -2254,7 +2252,7 @@
             <a:fld id="{1D8BD707-D9CF-40AE-B4C6-C98DA3205C09}" type="datetimeFigureOut">
               <a:rPr lang="en-US" smtClean="0"/>
               <a:pPr/>
-              <a:t>8/1/2011</a:t>
+              <a:t>13-Jan-25</a:t>
             </a:fld>
             <a:endParaRPr lang="en-US"/>
           </a:p>
@@ -2353,10 +2351,9 @@
           </a:lstStyle>
           <a:p>
             <a:r>
-              <a:rPr lang="en-US" smtClean="0"/>
+              <a:rPr lang="en-US"/>
               <a:t>Click to edit Master title style</a:t>
             </a:r>
-            <a:endParaRPr lang="en-US"/>
           </a:p>
         </p:txBody>
       </p:sp>
@@ -2480,7 +2477,7 @@
           <a:p>
             <a:pPr lvl="0"/>
             <a:r>
-              <a:rPr lang="en-US" smtClean="0"/>
+              <a:rPr lang="en-US"/>
               <a:t>Click to edit Master text styles</a:t>
             </a:r>
           </a:p>
@@ -2504,7 +2501,7 @@
             <a:fld id="{1D8BD707-D9CF-40AE-B4C6-C98DA3205C09}" type="datetimeFigureOut">
               <a:rPr lang="en-US" smtClean="0"/>
               <a:pPr/>
-              <a:t>8/1/2011</a:t>
+              <a:t>13-Jan-25</a:t>
             </a:fld>
             <a:endParaRPr lang="en-US"/>
           </a:p>
@@ -2609,10 +2606,9 @@
           <a:lstStyle/>
           <a:p>
             <a:r>
-              <a:rPr lang="en-US" smtClean="0"/>
+              <a:rPr lang="en-US"/>
               <a:t>Click to edit Master title style</a:t>
             </a:r>
-            <a:endParaRPr lang="en-US"/>
           </a:p>
         </p:txBody>
       </p:sp>
@@ -2643,38 +2639,37 @@
           <a:p>
             <a:pPr lvl="0"/>
             <a:r>
-              <a:rPr lang="en-US" smtClean="0"/>
+              <a:rPr lang="en-US"/>
               <a:t>Click to edit Master text styles</a:t>
             </a:r>
           </a:p>
           <a:p>
             <a:pPr lvl="1"/>
             <a:r>
-              <a:rPr lang="en-US" smtClean="0"/>
+              <a:rPr lang="en-US"/>
               <a:t>Second level</a:t>
             </a:r>
           </a:p>
           <a:p>
             <a:pPr lvl="2"/>
             <a:r>
-              <a:rPr lang="en-US" smtClean="0"/>
+              <a:rPr lang="en-US"/>
               <a:t>Third level</a:t>
             </a:r>
           </a:p>
           <a:p>
             <a:pPr lvl="3"/>
             <a:r>
-              <a:rPr lang="en-US" smtClean="0"/>
+              <a:rPr lang="en-US"/>
               <a:t>Fourth level</a:t>
             </a:r>
           </a:p>
           <a:p>
             <a:pPr lvl="4"/>
             <a:r>
-              <a:rPr lang="en-US" smtClean="0"/>
+              <a:rPr lang="en-US"/>
               <a:t>Fifth level</a:t>
             </a:r>
-            <a:endParaRPr lang="en-US"/>
           </a:p>
         </p:txBody>
       </p:sp>
@@ -2714,7 +2709,7 @@
             <a:fld id="{1D8BD707-D9CF-40AE-B4C6-C98DA3205C09}" type="datetimeFigureOut">
               <a:rPr lang="en-US" smtClean="0"/>
               <a:pPr/>
-              <a:t>8/1/2011</a:t>
+              <a:t>13-Jan-25</a:t>
             </a:fld>
             <a:endParaRPr lang="en-US"/>
           </a:p>
@@ -3069,7 +3064,7 @@
 </file>
 
 <file path=ppt/slides/slide1.xml><?xml version="1.0" encoding="utf-8"?>
-<p:sld xmlns:p="http://schemas.openxmlformats.org/presentationml/2006/main" xmlns:a="http://schemas.openxmlformats.org/drawingml/2006/main" xmlns:r="http://schemas.openxmlformats.org/officeDocument/2006/relationships">
+<p:sld xmlns:a="http://schemas.openxmlformats.org/drawingml/2006/main" xmlns:r="http://schemas.openxmlformats.org/officeDocument/2006/relationships" xmlns:p="http://schemas.openxmlformats.org/presentationml/2006/main">
   <p:cSld>
     <p:spTree>
       <p:nvGrpSpPr>
@@ -3087,12 +3082,12 @@
       </p:grpSpPr>
       <p:sp>
         <p:nvSpPr>
-          <p:cNvPr name="Freeform 2" id="2"/>
+          <p:cNvPr id="2" name="Freeform 2"/>
           <p:cNvSpPr/>
           <p:nvPr/>
         </p:nvSpPr>
         <p:spPr>
-          <a:xfrm flipH="false" flipV="false" rot="0">
+          <a:xfrm>
             <a:off x="0" y="0"/>
             <a:ext cx="18288000" cy="10287000"/>
           </a:xfrm>
@@ -3101,9 +3096,9 @@
             <a:gdLst/>
             <a:ahLst/>
             <a:cxnLst/>
-            <a:rect r="r" b="b" t="t" l="l"/>
+            <a:rect l="l" t="t" r="r" b="b"/>
             <a:pathLst>
-              <a:path h="10287000" w="18288000">
+              <a:path w="18288000" h="10287000">
                 <a:moveTo>
                   <a:pt x="0" y="0"/>
                 </a:moveTo>
@@ -3126,19 +3121,26 @@
           <a:blipFill>
             <a:blip r:embed="rId2"/>
             <a:stretch>
-              <a:fillRect l="-391" t="-19372" r="-391" b="0"/>
+              <a:fillRect l="-391" t="-19372" r="-391"/>
             </a:stretch>
           </a:blipFill>
         </p:spPr>
-      </p:sp>
-      <p:sp>
-        <p:nvSpPr>
-          <p:cNvPr name="TextBox 3" id="3"/>
-          <p:cNvSpPr txBox="true"/>
-          <p:nvPr/>
-        </p:nvSpPr>
-        <p:spPr>
-          <a:xfrm rot="0">
+        <p:txBody>
+          <a:bodyPr/>
+          <a:lstStyle/>
+          <a:p>
+            <a:endParaRPr lang="en-US"/>
+          </a:p>
+        </p:txBody>
+      </p:sp>
+      <p:sp>
+        <p:nvSpPr>
+          <p:cNvPr id="3" name="TextBox 3"/>
+          <p:cNvSpPr txBox="1"/>
+          <p:nvPr/>
+        </p:nvSpPr>
+        <p:spPr>
+          <a:xfrm>
             <a:off x="1945335" y="1320128"/>
             <a:ext cx="3149061" cy="714375"/>
           </a:xfrm>
@@ -3147,7 +3149,7 @@
           </a:prstGeom>
         </p:spPr>
         <p:txBody>
-          <a:bodyPr anchor="t" rtlCol="false" tIns="0" lIns="0" bIns="0" rIns="0">
+          <a:bodyPr lIns="0" tIns="0" rIns="0" bIns="0" rtlCol="0" anchor="t">
             <a:spAutoFit/>
           </a:bodyPr>
           <a:lstStyle/>
@@ -3174,12 +3176,12 @@
       </p:sp>
       <p:sp>
         <p:nvSpPr>
-          <p:cNvPr name="Freeform 4" id="4"/>
+          <p:cNvPr id="4" name="Freeform 4"/>
           <p:cNvSpPr/>
           <p:nvPr/>
         </p:nvSpPr>
         <p:spPr>
-          <a:xfrm flipH="false" flipV="false" rot="0">
+          <a:xfrm>
             <a:off x="416661" y="1063937"/>
             <a:ext cx="2028720" cy="1217232"/>
           </a:xfrm>
@@ -3188,9 +3190,9 @@
             <a:gdLst/>
             <a:ahLst/>
             <a:cxnLst/>
-            <a:rect r="r" b="b" t="t" l="l"/>
+            <a:rect l="l" t="t" r="r" b="b"/>
             <a:pathLst>
-              <a:path h="1217232" w="2028720">
+              <a:path w="2028720" h="1217232">
                 <a:moveTo>
                   <a:pt x="0" y="0"/>
                 </a:moveTo>
@@ -3213,19 +3215,26 @@
           <a:blipFill>
             <a:blip r:embed="rId3"/>
             <a:stretch>
-              <a:fillRect l="0" t="0" r="0" b="0"/>
+              <a:fillRect/>
             </a:stretch>
           </a:blipFill>
         </p:spPr>
+        <p:txBody>
+          <a:bodyPr/>
+          <a:lstStyle/>
+          <a:p>
+            <a:endParaRPr lang="en-US"/>
+          </a:p>
+        </p:txBody>
       </p:sp>
       <p:grpSp>
         <p:nvGrpSpPr>
-          <p:cNvPr name="Group 5" id="5"/>
+          <p:cNvPr id="5" name="Group 5"/>
           <p:cNvGrpSpPr/>
           <p:nvPr/>
         </p:nvGrpSpPr>
         <p:grpSpPr>
-          <a:xfrm rot="0">
+          <a:xfrm>
             <a:off x="6211045" y="1028700"/>
             <a:ext cx="12892568" cy="5271016"/>
             <a:chOff x="0" y="0"/>
@@ -3234,12 +3243,12 @@
         </p:grpSpPr>
         <p:sp>
           <p:nvSpPr>
-            <p:cNvPr name="TextBox 6" id="6"/>
-            <p:cNvSpPr txBox="true"/>
+            <p:cNvPr id="6" name="TextBox 6"/>
+            <p:cNvSpPr txBox="1"/>
             <p:nvPr/>
           </p:nvSpPr>
           <p:spPr>
-            <a:xfrm rot="0">
+            <a:xfrm>
               <a:off x="0" y="152400"/>
               <a:ext cx="17190091" cy="5954590"/>
             </a:xfrm>
@@ -3248,7 +3257,7 @@
             </a:prstGeom>
           </p:spPr>
           <p:txBody>
-            <a:bodyPr anchor="t" rtlCol="false" tIns="0" lIns="0" bIns="0" rIns="0">
+            <a:bodyPr lIns="0" tIns="0" rIns="0" bIns="0" rtlCol="0" anchor="t">
               <a:spAutoFit/>
             </a:bodyPr>
             <a:lstStyle/>
@@ -3294,12 +3303,12 @@
         </p:sp>
         <p:sp>
           <p:nvSpPr>
-            <p:cNvPr name="TextBox 7" id="7"/>
-            <p:cNvSpPr txBox="true"/>
+            <p:cNvPr id="7" name="TextBox 7"/>
+            <p:cNvSpPr txBox="1"/>
             <p:nvPr/>
           </p:nvSpPr>
           <p:spPr>
-            <a:xfrm rot="0">
+            <a:xfrm>
               <a:off x="0" y="6263904"/>
               <a:ext cx="16545072" cy="741257"/>
             </a:xfrm>
@@ -3308,12 +3317,12 @@
             </a:prstGeom>
           </p:spPr>
           <p:txBody>
-            <a:bodyPr anchor="t" rtlCol="false" tIns="0" lIns="0" bIns="0" rIns="0">
+            <a:bodyPr lIns="0" tIns="0" rIns="0" bIns="0" rtlCol="0" anchor="t">
               <a:spAutoFit/>
             </a:bodyPr>
             <a:lstStyle/>
             <a:p>
-              <a:pPr algn="l" marL="0" indent="0" lvl="0">
+              <a:pPr marL="0" lvl="0" indent="0" algn="l">
                 <a:lnSpc>
                   <a:spcPts val="4794"/>
                 </a:lnSpc>
@@ -3339,12 +3348,12 @@
       </p:grpSp>
       <p:grpSp>
         <p:nvGrpSpPr>
-          <p:cNvPr name="Group 8" id="8"/>
+          <p:cNvPr id="8" name="Group 8"/>
           <p:cNvGrpSpPr/>
           <p:nvPr/>
         </p:nvGrpSpPr>
         <p:grpSpPr>
-          <a:xfrm rot="0">
+          <a:xfrm>
             <a:off x="6211045" y="7910442"/>
             <a:ext cx="2938350" cy="743902"/>
             <a:chOff x="0" y="0"/>
@@ -3353,12 +3362,12 @@
         </p:grpSpPr>
         <p:sp>
           <p:nvSpPr>
-            <p:cNvPr name="TextBox 9" id="9"/>
-            <p:cNvSpPr txBox="true"/>
+            <p:cNvPr id="9" name="TextBox 9"/>
+            <p:cNvSpPr txBox="1"/>
             <p:nvPr/>
           </p:nvSpPr>
           <p:spPr>
-            <a:xfrm rot="0">
+            <a:xfrm>
               <a:off x="0" y="-4763"/>
               <a:ext cx="3917800" cy="428625"/>
             </a:xfrm>
@@ -3367,7 +3376,7 @@
             </a:prstGeom>
           </p:spPr>
           <p:txBody>
-            <a:bodyPr anchor="t" rtlCol="false" tIns="0" lIns="0" bIns="0" rIns="0">
+            <a:bodyPr lIns="0" tIns="0" rIns="0" bIns="0" rtlCol="0" anchor="t">
               <a:spAutoFit/>
             </a:bodyPr>
             <a:lstStyle/>
@@ -3378,7 +3387,7 @@
                 </a:lnSpc>
               </a:pPr>
               <a:r>
-                <a:rPr lang="en-US" sz="2100" b="true">
+                <a:rPr lang="en-US" sz="2100" b="1">
                   <a:solidFill>
                     <a:srgbClr val="FFFFFF"/>
                   </a:solidFill>
@@ -3394,12 +3403,12 @@
         </p:sp>
         <p:sp>
           <p:nvSpPr>
-            <p:cNvPr name="TextBox 10" id="10"/>
-            <p:cNvSpPr txBox="true"/>
+            <p:cNvPr id="10" name="TextBox 10"/>
+            <p:cNvSpPr txBox="1"/>
             <p:nvPr/>
           </p:nvSpPr>
           <p:spPr>
-            <a:xfrm rot="0">
+            <a:xfrm>
               <a:off x="0" y="520065"/>
               <a:ext cx="3917800" cy="471805"/>
             </a:xfrm>
@@ -3408,7 +3417,7 @@
             </a:prstGeom>
           </p:spPr>
           <p:txBody>
-            <a:bodyPr anchor="t" rtlCol="false" tIns="0" lIns="0" bIns="0" rIns="0">
+            <a:bodyPr lIns="0" tIns="0" rIns="0" bIns="0" rtlCol="0" anchor="t">
               <a:spAutoFit/>
             </a:bodyPr>
             <a:lstStyle/>
@@ -3436,12 +3445,12 @@
       </p:grpSp>
       <p:sp>
         <p:nvSpPr>
-          <p:cNvPr name="TextBox 11" id="11"/>
-          <p:cNvSpPr txBox="true"/>
-          <p:nvPr/>
-        </p:nvSpPr>
-        <p:spPr>
-          <a:xfrm rot="0">
+          <p:cNvPr id="11" name="TextBox 11"/>
+          <p:cNvSpPr txBox="1"/>
+          <p:nvPr/>
+        </p:nvSpPr>
+        <p:spPr>
+          <a:xfrm>
             <a:off x="9599117" y="7889964"/>
             <a:ext cx="3912511" cy="737235"/>
           </a:xfrm>
@@ -3450,7 +3459,7 @@
           </a:prstGeom>
         </p:spPr>
         <p:txBody>
-          <a:bodyPr anchor="t" rtlCol="false" tIns="0" lIns="0" bIns="0" rIns="0">
+          <a:bodyPr lIns="0" tIns="0" rIns="0" bIns="0" rtlCol="0" anchor="t">
             <a:spAutoFit/>
           </a:bodyPr>
           <a:lstStyle/>
@@ -3461,7 +3470,7 @@
               </a:lnSpc>
             </a:pPr>
             <a:r>
-              <a:rPr lang="en-US" sz="2100" b="true">
+              <a:rPr lang="en-US" sz="2100" b="1">
                 <a:solidFill>
                   <a:srgbClr val="FFFFFF"/>
                 </a:solidFill>
@@ -3485,7 +3494,7 @@
               <a:t>,</a:t>
             </a:r>
             <a:r>
-              <a:rPr lang="en-US" sz="2100" b="true">
+              <a:rPr lang="en-US" sz="2100" b="1">
                 <a:solidFill>
                   <a:srgbClr val="FFFFFF"/>
                 </a:solidFill>
@@ -3527,13 +3536,14 @@
 </file>
 
 <file path=ppt/slides/slide2.xml><?xml version="1.0" encoding="utf-8"?>
-<p:sld xmlns:p="http://schemas.openxmlformats.org/presentationml/2006/main" xmlns:a="http://schemas.openxmlformats.org/drawingml/2006/main" xmlns:r="http://schemas.openxmlformats.org/officeDocument/2006/relationships">
+<p:sld xmlns:a="http://schemas.openxmlformats.org/drawingml/2006/main" xmlns:r="http://schemas.openxmlformats.org/officeDocument/2006/relationships" xmlns:p="http://schemas.openxmlformats.org/presentationml/2006/main">
   <p:cSld>
     <p:bg>
       <p:bgPr>
         <a:solidFill>
           <a:srgbClr val="000000"/>
         </a:solidFill>
+        <a:effectLst/>
       </p:bgPr>
     </p:bg>
     <p:spTree>
@@ -3552,12 +3562,12 @@
       </p:grpSpPr>
       <p:sp>
         <p:nvSpPr>
-          <p:cNvPr name="Freeform 2" id="2"/>
+          <p:cNvPr id="2" name="Freeform 2"/>
           <p:cNvSpPr/>
           <p:nvPr/>
         </p:nvSpPr>
         <p:spPr>
-          <a:xfrm flipH="true" flipV="false" rot="0">
+          <a:xfrm flipH="1">
             <a:off x="-3507788" y="-3669139"/>
             <a:ext cx="22362959" cy="14908639"/>
           </a:xfrm>
@@ -3566,9 +3576,9 @@
             <a:gdLst/>
             <a:ahLst/>
             <a:cxnLst/>
-            <a:rect r="r" b="b" t="t" l="l"/>
+            <a:rect l="l" t="t" r="r" b="b"/>
             <a:pathLst>
-              <a:path h="14908639" w="22362959">
+              <a:path w="22362959" h="14908639">
                 <a:moveTo>
                   <a:pt x="22362959" y="0"/>
                 </a:moveTo>
@@ -3591,19 +3601,26 @@
           <a:blipFill>
             <a:blip r:embed="rId2"/>
             <a:stretch>
-              <a:fillRect l="0" t="0" r="0" b="0"/>
+              <a:fillRect/>
             </a:stretch>
           </a:blipFill>
         </p:spPr>
+        <p:txBody>
+          <a:bodyPr/>
+          <a:lstStyle/>
+          <a:p>
+            <a:endParaRPr lang="en-US"/>
+          </a:p>
+        </p:txBody>
       </p:sp>
       <p:grpSp>
         <p:nvGrpSpPr>
-          <p:cNvPr name="Group 3" id="3"/>
+          <p:cNvPr id="3" name="Group 3"/>
           <p:cNvGrpSpPr/>
           <p:nvPr/>
         </p:nvGrpSpPr>
         <p:grpSpPr>
-          <a:xfrm rot="0">
+          <a:xfrm>
             <a:off x="9997695" y="1047750"/>
             <a:ext cx="392597" cy="392597"/>
             <a:chOff x="0" y="0"/>
@@ -3612,12 +3629,12 @@
         </p:grpSpPr>
         <p:sp>
           <p:nvSpPr>
-            <p:cNvPr name="Freeform 4" id="4"/>
+            <p:cNvPr id="4" name="Freeform 4"/>
             <p:cNvSpPr/>
             <p:nvPr/>
           </p:nvSpPr>
           <p:spPr>
-            <a:xfrm flipH="false" flipV="false" rot="0">
+            <a:xfrm>
               <a:off x="0" y="0"/>
               <a:ext cx="6350000" cy="6350000"/>
             </a:xfrm>
@@ -3626,9 +3643,9 @@
               <a:gdLst/>
               <a:ahLst/>
               <a:cxnLst/>
-              <a:rect r="r" b="b" t="t" l="l"/>
+              <a:rect l="l" t="t" r="r" b="b"/>
               <a:pathLst>
-                <a:path h="6350000" w="6350000">
+                <a:path w="6350000" h="6350000">
                   <a:moveTo>
                     <a:pt x="3175000" y="0"/>
                   </a:moveTo>
@@ -3662,16 +3679,23 @@
               </a:srgbClr>
             </a:solidFill>
           </p:spPr>
+          <p:txBody>
+            <a:bodyPr/>
+            <a:lstStyle/>
+            <a:p>
+              <a:endParaRPr lang="en-US"/>
+            </a:p>
+          </p:txBody>
         </p:sp>
       </p:grpSp>
       <p:sp>
         <p:nvSpPr>
-          <p:cNvPr name="Freeform 5" id="5"/>
+          <p:cNvPr id="5" name="Freeform 5"/>
           <p:cNvSpPr/>
           <p:nvPr/>
         </p:nvSpPr>
         <p:spPr>
-          <a:xfrm flipH="false" flipV="false" rot="0">
+          <a:xfrm>
             <a:off x="9700593" y="5170506"/>
             <a:ext cx="341390" cy="341390"/>
           </a:xfrm>
@@ -3680,9 +3704,9 @@
             <a:gdLst/>
             <a:ahLst/>
             <a:cxnLst/>
-            <a:rect r="r" b="b" t="t" l="l"/>
+            <a:rect l="l" t="t" r="r" b="b"/>
             <a:pathLst>
-              <a:path h="341390" w="341390">
+              <a:path w="341390" h="341390">
                 <a:moveTo>
                   <a:pt x="0" y="0"/>
                 </a:moveTo>
@@ -3711,19 +3735,26 @@
               </a:extLst>
             </a:blip>
             <a:stretch>
-              <a:fillRect l="0" t="0" r="0" b="0"/>
+              <a:fillRect/>
             </a:stretch>
           </a:blipFill>
         </p:spPr>
-      </p:sp>
-      <p:sp>
-        <p:nvSpPr>
-          <p:cNvPr name="Freeform 6" id="6"/>
+        <p:txBody>
+          <a:bodyPr/>
+          <a:lstStyle/>
+          <a:p>
+            <a:endParaRPr lang="en-US"/>
+          </a:p>
+        </p:txBody>
+      </p:sp>
+      <p:sp>
+        <p:nvSpPr>
+          <p:cNvPr id="6" name="Freeform 6"/>
           <p:cNvSpPr/>
           <p:nvPr/>
         </p:nvSpPr>
         <p:spPr>
-          <a:xfrm flipH="false" flipV="false" rot="0">
+          <a:xfrm>
             <a:off x="9700593" y="7367726"/>
             <a:ext cx="341390" cy="341390"/>
           </a:xfrm>
@@ -3732,9 +3763,9 @@
             <a:gdLst/>
             <a:ahLst/>
             <a:cxnLst/>
-            <a:rect r="r" b="b" t="t" l="l"/>
+            <a:rect l="l" t="t" r="r" b="b"/>
             <a:pathLst>
-              <a:path h="341390" w="341390">
+              <a:path w="341390" h="341390">
                 <a:moveTo>
                   <a:pt x="0" y="0"/>
                 </a:moveTo>
@@ -3763,19 +3794,26 @@
               </a:extLst>
             </a:blip>
             <a:stretch>
-              <a:fillRect l="0" t="0" r="0" b="0"/>
+              <a:fillRect/>
             </a:stretch>
           </a:blipFill>
         </p:spPr>
-      </p:sp>
-      <p:sp>
-        <p:nvSpPr>
-          <p:cNvPr name="TextBox 7" id="7"/>
-          <p:cNvSpPr txBox="true"/>
-          <p:nvPr/>
-        </p:nvSpPr>
-        <p:spPr>
-          <a:xfrm rot="0">
+        <p:txBody>
+          <a:bodyPr/>
+          <a:lstStyle/>
+          <a:p>
+            <a:endParaRPr lang="en-US"/>
+          </a:p>
+        </p:txBody>
+      </p:sp>
+      <p:sp>
+        <p:nvSpPr>
+          <p:cNvPr id="7" name="TextBox 7"/>
+          <p:cNvSpPr txBox="1"/>
+          <p:nvPr/>
+        </p:nvSpPr>
+        <p:spPr>
+          <a:xfrm>
             <a:off x="10365282" y="4922856"/>
             <a:ext cx="7261605" cy="1746885"/>
           </a:xfrm>
@@ -3784,7 +3822,7 @@
           </a:prstGeom>
         </p:spPr>
         <p:txBody>
-          <a:bodyPr anchor="t" rtlCol="false" tIns="0" lIns="0" bIns="0" rIns="0">
+          <a:bodyPr lIns="0" tIns="0" rIns="0" bIns="0" rtlCol="0" anchor="t">
             <a:spAutoFit/>
           </a:bodyPr>
           <a:lstStyle/>
@@ -3811,12 +3849,12 @@
       </p:sp>
       <p:grpSp>
         <p:nvGrpSpPr>
-          <p:cNvPr name="Group 8" id="8"/>
+          <p:cNvPr id="8" name="Group 8"/>
           <p:cNvGrpSpPr/>
           <p:nvPr/>
         </p:nvGrpSpPr>
         <p:grpSpPr>
-          <a:xfrm rot="0">
+          <a:xfrm>
             <a:off x="1028700" y="649005"/>
             <a:ext cx="9361592" cy="4370458"/>
             <a:chOff x="0" y="0"/>
@@ -3825,12 +3863,12 @@
         </p:grpSpPr>
         <p:sp>
           <p:nvSpPr>
-            <p:cNvPr name="TextBox 9" id="9"/>
-            <p:cNvSpPr txBox="true"/>
+            <p:cNvPr id="9" name="TextBox 9"/>
+            <p:cNvSpPr txBox="1"/>
             <p:nvPr/>
           </p:nvSpPr>
           <p:spPr>
-            <a:xfrm rot="0">
+            <a:xfrm>
               <a:off x="0" y="228600"/>
               <a:ext cx="12482123" cy="2209800"/>
             </a:xfrm>
@@ -3839,7 +3877,7 @@
             </a:prstGeom>
           </p:spPr>
           <p:txBody>
-            <a:bodyPr anchor="t" rtlCol="false" tIns="0" lIns="0" bIns="0" rIns="0">
+            <a:bodyPr lIns="0" tIns="0" rIns="0" bIns="0" rtlCol="0" anchor="t">
               <a:spAutoFit/>
             </a:bodyPr>
             <a:lstStyle/>
@@ -3866,12 +3904,12 @@
         </p:sp>
         <p:sp>
           <p:nvSpPr>
-            <p:cNvPr name="TextBox 10" id="10"/>
-            <p:cNvSpPr txBox="true"/>
+            <p:cNvPr id="10" name="TextBox 10"/>
+            <p:cNvSpPr txBox="1"/>
             <p:nvPr/>
           </p:nvSpPr>
           <p:spPr>
-            <a:xfrm rot="0">
+            <a:xfrm>
               <a:off x="0" y="2576077"/>
               <a:ext cx="10967192" cy="3279775"/>
             </a:xfrm>
@@ -3880,7 +3918,7 @@
             </a:prstGeom>
           </p:spPr>
           <p:txBody>
-            <a:bodyPr anchor="t" rtlCol="false" tIns="0" lIns="0" bIns="0" rIns="0">
+            <a:bodyPr lIns="0" tIns="0" rIns="0" bIns="0" rtlCol="0" anchor="t">
               <a:spAutoFit/>
             </a:bodyPr>
             <a:lstStyle/>
@@ -3908,12 +3946,12 @@
       </p:grpSp>
       <p:sp>
         <p:nvSpPr>
-          <p:cNvPr name="TextBox 11" id="11"/>
-          <p:cNvSpPr txBox="true"/>
-          <p:nvPr/>
-        </p:nvSpPr>
-        <p:spPr>
-          <a:xfrm rot="0">
+          <p:cNvPr id="11" name="TextBox 11"/>
+          <p:cNvSpPr txBox="1"/>
+          <p:nvPr/>
+        </p:nvSpPr>
+        <p:spPr>
+          <a:xfrm>
             <a:off x="10365282" y="7339151"/>
             <a:ext cx="7261605" cy="1308735"/>
           </a:xfrm>
@@ -3922,7 +3960,7 @@
           </a:prstGeom>
         </p:spPr>
         <p:txBody>
-          <a:bodyPr anchor="t" rtlCol="false" tIns="0" lIns="0" bIns="0" rIns="0">
+          <a:bodyPr lIns="0" tIns="0" rIns="0" bIns="0" rtlCol="0" anchor="t">
             <a:spAutoFit/>
           </a:bodyPr>
           <a:lstStyle/>
@@ -3953,13 +3991,13 @@
     <a:masterClrMapping/>
   </p:clrMapOvr>
   <p:transition spd="slow">
-    <p:push dir="l"/>
+    <p:push/>
   </p:transition>
 </p:sld>
 </file>
 
 <file path=ppt/slides/slide3.xml><?xml version="1.0" encoding="utf-8"?>
-<p:sld xmlns:p="http://schemas.openxmlformats.org/presentationml/2006/main" xmlns:a="http://schemas.openxmlformats.org/drawingml/2006/main" xmlns:r="http://schemas.openxmlformats.org/officeDocument/2006/relationships">
+<p:sld xmlns:a="http://schemas.openxmlformats.org/drawingml/2006/main" xmlns:r="http://schemas.openxmlformats.org/officeDocument/2006/relationships" xmlns:p="http://schemas.openxmlformats.org/presentationml/2006/main">
   <p:cSld>
     <p:spTree>
       <p:nvGrpSpPr>
@@ -3977,12 +4015,12 @@
       </p:grpSpPr>
       <p:sp>
         <p:nvSpPr>
-          <p:cNvPr name="Freeform 2" id="2"/>
+          <p:cNvPr id="2" name="Freeform 2"/>
           <p:cNvSpPr/>
           <p:nvPr/>
         </p:nvSpPr>
         <p:spPr>
-          <a:xfrm flipH="false" flipV="false" rot="0">
+          <a:xfrm>
             <a:off x="0" y="-3028388"/>
             <a:ext cx="23085421" cy="15247765"/>
           </a:xfrm>
@@ -3991,9 +4029,9 @@
             <a:gdLst/>
             <a:ahLst/>
             <a:cxnLst/>
-            <a:rect r="r" b="b" t="t" l="l"/>
+            <a:rect l="l" t="t" r="r" b="b"/>
             <a:pathLst>
-              <a:path h="15247765" w="23085421">
+              <a:path w="23085421" h="15247765">
                 <a:moveTo>
                   <a:pt x="0" y="0"/>
                 </a:moveTo>
@@ -4016,19 +4054,26 @@
           <a:blipFill>
             <a:blip r:embed="rId2"/>
             <a:stretch>
-              <a:fillRect l="0" t="-435" r="0" b="-435"/>
+              <a:fillRect t="-435" b="-435"/>
             </a:stretch>
           </a:blipFill>
         </p:spPr>
-      </p:sp>
-      <p:sp>
-        <p:nvSpPr>
-          <p:cNvPr name="TextBox 3" id="3"/>
-          <p:cNvSpPr txBox="true"/>
-          <p:nvPr/>
-        </p:nvSpPr>
-        <p:spPr>
-          <a:xfrm rot="0">
+        <p:txBody>
+          <a:bodyPr/>
+          <a:lstStyle/>
+          <a:p>
+            <a:endParaRPr lang="en-US"/>
+          </a:p>
+        </p:txBody>
+      </p:sp>
+      <p:sp>
+        <p:nvSpPr>
+          <p:cNvPr id="3" name="TextBox 3"/>
+          <p:cNvSpPr txBox="1"/>
+          <p:nvPr/>
+        </p:nvSpPr>
+        <p:spPr>
+          <a:xfrm>
             <a:off x="840561" y="738309"/>
             <a:ext cx="14194078" cy="1156969"/>
           </a:xfrm>
@@ -4037,7 +4082,7 @@
           </a:prstGeom>
         </p:spPr>
         <p:txBody>
-          <a:bodyPr anchor="t" rtlCol="false" tIns="0" lIns="0" bIns="0" rIns="0">
+          <a:bodyPr lIns="0" tIns="0" rIns="0" bIns="0" rtlCol="0" anchor="t">
             <a:spAutoFit/>
           </a:bodyPr>
           <a:lstStyle/>
@@ -4064,12 +4109,12 @@
       </p:sp>
       <p:sp>
         <p:nvSpPr>
-          <p:cNvPr name="TextBox 4" id="4"/>
-          <p:cNvSpPr txBox="true"/>
-          <p:nvPr/>
-        </p:nvSpPr>
-        <p:spPr>
-          <a:xfrm rot="0">
+          <p:cNvPr id="4" name="TextBox 4"/>
+          <p:cNvSpPr txBox="1"/>
+          <p:nvPr/>
+        </p:nvSpPr>
+        <p:spPr>
+          <a:xfrm>
             <a:off x="1028700" y="2114866"/>
             <a:ext cx="10811716" cy="981075"/>
           </a:xfrm>
@@ -4078,7 +4123,7 @@
           </a:prstGeom>
         </p:spPr>
         <p:txBody>
-          <a:bodyPr anchor="t" rtlCol="false" tIns="0" lIns="0" bIns="0" rIns="0">
+          <a:bodyPr lIns="0" tIns="0" rIns="0" bIns="0" rtlCol="0" anchor="t">
             <a:spAutoFit/>
           </a:bodyPr>
           <a:lstStyle/>
@@ -4105,31 +4150,38 @@
       </p:sp>
       <p:sp>
         <p:nvSpPr>
-          <p:cNvPr name="AutoShape 5" id="5"/>
+          <p:cNvPr id="5" name="AutoShape 5"/>
           <p:cNvSpPr/>
           <p:nvPr/>
         </p:nvSpPr>
         <p:spPr>
-          <a:xfrm flipV="true">
+          <a:xfrm flipV="1">
             <a:off x="14764340" y="3554631"/>
             <a:ext cx="0" cy="3541746"/>
           </a:xfrm>
           <a:prstGeom prst="line">
             <a:avLst/>
           </a:prstGeom>
-          <a:ln cap="flat" w="38100">
+          <a:ln w="38100" cap="flat">
             <a:solidFill>
               <a:srgbClr val="FFFFFF"/>
             </a:solidFill>
             <a:prstDash val="solid"/>
-            <a:headEnd type="none" len="sm" w="sm"/>
-            <a:tailEnd type="arrow" len="sm" w="med"/>
+            <a:headEnd type="none" w="sm" len="sm"/>
+            <a:tailEnd type="arrow" w="med" len="sm"/>
           </a:ln>
         </p:spPr>
-      </p:sp>
-      <p:sp>
-        <p:nvSpPr>
-          <p:cNvPr name="AutoShape 6" id="6"/>
+        <p:txBody>
+          <a:bodyPr/>
+          <a:lstStyle/>
+          <a:p>
+            <a:endParaRPr lang="en-US"/>
+          </a:p>
+        </p:txBody>
+      </p:sp>
+      <p:sp>
+        <p:nvSpPr>
+          <p:cNvPr id="6" name="AutoShape 6"/>
           <p:cNvSpPr/>
           <p:nvPr/>
         </p:nvSpPr>
@@ -4141,33 +4193,40 @@
           <a:prstGeom prst="line">
             <a:avLst/>
           </a:prstGeom>
-          <a:ln cap="flat" w="38100">
+          <a:ln w="38100" cap="flat">
             <a:solidFill>
               <a:srgbClr val="FFFFFF"/>
             </a:solidFill>
             <a:prstDash val="solid"/>
-            <a:headEnd type="none" len="sm" w="sm"/>
-            <a:tailEnd type="arrow" len="sm" w="med"/>
+            <a:headEnd type="none" w="sm" len="sm"/>
+            <a:tailEnd type="arrow" w="med" len="sm"/>
           </a:ln>
         </p:spPr>
-      </p:sp>
-      <p:sp>
-        <p:nvSpPr>
-          <p:cNvPr name="TextBox 7" id="7"/>
-          <p:cNvSpPr txBox="true"/>
-          <p:nvPr/>
-        </p:nvSpPr>
-        <p:spPr>
-          <a:xfrm rot="0">
-            <a:off x="14187969" y="2925346"/>
-            <a:ext cx="1152741" cy="353060"/>
+        <p:txBody>
+          <a:bodyPr/>
+          <a:lstStyle/>
+          <a:p>
+            <a:endParaRPr lang="en-US"/>
+          </a:p>
+        </p:txBody>
+      </p:sp>
+      <p:sp>
+        <p:nvSpPr>
+          <p:cNvPr id="7" name="TextBox 7"/>
+          <p:cNvSpPr txBox="1"/>
+          <p:nvPr/>
+        </p:nvSpPr>
+        <p:spPr>
+          <a:xfrm>
+            <a:off x="14072059" y="2909887"/>
+            <a:ext cx="1384562" cy="353060"/>
           </a:xfrm>
           <a:prstGeom prst="rect">
             <a:avLst/>
           </a:prstGeom>
         </p:spPr>
         <p:txBody>
-          <a:bodyPr anchor="t" rtlCol="false" tIns="0" lIns="0" bIns="0" rIns="0">
+          <a:bodyPr lIns="0" tIns="0" rIns="0" bIns="0" rtlCol="0" anchor="t">
             <a:spAutoFit/>
           </a:bodyPr>
           <a:lstStyle/>
@@ -4197,21 +4256,21 @@
       </p:sp>
       <p:sp>
         <p:nvSpPr>
-          <p:cNvPr name="TextBox 8" id="8"/>
-          <p:cNvSpPr txBox="true"/>
-          <p:nvPr/>
-        </p:nvSpPr>
-        <p:spPr>
-          <a:xfrm rot="0">
-            <a:off x="16718702" y="5063250"/>
-            <a:ext cx="1081196" cy="353060"/>
+          <p:cNvPr id="8" name="TextBox 8"/>
+          <p:cNvSpPr txBox="1"/>
+          <p:nvPr/>
+        </p:nvSpPr>
+        <p:spPr>
+          <a:xfrm>
+            <a:off x="16588303" y="5063250"/>
+            <a:ext cx="1341994" cy="353060"/>
           </a:xfrm>
           <a:prstGeom prst="rect">
             <a:avLst/>
           </a:prstGeom>
         </p:spPr>
         <p:txBody>
-          <a:bodyPr anchor="t" rtlCol="false" tIns="0" lIns="0" bIns="0" rIns="0">
+          <a:bodyPr lIns="0" tIns="0" rIns="0" bIns="0" rtlCol="0" anchor="t">
             <a:spAutoFit/>
           </a:bodyPr>
           <a:lstStyle/>
@@ -4241,12 +4300,12 @@
       </p:sp>
       <p:sp>
         <p:nvSpPr>
-          <p:cNvPr name="TextBox 9" id="9"/>
-          <p:cNvSpPr txBox="true"/>
-          <p:nvPr/>
-        </p:nvSpPr>
-        <p:spPr>
-          <a:xfrm rot="0">
+          <p:cNvPr id="9" name="TextBox 9"/>
+          <p:cNvSpPr txBox="1"/>
+          <p:nvPr/>
+        </p:nvSpPr>
+        <p:spPr>
+          <a:xfrm>
             <a:off x="14913419" y="4077088"/>
             <a:ext cx="1081196" cy="485775"/>
           </a:xfrm>
@@ -4255,7 +4314,7 @@
           </a:prstGeom>
         </p:spPr>
         <p:txBody>
-          <a:bodyPr anchor="t" rtlCol="false" tIns="0" lIns="0" bIns="0" rIns="0">
+          <a:bodyPr lIns="0" tIns="0" rIns="0" bIns="0" rtlCol="0" anchor="t">
             <a:spAutoFit/>
           </a:bodyPr>
           <a:lstStyle/>
@@ -4285,12 +4344,12 @@
       </p:sp>
       <p:sp>
         <p:nvSpPr>
-          <p:cNvPr name="TextBox 10" id="10"/>
-          <p:cNvSpPr txBox="true"/>
-          <p:nvPr/>
-        </p:nvSpPr>
-        <p:spPr>
-          <a:xfrm rot="0">
+          <p:cNvPr id="10" name="TextBox 10"/>
+          <p:cNvSpPr txBox="1"/>
+          <p:nvPr/>
+        </p:nvSpPr>
+        <p:spPr>
+          <a:xfrm>
             <a:off x="14023818" y="5303911"/>
             <a:ext cx="1081196" cy="485775"/>
           </a:xfrm>
@@ -4299,7 +4358,7 @@
           </a:prstGeom>
         </p:spPr>
         <p:txBody>
-          <a:bodyPr anchor="t" rtlCol="false" tIns="0" lIns="0" bIns="0" rIns="0">
+          <a:bodyPr lIns="0" tIns="0" rIns="0" bIns="0" rtlCol="0" anchor="t">
             <a:spAutoFit/>
           </a:bodyPr>
           <a:lstStyle/>
@@ -4329,12 +4388,12 @@
       </p:sp>
       <p:sp>
         <p:nvSpPr>
-          <p:cNvPr name="TextBox 11" id="11"/>
-          <p:cNvSpPr txBox="true"/>
-          <p:nvPr/>
-        </p:nvSpPr>
-        <p:spPr>
-          <a:xfrm rot="0">
+          <p:cNvPr id="11" name="TextBox 11"/>
+          <p:cNvSpPr txBox="1"/>
+          <p:nvPr/>
+        </p:nvSpPr>
+        <p:spPr>
+          <a:xfrm>
             <a:off x="13595688" y="4566919"/>
             <a:ext cx="1081196" cy="485775"/>
           </a:xfrm>
@@ -4343,7 +4402,7 @@
           </a:prstGeom>
         </p:spPr>
         <p:txBody>
-          <a:bodyPr anchor="t" rtlCol="false" tIns="0" lIns="0" bIns="0" rIns="0">
+          <a:bodyPr lIns="0" tIns="0" rIns="0" bIns="0" rtlCol="0" anchor="t">
             <a:spAutoFit/>
           </a:bodyPr>
           <a:lstStyle/>
@@ -4373,12 +4432,12 @@
       </p:sp>
       <p:sp>
         <p:nvSpPr>
-          <p:cNvPr name="TextBox 12" id="12"/>
-          <p:cNvSpPr txBox="true"/>
-          <p:nvPr/>
-        </p:nvSpPr>
-        <p:spPr>
-          <a:xfrm rot="0">
+          <p:cNvPr id="12" name="TextBox 12"/>
+          <p:cNvSpPr txBox="1"/>
+          <p:nvPr/>
+        </p:nvSpPr>
+        <p:spPr>
+          <a:xfrm>
             <a:off x="14800113" y="5616334"/>
             <a:ext cx="1081196" cy="485775"/>
           </a:xfrm>
@@ -4387,7 +4446,7 @@
           </a:prstGeom>
         </p:spPr>
         <p:txBody>
-          <a:bodyPr anchor="t" rtlCol="false" tIns="0" lIns="0" bIns="0" rIns="0">
+          <a:bodyPr lIns="0" tIns="0" rIns="0" bIns="0" rtlCol="0" anchor="t">
             <a:spAutoFit/>
           </a:bodyPr>
           <a:lstStyle/>
@@ -4417,12 +4476,12 @@
       </p:sp>
       <p:grpSp>
         <p:nvGrpSpPr>
-          <p:cNvPr name="Group 13" id="13"/>
+          <p:cNvPr id="13" name="Group 13"/>
           <p:cNvGrpSpPr/>
           <p:nvPr/>
         </p:nvGrpSpPr>
         <p:grpSpPr>
-          <a:xfrm rot="0">
+          <a:xfrm>
             <a:off x="1028700" y="6017155"/>
             <a:ext cx="10811716" cy="1785303"/>
             <a:chOff x="0" y="0"/>
@@ -4431,12 +4490,12 @@
         </p:grpSpPr>
         <p:sp>
           <p:nvSpPr>
-            <p:cNvPr name="TextBox 14" id="14"/>
-            <p:cNvSpPr txBox="true"/>
+            <p:cNvPr id="14" name="TextBox 14"/>
+            <p:cNvSpPr txBox="1"/>
             <p:nvPr/>
           </p:nvSpPr>
           <p:spPr>
-            <a:xfrm rot="0">
+            <a:xfrm>
               <a:off x="0" y="-28575"/>
               <a:ext cx="14415621" cy="638175"/>
             </a:xfrm>
@@ -4445,7 +4504,7 @@
             </a:prstGeom>
           </p:spPr>
           <p:txBody>
-            <a:bodyPr anchor="t" rtlCol="false" tIns="0" lIns="0" bIns="0" rIns="0">
+            <a:bodyPr lIns="0" tIns="0" rIns="0" bIns="0" rtlCol="0" anchor="t">
               <a:spAutoFit/>
             </a:bodyPr>
             <a:lstStyle/>
@@ -4472,12 +4531,12 @@
         </p:sp>
         <p:sp>
           <p:nvSpPr>
-            <p:cNvPr name="TextBox 15" id="15"/>
-            <p:cNvSpPr txBox="true"/>
+            <p:cNvPr id="15" name="TextBox 15"/>
+            <p:cNvSpPr txBox="1"/>
             <p:nvPr/>
           </p:nvSpPr>
           <p:spPr>
-            <a:xfrm rot="0">
+            <a:xfrm>
               <a:off x="0" y="1106171"/>
               <a:ext cx="14415621" cy="1280583"/>
             </a:xfrm>
@@ -4486,12 +4545,12 @@
             </a:prstGeom>
           </p:spPr>
           <p:txBody>
-            <a:bodyPr anchor="t" rtlCol="false" tIns="0" lIns="0" bIns="0" rIns="0">
+            <a:bodyPr lIns="0" tIns="0" rIns="0" bIns="0" rtlCol="0" anchor="t">
               <a:spAutoFit/>
             </a:bodyPr>
             <a:lstStyle/>
             <a:p>
-              <a:pPr algn="l" marL="431802" indent="-215901" lvl="1">
+              <a:pPr marL="431802" lvl="1" indent="-215901" algn="l">
                 <a:lnSpc>
                   <a:spcPts val="2600"/>
                 </a:lnSpc>
@@ -4512,7 +4571,7 @@
               </a:r>
             </a:p>
             <a:p>
-              <a:pPr algn="l" marL="431802" indent="-215901" lvl="1">
+              <a:pPr marL="431802" lvl="1" indent="-215901" algn="l">
                 <a:lnSpc>
                   <a:spcPts val="2600"/>
                 </a:lnSpc>
@@ -4533,7 +4592,7 @@
               </a:r>
             </a:p>
             <a:p>
-              <a:pPr algn="l" marL="431802" indent="-215901" lvl="1">
+              <a:pPr marL="431802" lvl="1" indent="-215901" algn="l">
                 <a:lnSpc>
                   <a:spcPts val="2600"/>
                 </a:lnSpc>
@@ -4557,12 +4616,12 @@
         </p:sp>
         <p:sp>
           <p:nvSpPr>
-            <p:cNvPr name="TextBox 16" id="16"/>
-            <p:cNvSpPr txBox="true"/>
+            <p:cNvPr id="16" name="TextBox 16"/>
+            <p:cNvSpPr txBox="1"/>
             <p:nvPr/>
           </p:nvSpPr>
           <p:spPr>
-            <a:xfrm rot="0">
+            <a:xfrm>
               <a:off x="6288560" y="1099821"/>
               <a:ext cx="4789824" cy="1280583"/>
             </a:xfrm>
@@ -4571,12 +4630,12 @@
             </a:prstGeom>
           </p:spPr>
           <p:txBody>
-            <a:bodyPr anchor="t" rtlCol="false" tIns="0" lIns="0" bIns="0" rIns="0">
+            <a:bodyPr lIns="0" tIns="0" rIns="0" bIns="0" rtlCol="0" anchor="t">
               <a:spAutoFit/>
             </a:bodyPr>
             <a:lstStyle/>
             <a:p>
-              <a:pPr algn="l" marL="431802" indent="-215901" lvl="1">
+              <a:pPr marL="431802" lvl="1" indent="-215901" algn="l">
                 <a:lnSpc>
                   <a:spcPts val="2600"/>
                 </a:lnSpc>
@@ -4597,7 +4656,7 @@
               </a:r>
             </a:p>
             <a:p>
-              <a:pPr algn="l" marL="431802" indent="-215901" lvl="1">
+              <a:pPr marL="431802" lvl="1" indent="-215901" algn="l">
                 <a:lnSpc>
                   <a:spcPts val="2600"/>
                 </a:lnSpc>
@@ -4618,7 +4677,7 @@
               </a:r>
             </a:p>
             <a:p>
-              <a:pPr algn="l" marL="431802" indent="-215901" lvl="1">
+              <a:pPr marL="431802" lvl="1" indent="-215901" algn="l">
                 <a:lnSpc>
                   <a:spcPts val="2600"/>
                 </a:lnSpc>
@@ -4643,12 +4702,12 @@
       </p:grpSp>
       <p:sp>
         <p:nvSpPr>
-          <p:cNvPr name="Freeform 17" id="17"/>
+          <p:cNvPr id="17" name="Freeform 17"/>
           <p:cNvSpPr/>
           <p:nvPr/>
         </p:nvSpPr>
         <p:spPr>
-          <a:xfrm flipH="false" flipV="false" rot="0">
+          <a:xfrm>
             <a:off x="1307460" y="3416022"/>
             <a:ext cx="277217" cy="277217"/>
           </a:xfrm>
@@ -4657,9 +4716,9 @@
             <a:gdLst/>
             <a:ahLst/>
             <a:cxnLst/>
-            <a:rect r="r" b="b" t="t" l="l"/>
+            <a:rect l="l" t="t" r="r" b="b"/>
             <a:pathLst>
-              <a:path h="277217" w="277217">
+              <a:path w="277217" h="277217">
                 <a:moveTo>
                   <a:pt x="0" y="0"/>
                 </a:moveTo>
@@ -4688,19 +4747,26 @@
               </a:extLst>
             </a:blip>
             <a:stretch>
-              <a:fillRect l="0" t="0" r="0" b="0"/>
+              <a:fillRect/>
             </a:stretch>
           </a:blipFill>
         </p:spPr>
-      </p:sp>
-      <p:sp>
-        <p:nvSpPr>
-          <p:cNvPr name="Freeform 18" id="18"/>
+        <p:txBody>
+          <a:bodyPr/>
+          <a:lstStyle/>
+          <a:p>
+            <a:endParaRPr lang="en-US"/>
+          </a:p>
+        </p:txBody>
+      </p:sp>
+      <p:sp>
+        <p:nvSpPr>
+          <p:cNvPr id="18" name="Freeform 18"/>
           <p:cNvSpPr/>
           <p:nvPr/>
         </p:nvSpPr>
         <p:spPr>
-          <a:xfrm flipH="false" flipV="false" rot="0">
+          <a:xfrm>
             <a:off x="1307460" y="4408836"/>
             <a:ext cx="277217" cy="277217"/>
           </a:xfrm>
@@ -4709,9 +4775,9 @@
             <a:gdLst/>
             <a:ahLst/>
             <a:cxnLst/>
-            <a:rect r="r" b="b" t="t" l="l"/>
+            <a:rect l="l" t="t" r="r" b="b"/>
             <a:pathLst>
-              <a:path h="277217" w="277217">
+              <a:path w="277217" h="277217">
                 <a:moveTo>
                   <a:pt x="0" y="0"/>
                 </a:moveTo>
@@ -4740,19 +4806,26 @@
               </a:extLst>
             </a:blip>
             <a:stretch>
-              <a:fillRect l="0" t="0" r="0" b="0"/>
+              <a:fillRect/>
             </a:stretch>
           </a:blipFill>
         </p:spPr>
-      </p:sp>
-      <p:sp>
-        <p:nvSpPr>
-          <p:cNvPr name="TextBox 19" id="19"/>
-          <p:cNvSpPr txBox="true"/>
-          <p:nvPr/>
-        </p:nvSpPr>
-        <p:spPr>
-          <a:xfrm rot="0">
+        <p:txBody>
+          <a:bodyPr/>
+          <a:lstStyle/>
+          <a:p>
+            <a:endParaRPr lang="en-US"/>
+          </a:p>
+        </p:txBody>
+      </p:sp>
+      <p:sp>
+        <p:nvSpPr>
+          <p:cNvPr id="19" name="TextBox 19"/>
+          <p:cNvSpPr txBox="1"/>
+          <p:nvPr/>
+        </p:nvSpPr>
+        <p:spPr>
+          <a:xfrm>
             <a:off x="1818893" y="3368649"/>
             <a:ext cx="9993211" cy="594995"/>
           </a:xfrm>
@@ -4761,7 +4834,7 @@
           </a:prstGeom>
         </p:spPr>
         <p:txBody>
-          <a:bodyPr anchor="t" rtlCol="false" tIns="0" lIns="0" bIns="0" rIns="0">
+          <a:bodyPr lIns="0" tIns="0" rIns="0" bIns="0" rtlCol="0" anchor="t">
             <a:spAutoFit/>
           </a:bodyPr>
           <a:lstStyle/>
@@ -4788,12 +4861,12 @@
       </p:sp>
       <p:sp>
         <p:nvSpPr>
-          <p:cNvPr name="TextBox 20" id="20"/>
-          <p:cNvSpPr txBox="true"/>
-          <p:nvPr/>
-        </p:nvSpPr>
-        <p:spPr>
-          <a:xfrm rot="0">
+          <p:cNvPr id="20" name="TextBox 20"/>
+          <p:cNvSpPr txBox="1"/>
+          <p:nvPr/>
+        </p:nvSpPr>
+        <p:spPr>
+          <a:xfrm>
             <a:off x="1809368" y="4318637"/>
             <a:ext cx="10031048" cy="1204595"/>
           </a:xfrm>
@@ -4802,7 +4875,7 @@
           </a:prstGeom>
         </p:spPr>
         <p:txBody>
-          <a:bodyPr anchor="t" rtlCol="false" tIns="0" lIns="0" bIns="0" rIns="0">
+          <a:bodyPr lIns="0" tIns="0" rIns="0" bIns="0" rtlCol="0" anchor="t">
             <a:spAutoFit/>
           </a:bodyPr>
           <a:lstStyle/>
@@ -4831,17 +4904,26 @@
                 <a:spcPts val="2470"/>
               </a:lnSpc>
             </a:pPr>
-          </a:p>
-        </p:txBody>
-      </p:sp>
-      <p:sp>
-        <p:nvSpPr>
-          <p:cNvPr name="TextBox 21" id="21"/>
-          <p:cNvSpPr txBox="true"/>
-          <p:nvPr/>
-        </p:nvSpPr>
-        <p:spPr>
-          <a:xfrm rot="0">
+            <a:endParaRPr lang="en-US" sz="1900">
+              <a:solidFill>
+                <a:srgbClr val="FFFFFF"/>
+              </a:solidFill>
+              <a:latin typeface="Garet 2 Light"/>
+              <a:ea typeface="Garet 2 Light"/>
+              <a:cs typeface="Garet 2 Light"/>
+              <a:sym typeface="Garet 2 Light"/>
+            </a:endParaRPr>
+          </a:p>
+        </p:txBody>
+      </p:sp>
+      <p:sp>
+        <p:nvSpPr>
+          <p:cNvPr id="21" name="TextBox 21"/>
+          <p:cNvSpPr txBox="1"/>
+          <p:nvPr/>
+        </p:nvSpPr>
+        <p:spPr>
+          <a:xfrm>
             <a:off x="14676883" y="6530734"/>
             <a:ext cx="174914" cy="485775"/>
           </a:xfrm>
@@ -4850,7 +4932,7 @@
           </a:prstGeom>
         </p:spPr>
         <p:txBody>
-          <a:bodyPr anchor="t" rtlCol="false" tIns="0" lIns="0" bIns="0" rIns="0">
+          <a:bodyPr lIns="0" tIns="0" rIns="0" bIns="0" rtlCol="0" anchor="t">
             <a:spAutoFit/>
           </a:bodyPr>
           <a:lstStyle/>
@@ -4880,12 +4962,12 @@
       </p:sp>
       <p:sp>
         <p:nvSpPr>
-          <p:cNvPr name="TextBox 22" id="22"/>
-          <p:cNvSpPr txBox="true"/>
-          <p:nvPr/>
-        </p:nvSpPr>
-        <p:spPr>
-          <a:xfrm rot="0">
+          <p:cNvPr id="22" name="TextBox 22"/>
+          <p:cNvSpPr txBox="1"/>
+          <p:nvPr/>
+        </p:nvSpPr>
+        <p:spPr>
+          <a:xfrm>
             <a:off x="14676883" y="3619888"/>
             <a:ext cx="174914" cy="485775"/>
           </a:xfrm>
@@ -4894,7 +4976,7 @@
           </a:prstGeom>
         </p:spPr>
         <p:txBody>
-          <a:bodyPr anchor="t" rtlCol="false" tIns="0" lIns="0" bIns="0" rIns="0">
+          <a:bodyPr lIns="0" tIns="0" rIns="0" bIns="0" rtlCol="0" anchor="t">
             <a:spAutoFit/>
           </a:bodyPr>
           <a:lstStyle/>
@@ -4924,8 +5006,8 @@
       </p:sp>
       <p:sp>
         <p:nvSpPr>
-          <p:cNvPr name="TextBox 23" id="23"/>
-          <p:cNvSpPr txBox="true"/>
+          <p:cNvPr id="23" name="TextBox 23"/>
+          <p:cNvSpPr txBox="1"/>
           <p:nvPr/>
         </p:nvSpPr>
         <p:spPr>
@@ -4938,7 +5020,7 @@
           </a:prstGeom>
         </p:spPr>
         <p:txBody>
-          <a:bodyPr anchor="t" rtlCol="false" tIns="0" lIns="0" bIns="0" rIns="0">
+          <a:bodyPr lIns="0" tIns="0" rIns="0" bIns="0" rtlCol="0" anchor="t">
             <a:spAutoFit/>
           </a:bodyPr>
           <a:lstStyle/>
@@ -4968,8 +5050,8 @@
       </p:sp>
       <p:sp>
         <p:nvSpPr>
-          <p:cNvPr name="TextBox 24" id="24"/>
-          <p:cNvSpPr txBox="true"/>
+          <p:cNvPr id="24" name="TextBox 24"/>
+          <p:cNvSpPr txBox="1"/>
           <p:nvPr/>
         </p:nvSpPr>
         <p:spPr>
@@ -4982,7 +5064,7 @@
           </a:prstGeom>
         </p:spPr>
         <p:txBody>
-          <a:bodyPr anchor="t" rtlCol="false" tIns="0" lIns="0" bIns="0" rIns="0">
+          <a:bodyPr lIns="0" tIns="0" rIns="0" bIns="0" rtlCol="0" anchor="t">
             <a:spAutoFit/>
           </a:bodyPr>
           <a:lstStyle/>
@@ -5012,12 +5094,12 @@
       </p:sp>
       <p:sp>
         <p:nvSpPr>
-          <p:cNvPr name="TextBox 25" id="25"/>
-          <p:cNvSpPr txBox="true"/>
-          <p:nvPr/>
-        </p:nvSpPr>
-        <p:spPr>
-          <a:xfrm rot="0">
+          <p:cNvPr id="25" name="TextBox 25"/>
+          <p:cNvSpPr txBox="1"/>
+          <p:nvPr/>
+        </p:nvSpPr>
+        <p:spPr>
+          <a:xfrm>
             <a:off x="12648679" y="5406784"/>
             <a:ext cx="1081196" cy="238125"/>
           </a:xfrm>
@@ -5026,7 +5108,7 @@
           </a:prstGeom>
         </p:spPr>
         <p:txBody>
-          <a:bodyPr anchor="t" rtlCol="false" tIns="0" lIns="0" bIns="0" rIns="0">
+          <a:bodyPr lIns="0" tIns="0" rIns="0" bIns="0" rtlCol="0" anchor="t">
             <a:spAutoFit/>
           </a:bodyPr>
           <a:lstStyle/>
@@ -5056,12 +5138,12 @@
       </p:sp>
       <p:sp>
         <p:nvSpPr>
-          <p:cNvPr name="TextBox 26" id="26"/>
-          <p:cNvSpPr txBox="true"/>
-          <p:nvPr/>
-        </p:nvSpPr>
-        <p:spPr>
-          <a:xfrm rot="0">
+          <p:cNvPr id="26" name="TextBox 26"/>
+          <p:cNvSpPr txBox="1"/>
+          <p:nvPr/>
+        </p:nvSpPr>
+        <p:spPr>
+          <a:xfrm>
             <a:off x="13953443" y="6721234"/>
             <a:ext cx="1081196" cy="238125"/>
           </a:xfrm>
@@ -5070,7 +5152,7 @@
           </a:prstGeom>
         </p:spPr>
         <p:txBody>
-          <a:bodyPr anchor="t" rtlCol="false" tIns="0" lIns="0" bIns="0" rIns="0">
+          <a:bodyPr lIns="0" tIns="0" rIns="0" bIns="0" rtlCol="0" anchor="t">
             <a:spAutoFit/>
           </a:bodyPr>
           <a:lstStyle/>
@@ -5100,12 +5182,12 @@
       </p:sp>
       <p:sp>
         <p:nvSpPr>
-          <p:cNvPr name="TextBox 27" id="27"/>
-          <p:cNvSpPr txBox="true"/>
-          <p:nvPr/>
-        </p:nvSpPr>
-        <p:spPr>
-          <a:xfrm rot="0">
+          <p:cNvPr id="27" name="TextBox 27"/>
+          <p:cNvSpPr txBox="1"/>
+          <p:nvPr/>
+        </p:nvSpPr>
+        <p:spPr>
+          <a:xfrm>
             <a:off x="14023818" y="3753238"/>
             <a:ext cx="1081196" cy="238125"/>
           </a:xfrm>
@@ -5114,7 +5196,7 @@
           </a:prstGeom>
         </p:spPr>
         <p:txBody>
-          <a:bodyPr anchor="t" rtlCol="false" tIns="0" lIns="0" bIns="0" rIns="0">
+          <a:bodyPr lIns="0" tIns="0" rIns="0" bIns="0" rtlCol="0" anchor="t">
             <a:spAutoFit/>
           </a:bodyPr>
           <a:lstStyle/>
@@ -5144,12 +5226,12 @@
       </p:sp>
       <p:sp>
         <p:nvSpPr>
-          <p:cNvPr name="TextBox 28" id="28"/>
-          <p:cNvSpPr txBox="true"/>
-          <p:nvPr/>
-        </p:nvSpPr>
-        <p:spPr>
-          <a:xfrm rot="0">
+          <p:cNvPr id="28" name="TextBox 28"/>
+          <p:cNvSpPr txBox="1"/>
+          <p:nvPr/>
+        </p:nvSpPr>
+        <p:spPr>
+          <a:xfrm>
             <a:off x="15766015" y="5384386"/>
             <a:ext cx="1081196" cy="238125"/>
           </a:xfrm>
@@ -5158,7 +5240,7 @@
           </a:prstGeom>
         </p:spPr>
         <p:txBody>
-          <a:bodyPr anchor="t" rtlCol="false" tIns="0" lIns="0" bIns="0" rIns="0">
+          <a:bodyPr lIns="0" tIns="0" rIns="0" bIns="0" rtlCol="0" anchor="t">
             <a:spAutoFit/>
           </a:bodyPr>
           <a:lstStyle/>
@@ -5192,13 +5274,13 @@
     <a:masterClrMapping/>
   </p:clrMapOvr>
   <p:transition spd="slow">
-    <p:push dir="l"/>
+    <p:push/>
   </p:transition>
 </p:sld>
 </file>
 
 <file path=ppt/slides/slide4.xml><?xml version="1.0" encoding="utf-8"?>
-<p:sld xmlns:p="http://schemas.openxmlformats.org/presentationml/2006/main" xmlns:a="http://schemas.openxmlformats.org/drawingml/2006/main" xmlns:r="http://schemas.openxmlformats.org/officeDocument/2006/relationships">
+<p:sld xmlns:a="http://schemas.openxmlformats.org/drawingml/2006/main" xmlns:r="http://schemas.openxmlformats.org/officeDocument/2006/relationships" xmlns:p="http://schemas.openxmlformats.org/presentationml/2006/main">
   <p:cSld>
     <p:spTree>
       <p:nvGrpSpPr>
@@ -5216,12 +5298,12 @@
       </p:grpSpPr>
       <p:sp>
         <p:nvSpPr>
-          <p:cNvPr name="Freeform 2" id="2"/>
+          <p:cNvPr id="2" name="Freeform 2"/>
           <p:cNvSpPr/>
           <p:nvPr/>
         </p:nvSpPr>
         <p:spPr>
-          <a:xfrm flipH="false" flipV="false" rot="0">
+          <a:xfrm>
             <a:off x="-647433" y="-5787734"/>
             <a:ext cx="30503144" cy="20322720"/>
           </a:xfrm>
@@ -5230,9 +5312,9 @@
             <a:gdLst/>
             <a:ahLst/>
             <a:cxnLst/>
-            <a:rect r="r" b="b" t="t" l="l"/>
+            <a:rect l="l" t="t" r="r" b="b"/>
             <a:pathLst>
-              <a:path h="20322720" w="30503144">
+              <a:path w="30503144" h="20322720">
                 <a:moveTo>
                   <a:pt x="0" y="0"/>
                 </a:moveTo>
@@ -5255,19 +5337,26 @@
           <a:blipFill>
             <a:blip r:embed="rId2"/>
             <a:stretch>
-              <a:fillRect l="0" t="0" r="0" b="0"/>
+              <a:fillRect/>
             </a:stretch>
           </a:blipFill>
         </p:spPr>
-      </p:sp>
-      <p:sp>
-        <p:nvSpPr>
-          <p:cNvPr name="TextBox 3" id="3"/>
-          <p:cNvSpPr txBox="true"/>
-          <p:nvPr/>
-        </p:nvSpPr>
-        <p:spPr>
-          <a:xfrm rot="0">
+        <p:txBody>
+          <a:bodyPr/>
+          <a:lstStyle/>
+          <a:p>
+            <a:endParaRPr lang="en-US"/>
+          </a:p>
+        </p:txBody>
+      </p:sp>
+      <p:sp>
+        <p:nvSpPr>
+          <p:cNvPr id="3" name="TextBox 3"/>
+          <p:cNvSpPr txBox="1"/>
+          <p:nvPr/>
+        </p:nvSpPr>
+        <p:spPr>
+          <a:xfrm>
             <a:off x="879847" y="753387"/>
             <a:ext cx="14382659" cy="1156969"/>
           </a:xfrm>
@@ -5276,7 +5365,7 @@
           </a:prstGeom>
         </p:spPr>
         <p:txBody>
-          <a:bodyPr anchor="t" rtlCol="false" tIns="0" lIns="0" bIns="0" rIns="0">
+          <a:bodyPr lIns="0" tIns="0" rIns="0" bIns="0" rtlCol="0" anchor="t">
             <a:spAutoFit/>
           </a:bodyPr>
           <a:lstStyle/>
@@ -5303,12 +5392,12 @@
       </p:sp>
       <p:grpSp>
         <p:nvGrpSpPr>
-          <p:cNvPr name="Group 4" id="4"/>
+          <p:cNvPr id="4" name="Group 4"/>
           <p:cNvGrpSpPr/>
           <p:nvPr/>
         </p:nvGrpSpPr>
         <p:grpSpPr>
-          <a:xfrm rot="0">
+          <a:xfrm>
             <a:off x="1245736" y="2294189"/>
             <a:ext cx="6216390" cy="5340509"/>
             <a:chOff x="0" y="0"/>
@@ -5317,12 +5406,12 @@
         </p:grpSpPr>
         <p:sp>
           <p:nvSpPr>
-            <p:cNvPr name="TextBox 5" id="5"/>
-            <p:cNvSpPr txBox="true"/>
+            <p:cNvPr id="5" name="TextBox 5"/>
+            <p:cNvSpPr txBox="1"/>
             <p:nvPr/>
           </p:nvSpPr>
           <p:spPr>
-            <a:xfrm rot="0">
+            <a:xfrm>
               <a:off x="0" y="-28575"/>
               <a:ext cx="8288520" cy="638175"/>
             </a:xfrm>
@@ -5331,7 +5420,7 @@
             </a:prstGeom>
           </p:spPr>
           <p:txBody>
-            <a:bodyPr anchor="t" rtlCol="false" tIns="0" lIns="0" bIns="0" rIns="0">
+            <a:bodyPr lIns="0" tIns="0" rIns="0" bIns="0" rtlCol="0" anchor="t">
               <a:spAutoFit/>
             </a:bodyPr>
             <a:lstStyle/>
@@ -5358,12 +5447,12 @@
         </p:sp>
         <p:sp>
           <p:nvSpPr>
-            <p:cNvPr name="TextBox 6" id="6"/>
-            <p:cNvSpPr txBox="true"/>
+            <p:cNvPr id="6" name="TextBox 6"/>
+            <p:cNvSpPr txBox="1"/>
             <p:nvPr/>
           </p:nvSpPr>
           <p:spPr>
-            <a:xfrm rot="0">
+            <a:xfrm>
               <a:off x="0" y="1106171"/>
               <a:ext cx="8288520" cy="6030383"/>
             </a:xfrm>
@@ -5372,16 +5461,16 @@
             </a:prstGeom>
           </p:spPr>
           <p:txBody>
-            <a:bodyPr anchor="t" rtlCol="false" tIns="0" lIns="0" bIns="0" rIns="0">
+            <a:bodyPr lIns="0" tIns="0" rIns="0" bIns="0" rtlCol="0" anchor="t">
               <a:spAutoFit/>
             </a:bodyPr>
             <a:lstStyle/>
             <a:p>
-              <a:pPr algn="l" marL="431802" indent="-215901" lvl="1">
+              <a:pPr marL="431802" lvl="1" indent="-215901" algn="l">
                 <a:lnSpc>
                   <a:spcPts val="2600"/>
                 </a:lnSpc>
-                <a:buAutoNum type="arabicPeriod" startAt="1"/>
+                <a:buAutoNum type="arabicPeriod"/>
               </a:pPr>
               <a:r>
                 <a:rPr lang="en-US" sz="2000">
@@ -5397,11 +5486,11 @@
               </a:r>
             </a:p>
             <a:p>
-              <a:pPr algn="l" marL="863604" indent="-287868" lvl="2">
+              <a:pPr marL="863604" lvl="2" indent="-287868" algn="l">
                 <a:lnSpc>
                   <a:spcPts val="2600"/>
                 </a:lnSpc>
-                <a:buAutoNum type="alphaLcPeriod" startAt="1"/>
+                <a:buAutoNum type="alphaLcPeriod"/>
               </a:pPr>
               <a:r>
                 <a:rPr lang="en-US" sz="2000">
@@ -5417,11 +5506,11 @@
               </a:r>
             </a:p>
             <a:p>
-              <a:pPr algn="l" marL="863604" indent="-287868" lvl="2">
+              <a:pPr marL="863604" lvl="2" indent="-287868" algn="l">
                 <a:lnSpc>
                   <a:spcPts val="2600"/>
                 </a:lnSpc>
-                <a:buAutoNum type="alphaLcPeriod" startAt="1"/>
+                <a:buAutoNum type="alphaLcPeriod"/>
               </a:pPr>
               <a:r>
                 <a:rPr lang="en-US" sz="2000">
@@ -5437,11 +5526,11 @@
               </a:r>
             </a:p>
             <a:p>
-              <a:pPr algn="l" marL="863604" indent="-287868" lvl="2">
+              <a:pPr marL="863604" lvl="2" indent="-287868" algn="l">
                 <a:lnSpc>
                   <a:spcPts val="2600"/>
                 </a:lnSpc>
-                <a:buAutoNum type="alphaLcPeriod" startAt="1"/>
+                <a:buAutoNum type="alphaLcPeriod"/>
               </a:pPr>
               <a:r>
                 <a:rPr lang="en-US" sz="2000">
@@ -5462,6 +5551,15 @@
                   <a:spcPts val="2600"/>
                 </a:lnSpc>
               </a:pPr>
+              <a:endParaRPr lang="en-US" sz="2000">
+                <a:solidFill>
+                  <a:srgbClr val="FFFFFF"/>
+                </a:solidFill>
+                <a:latin typeface="Garet 2"/>
+                <a:ea typeface="Garet 2"/>
+                <a:cs typeface="Garet 2"/>
+                <a:sym typeface="Garet 2"/>
+              </a:endParaRPr>
             </a:p>
             <a:p>
               <a:pPr algn="l">
@@ -5479,27 +5577,15 @@
                   <a:cs typeface="Garet 2 Light"/>
                   <a:sym typeface="Garet 2 Light"/>
                 </a:rPr>
-                <a:t>    2. </a:t>
-              </a:r>
-              <a:r>
-                <a:rPr lang="en-US" sz="2000">
-                  <a:solidFill>
-                    <a:srgbClr val="FFFFFF"/>
-                  </a:solidFill>
-                  <a:latin typeface="Garet 2 Light"/>
-                  <a:ea typeface="Garet 2 Light"/>
-                  <a:cs typeface="Garet 2 Light"/>
-                  <a:sym typeface="Garet 2 Light"/>
-                </a:rPr>
-                <a:t>RAVDESS:</a:t>
+                <a:t>    2. RAVDESS:</a:t>
               </a:r>
             </a:p>
             <a:p>
-              <a:pPr algn="l" marL="863604" indent="-287868" lvl="2">
+              <a:pPr marL="863604" lvl="2" indent="-287868" algn="l">
                 <a:lnSpc>
                   <a:spcPts val="2600"/>
                 </a:lnSpc>
-                <a:buAutoNum type="alphaLcPeriod" startAt="1"/>
+                <a:buAutoNum type="alphaLcPeriod"/>
               </a:pPr>
               <a:r>
                 <a:rPr lang="en-US" sz="2000">
@@ -5515,11 +5601,11 @@
               </a:r>
             </a:p>
             <a:p>
-              <a:pPr algn="l" marL="863604" indent="-287868" lvl="2">
+              <a:pPr marL="863604" lvl="2" indent="-287868" algn="l">
                 <a:lnSpc>
                   <a:spcPts val="2600"/>
                 </a:lnSpc>
-                <a:buAutoNum type="alphaLcPeriod" startAt="1"/>
+                <a:buAutoNum type="alphaLcPeriod"/>
               </a:pPr>
               <a:r>
                 <a:rPr lang="en-US" sz="2000">
@@ -5535,11 +5621,11 @@
               </a:r>
             </a:p>
             <a:p>
-              <a:pPr algn="l" marL="863604" indent="-287868" lvl="2">
+              <a:pPr marL="863604" lvl="2" indent="-287868" algn="l">
                 <a:lnSpc>
                   <a:spcPts val="2600"/>
                 </a:lnSpc>
-                <a:buAutoNum type="alphaLcPeriod" startAt="1"/>
+                <a:buAutoNum type="alphaLcPeriod"/>
               </a:pPr>
               <a:r>
                 <a:rPr lang="en-US" sz="2000">
@@ -5560,6 +5646,15 @@
                   <a:spcPts val="2600"/>
                 </a:lnSpc>
               </a:pPr>
+              <a:endParaRPr lang="en-US" sz="2000">
+                <a:solidFill>
+                  <a:srgbClr val="FFFFFF"/>
+                </a:solidFill>
+                <a:latin typeface="Garet 2 Light"/>
+                <a:ea typeface="Garet 2 Light"/>
+                <a:cs typeface="Garet 2 Light"/>
+                <a:sym typeface="Garet 2 Light"/>
+              </a:endParaRPr>
             </a:p>
             <a:p>
               <a:pPr algn="l">
@@ -5577,19 +5672,7 @@
                   <a:cs typeface="Garet 2 Light"/>
                   <a:sym typeface="Garet 2 Light"/>
                 </a:rPr>
-                <a:t>     3. </a:t>
-              </a:r>
-              <a:r>
-                <a:rPr lang="en-US" sz="2000">
-                  <a:solidFill>
-                    <a:srgbClr val="FFFFFF"/>
-                  </a:solidFill>
-                  <a:latin typeface="Garet 2 Light"/>
-                  <a:ea typeface="Garet 2 Light"/>
-                  <a:cs typeface="Garet 2 Light"/>
-                  <a:sym typeface="Garet 2 Light"/>
-                </a:rPr>
-                <a:t>DEAM:</a:t>
+                <a:t>     3. DEAM:</a:t>
               </a:r>
             </a:p>
             <a:p>
@@ -5608,19 +5691,7 @@
                   <a:cs typeface="Garet 2 Light"/>
                   <a:sym typeface="Garet 2 Light"/>
                 </a:rPr>
-                <a:t>        a. </a:t>
-              </a:r>
-              <a:r>
-                <a:rPr lang="en-US" sz="2000">
-                  <a:solidFill>
-                    <a:srgbClr val="FFFFFF"/>
-                  </a:solidFill>
-                  <a:latin typeface="Garet 2 Light"/>
-                  <a:ea typeface="Garet 2 Light"/>
-                  <a:cs typeface="Garet 2 Light"/>
-                  <a:sym typeface="Garet 2 Light"/>
-                </a:rPr>
-                <a:t>1802 songs</a:t>
+                <a:t>        a. 1802 songs</a:t>
               </a:r>
             </a:p>
             <a:p>
@@ -5639,19 +5710,7 @@
                   <a:cs typeface="Garet 2 Light"/>
                   <a:sym typeface="Garet 2 Light"/>
                 </a:rPr>
-                <a:t>        b. </a:t>
-              </a:r>
-              <a:r>
-                <a:rPr lang="en-US" sz="2000">
-                  <a:solidFill>
-                    <a:srgbClr val="FFFFFF"/>
-                  </a:solidFill>
-                  <a:latin typeface="Garet 2 Light"/>
-                  <a:ea typeface="Garet 2 Light"/>
-                  <a:cs typeface="Garet 2 Light"/>
-                  <a:sym typeface="Garet 2 Light"/>
-                </a:rPr>
-                <a:t>comercial music</a:t>
+                <a:t>        b. comercial music</a:t>
               </a:r>
             </a:p>
             <a:p>
@@ -5670,19 +5729,7 @@
                   <a:cs typeface="Garet 2 Light"/>
                   <a:sym typeface="Garet 2 Light"/>
                 </a:rPr>
-                <a:t>        c. </a:t>
-              </a:r>
-              <a:r>
-                <a:rPr lang="en-US" sz="2000">
-                  <a:solidFill>
-                    <a:srgbClr val="FFFFFF"/>
-                  </a:solidFill>
-                  <a:latin typeface="Garet 2 Light"/>
-                  <a:ea typeface="Garet 2 Light"/>
-                  <a:cs typeface="Garet 2 Light"/>
-                  <a:sym typeface="Garet 2 Light"/>
-                </a:rPr>
-                <a:t>continuous VA metrics</a:t>
+                <a:t>        c. continuous VA metrics</a:t>
               </a:r>
             </a:p>
           </p:txBody>
@@ -5690,12 +5737,12 @@
       </p:grpSp>
       <p:grpSp>
         <p:nvGrpSpPr>
-          <p:cNvPr name="Group 7" id="7"/>
+          <p:cNvPr id="7" name="Group 7"/>
           <p:cNvGrpSpPr/>
           <p:nvPr/>
         </p:nvGrpSpPr>
         <p:grpSpPr>
-          <a:xfrm rot="0">
+          <a:xfrm>
             <a:off x="7462126" y="2770439"/>
             <a:ext cx="9628530" cy="4864259"/>
             <a:chOff x="0" y="0"/>
@@ -5704,12 +5751,12 @@
         </p:grpSpPr>
         <p:sp>
           <p:nvSpPr>
-            <p:cNvPr name="TextBox 8" id="8"/>
-            <p:cNvSpPr txBox="true"/>
+            <p:cNvPr id="8" name="TextBox 8"/>
+            <p:cNvSpPr txBox="1"/>
             <p:nvPr/>
           </p:nvSpPr>
           <p:spPr>
-            <a:xfrm rot="0">
+            <a:xfrm>
               <a:off x="0" y="-28575"/>
               <a:ext cx="12838040" cy="1298575"/>
             </a:xfrm>
@@ -5718,7 +5765,7 @@
             </a:prstGeom>
           </p:spPr>
           <p:txBody>
-            <a:bodyPr anchor="t" rtlCol="false" tIns="0" lIns="0" bIns="0" rIns="0">
+            <a:bodyPr lIns="0" tIns="0" rIns="0" bIns="0" rtlCol="0" anchor="t">
               <a:spAutoFit/>
             </a:bodyPr>
             <a:lstStyle/>
@@ -5729,7 +5776,7 @@
                 </a:lnSpc>
               </a:pPr>
               <a:r>
-                <a:rPr lang="en-US" sz="3000" b="true">
+                <a:rPr lang="en-US" sz="3000" b="1">
                   <a:solidFill>
                     <a:srgbClr val="FFFFFF"/>
                   </a:solidFill>
@@ -5753,7 +5800,7 @@
                 <a:t>usic Und</a:t>
               </a:r>
               <a:r>
-                <a:rPr lang="en-US" sz="3000" b="true">
+                <a:rPr lang="en-US" sz="3000" b="1">
                   <a:solidFill>
                     <a:srgbClr val="FFFFFF"/>
                   </a:solidFill>
@@ -5774,22 +5821,10 @@
                   <a:cs typeface="Garet 1"/>
                   <a:sym typeface="Garet 1"/>
                 </a:rPr>
-                <a:t>standing with Large-Scale </a:t>
+                <a:t>standing with Large-Scale Self-Supervised </a:t>
               </a:r>
               <a:r>
-                <a:rPr lang="en-US" sz="3000">
-                  <a:solidFill>
-                    <a:srgbClr val="FFFFFF"/>
-                  </a:solidFill>
-                  <a:latin typeface="Garet 1"/>
-                  <a:ea typeface="Garet 1"/>
-                  <a:cs typeface="Garet 1"/>
-                  <a:sym typeface="Garet 1"/>
-                </a:rPr>
-                <a:t>Self-Supervised </a:t>
-              </a:r>
-              <a:r>
-                <a:rPr lang="en-US" sz="3000" b="true">
+                <a:rPr lang="en-US" sz="3000" b="1">
                   <a:solidFill>
                     <a:srgbClr val="FFFFFF"/>
                   </a:solidFill>
@@ -5813,7 +5848,7 @@
                 <a:t>raining (</a:t>
               </a:r>
               <a:r>
-                <a:rPr lang="en-US" sz="3000" b="true">
+                <a:rPr lang="en-US" sz="3000" b="1">
                   <a:solidFill>
                     <a:srgbClr val="FFFFFF"/>
                   </a:solidFill>
@@ -5841,12 +5876,12 @@
         </p:sp>
         <p:sp>
           <p:nvSpPr>
-            <p:cNvPr name="TextBox 9" id="9"/>
-            <p:cNvSpPr txBox="true"/>
+            <p:cNvPr id="9" name="TextBox 9"/>
+            <p:cNvSpPr txBox="1"/>
             <p:nvPr/>
           </p:nvSpPr>
           <p:spPr>
-            <a:xfrm rot="0">
+            <a:xfrm>
               <a:off x="0" y="1766571"/>
               <a:ext cx="12838040" cy="4734983"/>
             </a:xfrm>
@@ -5855,12 +5890,12 @@
             </a:prstGeom>
           </p:spPr>
           <p:txBody>
-            <a:bodyPr anchor="t" rtlCol="false" tIns="0" lIns="0" bIns="0" rIns="0">
+            <a:bodyPr lIns="0" tIns="0" rIns="0" bIns="0" rtlCol="0" anchor="t">
               <a:spAutoFit/>
             </a:bodyPr>
             <a:lstStyle/>
             <a:p>
-              <a:pPr algn="l" marL="431802" indent="-215901" lvl="1">
+              <a:pPr marL="431802" lvl="1" indent="-215901" algn="l">
                 <a:lnSpc>
                   <a:spcPts val="2600"/>
                 </a:lnSpc>
@@ -5886,9 +5921,18 @@
                   <a:spcPts val="2600"/>
                 </a:lnSpc>
               </a:pPr>
+              <a:endParaRPr lang="en-US" sz="2000">
+                <a:solidFill>
+                  <a:srgbClr val="FFFFFF"/>
+                </a:solidFill>
+                <a:latin typeface="Garet 2 Light"/>
+                <a:ea typeface="Garet 2 Light"/>
+                <a:cs typeface="Garet 2 Light"/>
+                <a:sym typeface="Garet 2 Light"/>
+              </a:endParaRPr>
             </a:p>
             <a:p>
-              <a:pPr algn="l" marL="431802" indent="-215901" lvl="1">
+              <a:pPr marL="431802" lvl="1" indent="-215901" algn="l">
                 <a:lnSpc>
                   <a:spcPts val="2600"/>
                 </a:lnSpc>
@@ -5914,9 +5958,18 @@
                   <a:spcPts val="2600"/>
                 </a:lnSpc>
               </a:pPr>
+              <a:endParaRPr lang="en-US" sz="2000">
+                <a:solidFill>
+                  <a:srgbClr val="FFFFFF"/>
+                </a:solidFill>
+                <a:latin typeface="Garet 2 Light"/>
+                <a:ea typeface="Garet 2 Light"/>
+                <a:cs typeface="Garet 2 Light"/>
+                <a:sym typeface="Garet 2 Light"/>
+              </a:endParaRPr>
             </a:p>
             <a:p>
-              <a:pPr algn="l" marL="431802" indent="-215901" lvl="1">
+              <a:pPr marL="431802" lvl="1" indent="-215901" algn="l">
                 <a:lnSpc>
                   <a:spcPts val="2600"/>
                 </a:lnSpc>
@@ -5937,7 +5990,7 @@
               </a:r>
             </a:p>
             <a:p>
-              <a:pPr algn="l" marL="863604" indent="-287868" lvl="2">
+              <a:pPr marL="863604" lvl="2" indent="-287868" algn="l">
                 <a:lnSpc>
                   <a:spcPts val="2600"/>
                 </a:lnSpc>
@@ -5958,7 +6011,7 @@
               </a:r>
             </a:p>
             <a:p>
-              <a:pPr algn="l" marL="863604" indent="-287868" lvl="2">
+              <a:pPr marL="863604" lvl="2" indent="-287868" algn="l">
                 <a:lnSpc>
                   <a:spcPts val="2600"/>
                 </a:lnSpc>
@@ -5993,7 +6046,7 @@
 </file>
 
 <file path=ppt/slides/slide5.xml><?xml version="1.0" encoding="utf-8"?>
-<p:sld xmlns:p="http://schemas.openxmlformats.org/presentationml/2006/main" xmlns:a="http://schemas.openxmlformats.org/drawingml/2006/main" xmlns:r="http://schemas.openxmlformats.org/officeDocument/2006/relationships">
+<p:sld xmlns:a="http://schemas.openxmlformats.org/drawingml/2006/main" xmlns:r="http://schemas.openxmlformats.org/officeDocument/2006/relationships" xmlns:p="http://schemas.openxmlformats.org/presentationml/2006/main">
   <p:cSld>
     <p:spTree>
       <p:nvGrpSpPr>
@@ -6011,13 +6064,13 @@
       </p:grpSpPr>
       <p:sp>
         <p:nvSpPr>
-          <p:cNvPr name="Freeform 2" id="2"/>
+          <p:cNvPr id="2" name="Freeform 2"/>
           <p:cNvSpPr/>
           <p:nvPr/>
         </p:nvSpPr>
         <p:spPr>
-          <a:xfrm flipH="false" flipV="false" rot="3267295">
-            <a:off x="-7384749" y="-5867411"/>
+          <a:xfrm rot="3267295">
+            <a:off x="-7392806" y="-5846775"/>
             <a:ext cx="32076188" cy="21370760"/>
           </a:xfrm>
           <a:custGeom>
@@ -6025,9 +6078,9 @@
             <a:gdLst/>
             <a:ahLst/>
             <a:cxnLst/>
-            <a:rect r="r" b="b" t="t" l="l"/>
+            <a:rect l="l" t="t" r="r" b="b"/>
             <a:pathLst>
-              <a:path h="21370760" w="32076188">
+              <a:path w="32076188" h="21370760">
                 <a:moveTo>
                   <a:pt x="0" y="0"/>
                 </a:moveTo>
@@ -6050,19 +6103,26 @@
           <a:blipFill>
             <a:blip r:embed="rId2"/>
             <a:stretch>
-              <a:fillRect l="0" t="0" r="0" b="0"/>
+              <a:fillRect/>
             </a:stretch>
           </a:blipFill>
         </p:spPr>
-      </p:sp>
-      <p:sp>
-        <p:nvSpPr>
-          <p:cNvPr name="TextBox 3" id="3"/>
-          <p:cNvSpPr txBox="true"/>
-          <p:nvPr/>
-        </p:nvSpPr>
-        <p:spPr>
-          <a:xfrm rot="0">
+        <p:txBody>
+          <a:bodyPr/>
+          <a:lstStyle/>
+          <a:p>
+            <a:endParaRPr lang="en-US"/>
+          </a:p>
+        </p:txBody>
+      </p:sp>
+      <p:sp>
+        <p:nvSpPr>
+          <p:cNvPr id="3" name="TextBox 3"/>
+          <p:cNvSpPr txBox="1"/>
+          <p:nvPr/>
+        </p:nvSpPr>
+        <p:spPr>
+          <a:xfrm>
             <a:off x="879847" y="753387"/>
             <a:ext cx="14382659" cy="1156969"/>
           </a:xfrm>
@@ -6071,7 +6131,7 @@
           </a:prstGeom>
         </p:spPr>
         <p:txBody>
-          <a:bodyPr anchor="t" rtlCol="false" tIns="0" lIns="0" bIns="0" rIns="0">
+          <a:bodyPr lIns="0" tIns="0" rIns="0" bIns="0" rtlCol="0" anchor="t">
             <a:spAutoFit/>
           </a:bodyPr>
           <a:lstStyle/>
@@ -6098,12 +6158,12 @@
       </p:sp>
       <p:grpSp>
         <p:nvGrpSpPr>
-          <p:cNvPr name="Group 4" id="4"/>
+          <p:cNvPr id="4" name="Group 4"/>
           <p:cNvGrpSpPr/>
           <p:nvPr/>
         </p:nvGrpSpPr>
         <p:grpSpPr>
-          <a:xfrm rot="0">
+          <a:xfrm>
             <a:off x="879847" y="4546263"/>
             <a:ext cx="6401429" cy="1454309"/>
             <a:chOff x="0" y="0"/>
@@ -6112,12 +6172,12 @@
         </p:grpSpPr>
         <p:sp>
           <p:nvSpPr>
-            <p:cNvPr name="TextBox 5" id="5"/>
-            <p:cNvSpPr txBox="true"/>
+            <p:cNvPr id="5" name="TextBox 5"/>
+            <p:cNvSpPr txBox="1"/>
             <p:nvPr/>
           </p:nvSpPr>
           <p:spPr>
-            <a:xfrm rot="0">
+            <a:xfrm>
               <a:off x="0" y="-28575"/>
               <a:ext cx="8535239" cy="638175"/>
             </a:xfrm>
@@ -6126,7 +6186,7 @@
             </a:prstGeom>
           </p:spPr>
           <p:txBody>
-            <a:bodyPr anchor="t" rtlCol="false" tIns="0" lIns="0" bIns="0" rIns="0">
+            <a:bodyPr lIns="0" tIns="0" rIns="0" bIns="0" rtlCol="0" anchor="t">
               <a:spAutoFit/>
             </a:bodyPr>
             <a:lstStyle/>
@@ -6153,12 +6213,12 @@
         </p:sp>
         <p:sp>
           <p:nvSpPr>
-            <p:cNvPr name="TextBox 6" id="6"/>
-            <p:cNvSpPr txBox="true"/>
+            <p:cNvPr id="6" name="TextBox 6"/>
+            <p:cNvSpPr txBox="1"/>
             <p:nvPr/>
           </p:nvSpPr>
           <p:spPr>
-            <a:xfrm rot="0">
+            <a:xfrm>
               <a:off x="0" y="1106171"/>
               <a:ext cx="8535239" cy="848783"/>
             </a:xfrm>
@@ -6167,7 +6227,7 @@
             </a:prstGeom>
           </p:spPr>
           <p:txBody>
-            <a:bodyPr anchor="t" rtlCol="false" tIns="0" lIns="0" bIns="0" rIns="0">
+            <a:bodyPr lIns="0" tIns="0" rIns="0" bIns="0" rtlCol="0" anchor="t">
               <a:spAutoFit/>
             </a:bodyPr>
             <a:lstStyle/>
@@ -6195,12 +6255,12 @@
       </p:grpSp>
       <p:grpSp>
         <p:nvGrpSpPr>
-          <p:cNvPr name="Group 7" id="7"/>
+          <p:cNvPr id="7" name="Group 7"/>
           <p:cNvGrpSpPr/>
           <p:nvPr/>
         </p:nvGrpSpPr>
         <p:grpSpPr>
-          <a:xfrm rot="0">
+          <a:xfrm>
             <a:off x="879847" y="2167780"/>
             <a:ext cx="10927311" cy="2121059"/>
             <a:chOff x="0" y="0"/>
@@ -6209,12 +6269,12 @@
         </p:grpSpPr>
         <p:sp>
           <p:nvSpPr>
-            <p:cNvPr name="TextBox 8" id="8"/>
-            <p:cNvSpPr txBox="true"/>
+            <p:cNvPr id="8" name="TextBox 8"/>
+            <p:cNvSpPr txBox="1"/>
             <p:nvPr/>
           </p:nvSpPr>
           <p:spPr>
-            <a:xfrm rot="0">
+            <a:xfrm>
               <a:off x="0" y="-28575"/>
               <a:ext cx="14569748" cy="1958975"/>
             </a:xfrm>
@@ -6223,7 +6283,7 @@
             </a:prstGeom>
           </p:spPr>
           <p:txBody>
-            <a:bodyPr anchor="t" rtlCol="false" tIns="0" lIns="0" bIns="0" rIns="0">
+            <a:bodyPr lIns="0" tIns="0" rIns="0" bIns="0" rtlCol="0" anchor="t">
               <a:spAutoFit/>
             </a:bodyPr>
             <a:lstStyle/>
@@ -6250,12 +6310,12 @@
         </p:sp>
         <p:sp>
           <p:nvSpPr>
-            <p:cNvPr name="TextBox 9" id="9"/>
-            <p:cNvSpPr txBox="true"/>
+            <p:cNvPr id="9" name="TextBox 9"/>
+            <p:cNvSpPr txBox="1"/>
             <p:nvPr/>
           </p:nvSpPr>
           <p:spPr>
-            <a:xfrm rot="0">
+            <a:xfrm>
               <a:off x="0" y="2426971"/>
               <a:ext cx="14569748" cy="416983"/>
             </a:xfrm>
@@ -6264,7 +6324,7 @@
             </a:prstGeom>
           </p:spPr>
           <p:txBody>
-            <a:bodyPr anchor="t" rtlCol="false" tIns="0" lIns="0" bIns="0" rIns="0">
+            <a:bodyPr lIns="0" tIns="0" rIns="0" bIns="0" rtlCol="0" anchor="t">
               <a:spAutoFit/>
             </a:bodyPr>
             <a:lstStyle/>
@@ -6274,18 +6334,19 @@
                   <a:spcPts val="2600"/>
                 </a:lnSpc>
               </a:pPr>
+              <a:endParaRPr/>
             </a:p>
           </p:txBody>
         </p:sp>
       </p:grpSp>
       <p:grpSp>
         <p:nvGrpSpPr>
-          <p:cNvPr name="Group 10" id="10"/>
+          <p:cNvPr id="10" name="Group 10"/>
           <p:cNvGrpSpPr/>
           <p:nvPr/>
         </p:nvGrpSpPr>
         <p:grpSpPr>
-          <a:xfrm rot="0">
+          <a:xfrm>
             <a:off x="879847" y="7116029"/>
             <a:ext cx="6216390" cy="1454309"/>
             <a:chOff x="0" y="0"/>
@@ -6294,12 +6355,12 @@
         </p:grpSpPr>
         <p:sp>
           <p:nvSpPr>
-            <p:cNvPr name="TextBox 11" id="11"/>
-            <p:cNvSpPr txBox="true"/>
+            <p:cNvPr id="11" name="TextBox 11"/>
+            <p:cNvSpPr txBox="1"/>
             <p:nvPr/>
           </p:nvSpPr>
           <p:spPr>
-            <a:xfrm rot="0">
+            <a:xfrm>
               <a:off x="0" y="-28575"/>
               <a:ext cx="8288520" cy="638175"/>
             </a:xfrm>
@@ -6308,7 +6369,7 @@
             </a:prstGeom>
           </p:spPr>
           <p:txBody>
-            <a:bodyPr anchor="t" rtlCol="false" tIns="0" lIns="0" bIns="0" rIns="0">
+            <a:bodyPr lIns="0" tIns="0" rIns="0" bIns="0" rtlCol="0" anchor="t">
               <a:spAutoFit/>
             </a:bodyPr>
             <a:lstStyle/>
@@ -6335,12 +6396,12 @@
         </p:sp>
         <p:sp>
           <p:nvSpPr>
-            <p:cNvPr name="TextBox 12" id="12"/>
-            <p:cNvSpPr txBox="true"/>
+            <p:cNvPr id="12" name="TextBox 12"/>
+            <p:cNvSpPr txBox="1"/>
             <p:nvPr/>
           </p:nvSpPr>
           <p:spPr>
-            <a:xfrm rot="0">
+            <a:xfrm>
               <a:off x="0" y="1106171"/>
               <a:ext cx="8288520" cy="848783"/>
             </a:xfrm>
@@ -6349,7 +6410,7 @@
             </a:prstGeom>
           </p:spPr>
           <p:txBody>
-            <a:bodyPr anchor="t" rtlCol="false" tIns="0" lIns="0" bIns="0" rIns="0">
+            <a:bodyPr lIns="0" tIns="0" rIns="0" bIns="0" rtlCol="0" anchor="t">
               <a:spAutoFit/>
             </a:bodyPr>
             <a:lstStyle/>
@@ -6377,7 +6438,7 @@
       </p:grpSp>
       <p:sp>
         <p:nvSpPr>
-          <p:cNvPr name="AutoShape 13" id="13"/>
+          <p:cNvPr id="13" name="AutoShape 13"/>
           <p:cNvSpPr/>
           <p:nvPr/>
         </p:nvSpPr>
@@ -6389,33 +6450,40 @@
           <a:prstGeom prst="line">
             <a:avLst/>
           </a:prstGeom>
-          <a:ln cap="flat" w="38100">
+          <a:ln w="38100" cap="flat">
             <a:solidFill>
               <a:srgbClr val="FFFFFF"/>
             </a:solidFill>
             <a:prstDash val="solid"/>
-            <a:headEnd type="none" len="sm" w="sm"/>
-            <a:tailEnd type="none" len="sm" w="sm"/>
+            <a:headEnd type="none" w="sm" len="sm"/>
+            <a:tailEnd type="none" w="sm" len="sm"/>
           </a:ln>
         </p:spPr>
-      </p:sp>
-      <p:sp>
-        <p:nvSpPr>
-          <p:cNvPr name="TextBox 14" id="14"/>
-          <p:cNvSpPr txBox="true"/>
-          <p:nvPr/>
-        </p:nvSpPr>
-        <p:spPr>
-          <a:xfrm rot="0">
-            <a:off x="8653344" y="4789394"/>
-            <a:ext cx="2390342" cy="406400"/>
+        <p:txBody>
+          <a:bodyPr/>
+          <a:lstStyle/>
+          <a:p>
+            <a:endParaRPr lang="en-US"/>
+          </a:p>
+        </p:txBody>
+      </p:sp>
+      <p:sp>
+        <p:nvSpPr>
+          <p:cNvPr id="14" name="TextBox 14"/>
+          <p:cNvSpPr txBox="1"/>
+          <p:nvPr/>
+        </p:nvSpPr>
+        <p:spPr>
+          <a:xfrm>
+            <a:off x="8320315" y="4789394"/>
+            <a:ext cx="2723371" cy="406400"/>
           </a:xfrm>
           <a:prstGeom prst="rect">
             <a:avLst/>
           </a:prstGeom>
         </p:spPr>
         <p:txBody>
-          <a:bodyPr anchor="t" rtlCol="false" tIns="0" lIns="0" bIns="0" rIns="0">
+          <a:bodyPr lIns="0" tIns="0" rIns="0" bIns="0" rtlCol="0" anchor="t">
             <a:spAutoFit/>
           </a:bodyPr>
           <a:lstStyle/>
@@ -6445,21 +6513,21 @@
       </p:sp>
       <p:sp>
         <p:nvSpPr>
-          <p:cNvPr name="TextBox 15" id="15"/>
-          <p:cNvSpPr txBox="true"/>
-          <p:nvPr/>
-        </p:nvSpPr>
-        <p:spPr>
-          <a:xfrm rot="0">
-            <a:off x="8542887" y="5624756"/>
-            <a:ext cx="2611257" cy="406400"/>
+          <p:cNvPr id="15" name="TextBox 15"/>
+          <p:cNvSpPr txBox="1"/>
+          <p:nvPr/>
+        </p:nvSpPr>
+        <p:spPr>
+          <a:xfrm>
+            <a:off x="8320315" y="5624756"/>
+            <a:ext cx="2833829" cy="406400"/>
           </a:xfrm>
           <a:prstGeom prst="rect">
             <a:avLst/>
           </a:prstGeom>
         </p:spPr>
         <p:txBody>
-          <a:bodyPr anchor="t" rtlCol="false" tIns="0" lIns="0" bIns="0" rIns="0">
+          <a:bodyPr lIns="0" tIns="0" rIns="0" bIns="0" rtlCol="0" anchor="t">
             <a:spAutoFit/>
           </a:bodyPr>
           <a:lstStyle/>
@@ -6489,12 +6557,12 @@
       </p:sp>
       <p:sp>
         <p:nvSpPr>
-          <p:cNvPr name="TextBox 16" id="16"/>
-          <p:cNvSpPr txBox="true"/>
-          <p:nvPr/>
-        </p:nvSpPr>
-        <p:spPr>
-          <a:xfrm rot="0">
+          <p:cNvPr id="16" name="TextBox 16"/>
+          <p:cNvSpPr txBox="1"/>
+          <p:nvPr/>
+        </p:nvSpPr>
+        <p:spPr>
+          <a:xfrm>
             <a:off x="12219958" y="3760534"/>
             <a:ext cx="1276675" cy="406400"/>
           </a:xfrm>
@@ -6503,7 +6571,7 @@
           </a:prstGeom>
         </p:spPr>
         <p:txBody>
-          <a:bodyPr anchor="t" rtlCol="false" tIns="0" lIns="0" bIns="0" rIns="0">
+          <a:bodyPr lIns="0" tIns="0" rIns="0" bIns="0" rtlCol="0" anchor="t">
             <a:spAutoFit/>
           </a:bodyPr>
           <a:lstStyle/>
@@ -6533,12 +6601,12 @@
       </p:sp>
       <p:sp>
         <p:nvSpPr>
-          <p:cNvPr name="TextBox 17" id="17"/>
-          <p:cNvSpPr txBox="true"/>
-          <p:nvPr/>
-        </p:nvSpPr>
-        <p:spPr>
-          <a:xfrm rot="0">
+          <p:cNvPr id="17" name="TextBox 17"/>
+          <p:cNvSpPr txBox="1"/>
+          <p:nvPr/>
+        </p:nvSpPr>
+        <p:spPr>
+          <a:xfrm>
             <a:off x="15132578" y="3760534"/>
             <a:ext cx="1205778" cy="406400"/>
           </a:xfrm>
@@ -6547,7 +6615,7 @@
           </a:prstGeom>
         </p:spPr>
         <p:txBody>
-          <a:bodyPr anchor="t" rtlCol="false" tIns="0" lIns="0" bIns="0" rIns="0">
+          <a:bodyPr lIns="0" tIns="0" rIns="0" bIns="0" rtlCol="0" anchor="t">
             <a:spAutoFit/>
           </a:bodyPr>
           <a:lstStyle/>
@@ -6577,7 +6645,7 @@
       </p:sp>
       <p:sp>
         <p:nvSpPr>
-          <p:cNvPr name="AutoShape 18" id="18"/>
+          <p:cNvPr id="18" name="AutoShape 18"/>
           <p:cNvSpPr/>
           <p:nvPr/>
         </p:nvSpPr>
@@ -6589,19 +6657,26 @@
           <a:prstGeom prst="line">
             <a:avLst/>
           </a:prstGeom>
-          <a:ln cap="flat" w="38100">
+          <a:ln w="38100" cap="flat">
             <a:solidFill>
               <a:srgbClr val="FFFFFF"/>
             </a:solidFill>
             <a:prstDash val="solid"/>
-            <a:headEnd type="none" len="sm" w="sm"/>
-            <a:tailEnd type="none" len="sm" w="sm"/>
+            <a:headEnd type="none" w="sm" len="sm"/>
+            <a:tailEnd type="none" w="sm" len="sm"/>
           </a:ln>
         </p:spPr>
-      </p:sp>
-      <p:sp>
-        <p:nvSpPr>
-          <p:cNvPr name="AutoShape 19" id="19"/>
+        <p:txBody>
+          <a:bodyPr/>
+          <a:lstStyle/>
+          <a:p>
+            <a:endParaRPr lang="en-US"/>
+          </a:p>
+        </p:txBody>
+      </p:sp>
+      <p:sp>
+        <p:nvSpPr>
+          <p:cNvPr id="19" name="AutoShape 19"/>
           <p:cNvSpPr/>
           <p:nvPr/>
         </p:nvSpPr>
@@ -6613,19 +6688,26 @@
           <a:prstGeom prst="line">
             <a:avLst/>
           </a:prstGeom>
-          <a:ln cap="flat" w="38100">
+          <a:ln w="38100" cap="flat">
             <a:solidFill>
               <a:srgbClr val="FFFFFF"/>
             </a:solidFill>
             <a:prstDash val="solid"/>
-            <a:headEnd type="none" len="sm" w="sm"/>
-            <a:tailEnd type="none" len="sm" w="sm"/>
+            <a:headEnd type="none" w="sm" len="sm"/>
+            <a:tailEnd type="none" w="sm" len="sm"/>
           </a:ln>
         </p:spPr>
-      </p:sp>
-      <p:sp>
-        <p:nvSpPr>
-          <p:cNvPr name="AutoShape 20" id="20"/>
+        <p:txBody>
+          <a:bodyPr/>
+          <a:lstStyle/>
+          <a:p>
+            <a:endParaRPr lang="en-US"/>
+          </a:p>
+        </p:txBody>
+      </p:sp>
+      <p:sp>
+        <p:nvSpPr>
+          <p:cNvPr id="20" name="AutoShape 20"/>
           <p:cNvSpPr/>
           <p:nvPr/>
         </p:nvSpPr>
@@ -6637,19 +6719,26 @@
           <a:prstGeom prst="line">
             <a:avLst/>
           </a:prstGeom>
-          <a:ln cap="flat" w="38100">
+          <a:ln w="38100" cap="flat">
             <a:solidFill>
               <a:srgbClr val="FFFFFF"/>
             </a:solidFill>
             <a:prstDash val="solid"/>
-            <a:headEnd type="none" len="sm" w="sm"/>
-            <a:tailEnd type="none" len="sm" w="sm"/>
+            <a:headEnd type="none" w="sm" len="sm"/>
+            <a:tailEnd type="none" w="sm" len="sm"/>
           </a:ln>
         </p:spPr>
-      </p:sp>
-      <p:sp>
-        <p:nvSpPr>
-          <p:cNvPr name="AutoShape 21" id="21"/>
+        <p:txBody>
+          <a:bodyPr/>
+          <a:lstStyle/>
+          <a:p>
+            <a:endParaRPr lang="en-US"/>
+          </a:p>
+        </p:txBody>
+      </p:sp>
+      <p:sp>
+        <p:nvSpPr>
+          <p:cNvPr id="21" name="AutoShape 21"/>
           <p:cNvSpPr/>
           <p:nvPr/>
         </p:nvSpPr>
@@ -6661,33 +6750,40 @@
           <a:prstGeom prst="line">
             <a:avLst/>
           </a:prstGeom>
-          <a:ln cap="flat" w="38100">
+          <a:ln w="38100" cap="flat">
             <a:solidFill>
               <a:srgbClr val="FFFFFF"/>
             </a:solidFill>
             <a:prstDash val="solid"/>
-            <a:headEnd type="none" len="sm" w="sm"/>
-            <a:tailEnd type="none" len="sm" w="sm"/>
+            <a:headEnd type="none" w="sm" len="sm"/>
+            <a:tailEnd type="none" w="sm" len="sm"/>
           </a:ln>
         </p:spPr>
-      </p:sp>
-      <p:sp>
-        <p:nvSpPr>
-          <p:cNvPr name="TextBox 22" id="22"/>
-          <p:cNvSpPr txBox="true"/>
-          <p:nvPr/>
-        </p:nvSpPr>
-        <p:spPr>
-          <a:xfrm rot="0">
-            <a:off x="8547054" y="7375804"/>
-            <a:ext cx="2390342" cy="406400"/>
+        <p:txBody>
+          <a:bodyPr/>
+          <a:lstStyle/>
+          <a:p>
+            <a:endParaRPr lang="en-US"/>
+          </a:p>
+        </p:txBody>
+      </p:sp>
+      <p:sp>
+        <p:nvSpPr>
+          <p:cNvPr id="22" name="TextBox 22"/>
+          <p:cNvSpPr txBox="1"/>
+          <p:nvPr/>
+        </p:nvSpPr>
+        <p:spPr>
+          <a:xfrm>
+            <a:off x="8320315" y="7375804"/>
+            <a:ext cx="2617081" cy="406400"/>
           </a:xfrm>
           <a:prstGeom prst="rect">
             <a:avLst/>
           </a:prstGeom>
         </p:spPr>
         <p:txBody>
-          <a:bodyPr anchor="t" rtlCol="false" tIns="0" lIns="0" bIns="0" rIns="0">
+          <a:bodyPr lIns="0" tIns="0" rIns="0" bIns="0" rtlCol="0" anchor="t">
             <a:spAutoFit/>
           </a:bodyPr>
           <a:lstStyle/>
@@ -6717,21 +6813,21 @@
       </p:sp>
       <p:sp>
         <p:nvSpPr>
-          <p:cNvPr name="TextBox 23" id="23"/>
-          <p:cNvSpPr txBox="true"/>
-          <p:nvPr/>
-        </p:nvSpPr>
-        <p:spPr>
-          <a:xfrm rot="0">
-            <a:off x="8542894" y="8211166"/>
-            <a:ext cx="2611257" cy="406400"/>
+          <p:cNvPr id="23" name="TextBox 23"/>
+          <p:cNvSpPr txBox="1"/>
+          <p:nvPr/>
+        </p:nvSpPr>
+        <p:spPr>
+          <a:xfrm>
+            <a:off x="8320315" y="8211166"/>
+            <a:ext cx="2833836" cy="406400"/>
           </a:xfrm>
           <a:prstGeom prst="rect">
             <a:avLst/>
           </a:prstGeom>
         </p:spPr>
         <p:txBody>
-          <a:bodyPr anchor="t" rtlCol="false" tIns="0" lIns="0" bIns="0" rIns="0">
+          <a:bodyPr lIns="0" tIns="0" rIns="0" bIns="0" rtlCol="0" anchor="t">
             <a:spAutoFit/>
           </a:bodyPr>
           <a:lstStyle/>
@@ -6761,7 +6857,7 @@
       </p:sp>
       <p:sp>
         <p:nvSpPr>
-          <p:cNvPr name="AutoShape 24" id="24"/>
+          <p:cNvPr id="24" name="AutoShape 24"/>
           <p:cNvSpPr/>
           <p:nvPr/>
         </p:nvSpPr>
@@ -6773,24 +6869,31 @@
           <a:prstGeom prst="line">
             <a:avLst/>
           </a:prstGeom>
-          <a:ln cap="flat" w="38100">
+          <a:ln w="38100" cap="flat">
             <a:solidFill>
               <a:srgbClr val="FFFFFF"/>
             </a:solidFill>
             <a:prstDash val="solid"/>
-            <a:headEnd type="none" len="sm" w="sm"/>
-            <a:tailEnd type="none" len="sm" w="sm"/>
+            <a:headEnd type="none" w="sm" len="sm"/>
+            <a:tailEnd type="none" w="sm" len="sm"/>
           </a:ln>
         </p:spPr>
-      </p:sp>
-      <p:sp>
-        <p:nvSpPr>
-          <p:cNvPr name="TextBox 25" id="25"/>
-          <p:cNvSpPr txBox="true"/>
-          <p:nvPr/>
-        </p:nvSpPr>
-        <p:spPr>
-          <a:xfrm rot="0">
+        <p:txBody>
+          <a:bodyPr/>
+          <a:lstStyle/>
+          <a:p>
+            <a:endParaRPr lang="en-US"/>
+          </a:p>
+        </p:txBody>
+      </p:sp>
+      <p:sp>
+        <p:nvSpPr>
+          <p:cNvPr id="25" name="TextBox 25"/>
+          <p:cNvSpPr txBox="1"/>
+          <p:nvPr/>
+        </p:nvSpPr>
+        <p:spPr>
+          <a:xfrm>
             <a:off x="11479033" y="6835025"/>
             <a:ext cx="1217793" cy="317500"/>
           </a:xfrm>
@@ -6799,7 +6902,7 @@
           </a:prstGeom>
         </p:spPr>
         <p:txBody>
-          <a:bodyPr anchor="t" rtlCol="false" tIns="0" lIns="0" bIns="0" rIns="0">
+          <a:bodyPr lIns="0" tIns="0" rIns="0" bIns="0" rtlCol="0" anchor="t">
             <a:spAutoFit/>
           </a:bodyPr>
           <a:lstStyle/>
@@ -6829,12 +6932,12 @@
       </p:sp>
       <p:sp>
         <p:nvSpPr>
-          <p:cNvPr name="TextBox 26" id="26"/>
-          <p:cNvSpPr txBox="true"/>
-          <p:nvPr/>
-        </p:nvSpPr>
-        <p:spPr>
-          <a:xfrm rot="0">
+          <p:cNvPr id="26" name="TextBox 26"/>
+          <p:cNvSpPr txBox="1"/>
+          <p:nvPr/>
+        </p:nvSpPr>
+        <p:spPr>
+          <a:xfrm>
             <a:off x="13167436" y="6847319"/>
             <a:ext cx="727905" cy="317500"/>
           </a:xfrm>
@@ -6843,7 +6946,7 @@
           </a:prstGeom>
         </p:spPr>
         <p:txBody>
-          <a:bodyPr anchor="t" rtlCol="false" tIns="0" lIns="0" bIns="0" rIns="0">
+          <a:bodyPr lIns="0" tIns="0" rIns="0" bIns="0" rtlCol="0" anchor="t">
             <a:spAutoFit/>
           </a:bodyPr>
           <a:lstStyle/>
@@ -6873,12 +6976,12 @@
       </p:sp>
       <p:sp>
         <p:nvSpPr>
-          <p:cNvPr name="TextBox 27" id="27"/>
-          <p:cNvSpPr txBox="true"/>
-          <p:nvPr/>
-        </p:nvSpPr>
-        <p:spPr>
-          <a:xfrm rot="0">
+          <p:cNvPr id="27" name="TextBox 27"/>
+          <p:cNvSpPr txBox="1"/>
+          <p:nvPr/>
+        </p:nvSpPr>
+        <p:spPr>
+          <a:xfrm>
             <a:off x="11788914" y="7385329"/>
             <a:ext cx="503418" cy="317500"/>
           </a:xfrm>
@@ -6887,7 +6990,7 @@
           </a:prstGeom>
         </p:spPr>
         <p:txBody>
-          <a:bodyPr anchor="t" rtlCol="false" tIns="0" lIns="0" bIns="0" rIns="0">
+          <a:bodyPr lIns="0" tIns="0" rIns="0" bIns="0" rtlCol="0" anchor="t">
             <a:spAutoFit/>
           </a:bodyPr>
           <a:lstStyle/>
@@ -6917,12 +7020,12 @@
       </p:sp>
       <p:sp>
         <p:nvSpPr>
-          <p:cNvPr name="TextBox 28" id="28"/>
-          <p:cNvSpPr txBox="true"/>
-          <p:nvPr/>
-        </p:nvSpPr>
-        <p:spPr>
-          <a:xfrm rot="0">
+          <p:cNvPr id="28" name="TextBox 28"/>
+          <p:cNvSpPr txBox="1"/>
+          <p:nvPr/>
+        </p:nvSpPr>
+        <p:spPr>
+          <a:xfrm>
             <a:off x="13268347" y="7383893"/>
             <a:ext cx="503418" cy="317500"/>
           </a:xfrm>
@@ -6931,7 +7034,7 @@
           </a:prstGeom>
         </p:spPr>
         <p:txBody>
-          <a:bodyPr anchor="t" rtlCol="false" tIns="0" lIns="0" bIns="0" rIns="0">
+          <a:bodyPr lIns="0" tIns="0" rIns="0" bIns="0" rtlCol="0" anchor="t">
             <a:spAutoFit/>
           </a:bodyPr>
           <a:lstStyle/>
@@ -6961,21 +7064,21 @@
       </p:sp>
       <p:sp>
         <p:nvSpPr>
-          <p:cNvPr name="TextBox 29" id="29"/>
-          <p:cNvSpPr txBox="true"/>
-          <p:nvPr/>
-        </p:nvSpPr>
-        <p:spPr>
-          <a:xfrm rot="0">
-            <a:off x="11767104" y="8260379"/>
-            <a:ext cx="561326" cy="317500"/>
+          <p:cNvPr id="29" name="TextBox 29"/>
+          <p:cNvSpPr txBox="1"/>
+          <p:nvPr/>
+        </p:nvSpPr>
+        <p:spPr>
+          <a:xfrm>
+            <a:off x="11767103" y="8260379"/>
+            <a:ext cx="611125" cy="327013"/>
           </a:xfrm>
           <a:prstGeom prst="rect">
             <a:avLst/>
           </a:prstGeom>
         </p:spPr>
         <p:txBody>
-          <a:bodyPr anchor="t" rtlCol="false" tIns="0" lIns="0" bIns="0" rIns="0">
+          <a:bodyPr wrap="square" lIns="0" tIns="0" rIns="0" bIns="0" rtlCol="0" anchor="t">
             <a:spAutoFit/>
           </a:bodyPr>
           <a:lstStyle/>
@@ -6989,7 +7092,7 @@
               </a:spcBef>
             </a:pPr>
             <a:r>
-              <a:rPr lang="en-US" sz="2000">
+              <a:rPr lang="en-US" sz="2000" dirty="0">
                 <a:solidFill>
                   <a:srgbClr val="FFFFFF"/>
                 </a:solidFill>
@@ -7005,21 +7108,21 @@
       </p:sp>
       <p:sp>
         <p:nvSpPr>
-          <p:cNvPr name="TextBox 30" id="30"/>
-          <p:cNvSpPr txBox="true"/>
-          <p:nvPr/>
-        </p:nvSpPr>
-        <p:spPr>
-          <a:xfrm rot="0">
-            <a:off x="13239393" y="8260379"/>
-            <a:ext cx="561326" cy="317500"/>
+          <p:cNvPr id="30" name="TextBox 30"/>
+          <p:cNvSpPr txBox="1"/>
+          <p:nvPr/>
+        </p:nvSpPr>
+        <p:spPr>
+          <a:xfrm>
+            <a:off x="13220196" y="8260379"/>
+            <a:ext cx="675139" cy="327013"/>
           </a:xfrm>
           <a:prstGeom prst="rect">
             <a:avLst/>
           </a:prstGeom>
         </p:spPr>
         <p:txBody>
-          <a:bodyPr anchor="t" rtlCol="false" tIns="0" lIns="0" bIns="0" rIns="0">
+          <a:bodyPr wrap="square" lIns="0" tIns="0" rIns="0" bIns="0" rtlCol="0" anchor="t">
             <a:spAutoFit/>
           </a:bodyPr>
           <a:lstStyle/>
@@ -7033,7 +7136,7 @@
               </a:spcBef>
             </a:pPr>
             <a:r>
-              <a:rPr lang="en-US" sz="2000">
+              <a:rPr lang="en-US" sz="2000" dirty="0">
                 <a:solidFill>
                   <a:srgbClr val="FFFFFF"/>
                 </a:solidFill>
@@ -7049,12 +7152,12 @@
       </p:sp>
       <p:sp>
         <p:nvSpPr>
-          <p:cNvPr name="TextBox 31" id="31"/>
-          <p:cNvSpPr txBox="true"/>
-          <p:nvPr/>
-        </p:nvSpPr>
-        <p:spPr>
-          <a:xfrm rot="0">
+          <p:cNvPr id="31" name="TextBox 31"/>
+          <p:cNvSpPr txBox="1"/>
+          <p:nvPr/>
+        </p:nvSpPr>
+        <p:spPr>
+          <a:xfrm>
             <a:off x="14375864" y="6847319"/>
             <a:ext cx="1166278" cy="317500"/>
           </a:xfrm>
@@ -7063,7 +7166,7 @@
           </a:prstGeom>
         </p:spPr>
         <p:txBody>
-          <a:bodyPr anchor="t" rtlCol="false" tIns="0" lIns="0" bIns="0" rIns="0">
+          <a:bodyPr lIns="0" tIns="0" rIns="0" bIns="0" rtlCol="0" anchor="t">
             <a:spAutoFit/>
           </a:bodyPr>
           <a:lstStyle/>
@@ -7093,12 +7196,12 @@
       </p:sp>
       <p:sp>
         <p:nvSpPr>
-          <p:cNvPr name="TextBox 32" id="32"/>
-          <p:cNvSpPr txBox="true"/>
-          <p:nvPr/>
-        </p:nvSpPr>
-        <p:spPr>
-          <a:xfrm rot="0">
+          <p:cNvPr id="32" name="TextBox 32"/>
+          <p:cNvSpPr txBox="1"/>
+          <p:nvPr/>
+        </p:nvSpPr>
+        <p:spPr>
+          <a:xfrm>
             <a:off x="15793537" y="6835025"/>
             <a:ext cx="1340065" cy="317500"/>
           </a:xfrm>
@@ -7107,7 +7210,7 @@
           </a:prstGeom>
         </p:spPr>
         <p:txBody>
-          <a:bodyPr anchor="t" rtlCol="false" tIns="0" lIns="0" bIns="0" rIns="0">
+          <a:bodyPr lIns="0" tIns="0" rIns="0" bIns="0" rtlCol="0" anchor="t">
             <a:spAutoFit/>
           </a:bodyPr>
           <a:lstStyle/>
@@ -7137,7 +7240,7 @@
       </p:sp>
       <p:sp>
         <p:nvSpPr>
-          <p:cNvPr name="AutoShape 33" id="33"/>
+          <p:cNvPr id="33" name="AutoShape 33"/>
           <p:cNvSpPr/>
           <p:nvPr/>
         </p:nvSpPr>
@@ -7149,19 +7252,26 @@
           <a:prstGeom prst="line">
             <a:avLst/>
           </a:prstGeom>
-          <a:ln cap="flat" w="38100">
+          <a:ln w="38100" cap="flat">
             <a:solidFill>
               <a:srgbClr val="FFFFFF"/>
             </a:solidFill>
             <a:prstDash val="solid"/>
-            <a:headEnd type="none" len="sm" w="sm"/>
-            <a:tailEnd type="none" len="sm" w="sm"/>
+            <a:headEnd type="none" w="sm" len="sm"/>
+            <a:tailEnd type="none" w="sm" len="sm"/>
           </a:ln>
         </p:spPr>
-      </p:sp>
-      <p:sp>
-        <p:nvSpPr>
-          <p:cNvPr name="AutoShape 34" id="34"/>
+        <p:txBody>
+          <a:bodyPr/>
+          <a:lstStyle/>
+          <a:p>
+            <a:endParaRPr lang="en-US"/>
+          </a:p>
+        </p:txBody>
+      </p:sp>
+      <p:sp>
+        <p:nvSpPr>
+          <p:cNvPr id="34" name="AutoShape 34"/>
           <p:cNvSpPr/>
           <p:nvPr/>
         </p:nvSpPr>
@@ -7173,19 +7283,26 @@
           <a:prstGeom prst="line">
             <a:avLst/>
           </a:prstGeom>
-          <a:ln cap="flat" w="38100">
+          <a:ln w="38100" cap="flat">
             <a:solidFill>
               <a:srgbClr val="FFFFFF"/>
             </a:solidFill>
             <a:prstDash val="solid"/>
-            <a:headEnd type="none" len="sm" w="sm"/>
-            <a:tailEnd type="none" len="sm" w="sm"/>
+            <a:headEnd type="none" w="sm" len="sm"/>
+            <a:tailEnd type="none" w="sm" len="sm"/>
           </a:ln>
         </p:spPr>
-      </p:sp>
-      <p:sp>
-        <p:nvSpPr>
-          <p:cNvPr name="AutoShape 35" id="35"/>
+        <p:txBody>
+          <a:bodyPr/>
+          <a:lstStyle/>
+          <a:p>
+            <a:endParaRPr lang="en-US"/>
+          </a:p>
+        </p:txBody>
+      </p:sp>
+      <p:sp>
+        <p:nvSpPr>
+          <p:cNvPr id="35" name="AutoShape 35"/>
           <p:cNvSpPr/>
           <p:nvPr/>
         </p:nvSpPr>
@@ -7197,19 +7314,26 @@
           <a:prstGeom prst="line">
             <a:avLst/>
           </a:prstGeom>
-          <a:ln cap="flat" w="38100">
+          <a:ln w="38100" cap="flat">
             <a:solidFill>
               <a:srgbClr val="FFFFFF"/>
             </a:solidFill>
             <a:prstDash val="solid"/>
-            <a:headEnd type="none" len="sm" w="sm"/>
-            <a:tailEnd type="none" len="sm" w="sm"/>
+            <a:headEnd type="none" w="sm" len="sm"/>
+            <a:tailEnd type="none" w="sm" len="sm"/>
           </a:ln>
         </p:spPr>
-      </p:sp>
-      <p:sp>
-        <p:nvSpPr>
-          <p:cNvPr name="AutoShape 36" id="36"/>
+        <p:txBody>
+          <a:bodyPr/>
+          <a:lstStyle/>
+          <a:p>
+            <a:endParaRPr lang="en-US"/>
+          </a:p>
+        </p:txBody>
+      </p:sp>
+      <p:sp>
+        <p:nvSpPr>
+          <p:cNvPr id="36" name="AutoShape 36"/>
           <p:cNvSpPr/>
           <p:nvPr/>
         </p:nvSpPr>
@@ -7221,24 +7345,31 @@
           <a:prstGeom prst="line">
             <a:avLst/>
           </a:prstGeom>
-          <a:ln cap="flat" w="38100">
+          <a:ln w="38100" cap="flat">
             <a:solidFill>
               <a:srgbClr val="FFFFFF"/>
             </a:solidFill>
             <a:prstDash val="solid"/>
-            <a:headEnd type="none" len="sm" w="sm"/>
-            <a:tailEnd type="none" len="sm" w="sm"/>
+            <a:headEnd type="none" w="sm" len="sm"/>
+            <a:tailEnd type="none" w="sm" len="sm"/>
           </a:ln>
         </p:spPr>
-      </p:sp>
-      <p:sp>
-        <p:nvSpPr>
-          <p:cNvPr name="TextBox 37" id="37"/>
-          <p:cNvSpPr txBox="true"/>
-          <p:nvPr/>
-        </p:nvSpPr>
-        <p:spPr>
-          <a:xfrm rot="0">
+        <p:txBody>
+          <a:bodyPr/>
+          <a:lstStyle/>
+          <a:p>
+            <a:endParaRPr lang="en-US"/>
+          </a:p>
+        </p:txBody>
+      </p:sp>
+      <p:sp>
+        <p:nvSpPr>
+          <p:cNvPr id="37" name="TextBox 37"/>
+          <p:cNvSpPr txBox="1"/>
+          <p:nvPr/>
+        </p:nvSpPr>
+        <p:spPr>
+          <a:xfrm>
             <a:off x="14686092" y="7383893"/>
             <a:ext cx="553619" cy="317500"/>
           </a:xfrm>
@@ -7247,7 +7378,7 @@
           </a:prstGeom>
         </p:spPr>
         <p:txBody>
-          <a:bodyPr anchor="t" rtlCol="false" tIns="0" lIns="0" bIns="0" rIns="0">
+          <a:bodyPr lIns="0" tIns="0" rIns="0" bIns="0" rtlCol="0" anchor="t">
             <a:spAutoFit/>
           </a:bodyPr>
           <a:lstStyle/>
@@ -7277,12 +7408,12 @@
       </p:sp>
       <p:sp>
         <p:nvSpPr>
-          <p:cNvPr name="TextBox 38" id="38"/>
-          <p:cNvSpPr txBox="true"/>
-          <p:nvPr/>
-        </p:nvSpPr>
-        <p:spPr>
-          <a:xfrm rot="0">
+          <p:cNvPr id="38" name="TextBox 38"/>
+          <p:cNvSpPr txBox="1"/>
+          <p:nvPr/>
+        </p:nvSpPr>
+        <p:spPr>
+          <a:xfrm>
             <a:off x="14654250" y="8260379"/>
             <a:ext cx="617301" cy="317500"/>
           </a:xfrm>
@@ -7291,7 +7422,7 @@
           </a:prstGeom>
         </p:spPr>
         <p:txBody>
-          <a:bodyPr anchor="t" rtlCol="false" tIns="0" lIns="0" bIns="0" rIns="0">
+          <a:bodyPr lIns="0" tIns="0" rIns="0" bIns="0" rtlCol="0" anchor="t">
             <a:spAutoFit/>
           </a:bodyPr>
           <a:lstStyle/>
@@ -7321,21 +7452,21 @@
       </p:sp>
       <p:sp>
         <p:nvSpPr>
-          <p:cNvPr name="TextBox 39" id="39"/>
-          <p:cNvSpPr txBox="true"/>
-          <p:nvPr/>
-        </p:nvSpPr>
-        <p:spPr>
-          <a:xfrm rot="0">
-            <a:off x="16012497" y="7383893"/>
-            <a:ext cx="902145" cy="317500"/>
+          <p:cNvPr id="39" name="TextBox 39"/>
+          <p:cNvSpPr txBox="1"/>
+          <p:nvPr/>
+        </p:nvSpPr>
+        <p:spPr>
+          <a:xfrm>
+            <a:off x="15946508" y="7383893"/>
+            <a:ext cx="1018055" cy="317500"/>
           </a:xfrm>
           <a:prstGeom prst="rect">
             <a:avLst/>
           </a:prstGeom>
         </p:spPr>
         <p:txBody>
-          <a:bodyPr anchor="t" rtlCol="false" tIns="0" lIns="0" bIns="0" rIns="0">
+          <a:bodyPr lIns="0" tIns="0" rIns="0" bIns="0" rtlCol="0" anchor="t">
             <a:spAutoFit/>
           </a:bodyPr>
           <a:lstStyle/>
@@ -7365,21 +7496,21 @@
       </p:sp>
       <p:sp>
         <p:nvSpPr>
-          <p:cNvPr name="TextBox 40" id="40"/>
-          <p:cNvSpPr txBox="true"/>
-          <p:nvPr/>
-        </p:nvSpPr>
-        <p:spPr>
-          <a:xfrm rot="0">
-            <a:off x="15972919" y="8260379"/>
-            <a:ext cx="965232" cy="317500"/>
+          <p:cNvPr id="40" name="TextBox 40"/>
+          <p:cNvSpPr txBox="1"/>
+          <p:nvPr/>
+        </p:nvSpPr>
+        <p:spPr>
+          <a:xfrm>
+            <a:off x="15921787" y="8260379"/>
+            <a:ext cx="1112140" cy="317500"/>
           </a:xfrm>
           <a:prstGeom prst="rect">
             <a:avLst/>
           </a:prstGeom>
         </p:spPr>
         <p:txBody>
-          <a:bodyPr anchor="t" rtlCol="false" tIns="0" lIns="0" bIns="0" rIns="0">
+          <a:bodyPr lIns="0" tIns="0" rIns="0" bIns="0" rtlCol="0" anchor="t">
             <a:spAutoFit/>
           </a:bodyPr>
           <a:lstStyle/>
@@ -7409,7 +7540,7 @@
       </p:sp>
       <p:sp>
         <p:nvSpPr>
-          <p:cNvPr name="AutoShape 41" id="41"/>
+          <p:cNvPr id="41" name="AutoShape 41"/>
           <p:cNvSpPr/>
           <p:nvPr/>
         </p:nvSpPr>
@@ -7421,19 +7552,26 @@
           <a:prstGeom prst="line">
             <a:avLst/>
           </a:prstGeom>
-          <a:ln cap="flat" w="38100">
+          <a:ln w="38100" cap="flat">
             <a:solidFill>
               <a:srgbClr val="FFFFFF"/>
             </a:solidFill>
             <a:prstDash val="solid"/>
-            <a:headEnd type="none" len="sm" w="sm"/>
-            <a:tailEnd type="none" len="sm" w="sm"/>
+            <a:headEnd type="none" w="sm" len="sm"/>
+            <a:tailEnd type="none" w="sm" len="sm"/>
           </a:ln>
         </p:spPr>
-      </p:sp>
-      <p:sp>
-        <p:nvSpPr>
-          <p:cNvPr name="AutoShape 42" id="42"/>
+        <p:txBody>
+          <a:bodyPr/>
+          <a:lstStyle/>
+          <a:p>
+            <a:endParaRPr lang="en-US"/>
+          </a:p>
+        </p:txBody>
+      </p:sp>
+      <p:sp>
+        <p:nvSpPr>
+          <p:cNvPr id="42" name="AutoShape 42"/>
           <p:cNvSpPr/>
           <p:nvPr/>
         </p:nvSpPr>
@@ -7445,19 +7583,26 @@
           <a:prstGeom prst="line">
             <a:avLst/>
           </a:prstGeom>
-          <a:ln cap="flat" w="38100">
+          <a:ln w="38100" cap="flat">
             <a:solidFill>
               <a:srgbClr val="FFFFFF"/>
             </a:solidFill>
             <a:prstDash val="solid"/>
-            <a:headEnd type="none" len="sm" w="sm"/>
-            <a:tailEnd type="none" len="sm" w="sm"/>
+            <a:headEnd type="none" w="sm" len="sm"/>
+            <a:tailEnd type="none" w="sm" len="sm"/>
           </a:ln>
         </p:spPr>
-      </p:sp>
-      <p:sp>
-        <p:nvSpPr>
-          <p:cNvPr name="AutoShape 43" id="43"/>
+        <p:txBody>
+          <a:bodyPr/>
+          <a:lstStyle/>
+          <a:p>
+            <a:endParaRPr lang="en-US"/>
+          </a:p>
+        </p:txBody>
+      </p:sp>
+      <p:sp>
+        <p:nvSpPr>
+          <p:cNvPr id="43" name="AutoShape 43"/>
           <p:cNvSpPr/>
           <p:nvPr/>
         </p:nvSpPr>
@@ -7469,19 +7614,26 @@
           <a:prstGeom prst="line">
             <a:avLst/>
           </a:prstGeom>
-          <a:ln cap="flat" w="38100">
+          <a:ln w="38100" cap="flat">
             <a:solidFill>
               <a:srgbClr val="FFFFFF"/>
             </a:solidFill>
             <a:prstDash val="solid"/>
-            <a:headEnd type="none" len="sm" w="sm"/>
-            <a:tailEnd type="none" len="sm" w="sm"/>
+            <a:headEnd type="none" w="sm" len="sm"/>
+            <a:tailEnd type="none" w="sm" len="sm"/>
           </a:ln>
         </p:spPr>
-      </p:sp>
-      <p:sp>
-        <p:nvSpPr>
-          <p:cNvPr name="AutoShape 44" id="44"/>
+        <p:txBody>
+          <a:bodyPr/>
+          <a:lstStyle/>
+          <a:p>
+            <a:endParaRPr lang="en-US"/>
+          </a:p>
+        </p:txBody>
+      </p:sp>
+      <p:sp>
+        <p:nvSpPr>
+          <p:cNvPr id="44" name="AutoShape 44"/>
           <p:cNvSpPr/>
           <p:nvPr/>
         </p:nvSpPr>
@@ -7493,33 +7645,40 @@
           <a:prstGeom prst="line">
             <a:avLst/>
           </a:prstGeom>
-          <a:ln cap="flat" w="38100">
+          <a:ln w="38100" cap="flat">
             <a:solidFill>
               <a:srgbClr val="FFFFFF"/>
             </a:solidFill>
             <a:prstDash val="solid"/>
-            <a:headEnd type="none" len="sm" w="sm"/>
-            <a:tailEnd type="none" len="sm" w="sm"/>
+            <a:headEnd type="none" w="sm" len="sm"/>
+            <a:tailEnd type="none" w="sm" len="sm"/>
           </a:ln>
         </p:spPr>
-      </p:sp>
-      <p:sp>
-        <p:nvSpPr>
-          <p:cNvPr name="TextBox 45" id="45"/>
-          <p:cNvSpPr txBox="true"/>
-          <p:nvPr/>
-        </p:nvSpPr>
-        <p:spPr>
-          <a:xfrm rot="0">
-            <a:off x="11526387" y="4228763"/>
-            <a:ext cx="561542" cy="317500"/>
+        <p:txBody>
+          <a:bodyPr/>
+          <a:lstStyle/>
+          <a:p>
+            <a:endParaRPr lang="en-US"/>
+          </a:p>
+        </p:txBody>
+      </p:sp>
+      <p:sp>
+        <p:nvSpPr>
+          <p:cNvPr id="45" name="TextBox 45"/>
+          <p:cNvSpPr txBox="1"/>
+          <p:nvPr/>
+        </p:nvSpPr>
+        <p:spPr>
+          <a:xfrm>
+            <a:off x="11424186" y="4228763"/>
+            <a:ext cx="765945" cy="317500"/>
           </a:xfrm>
           <a:prstGeom prst="rect">
             <a:avLst/>
           </a:prstGeom>
         </p:spPr>
         <p:txBody>
-          <a:bodyPr anchor="t" rtlCol="false" tIns="0" lIns="0" bIns="0" rIns="0">
+          <a:bodyPr lIns="0" tIns="0" rIns="0" bIns="0" rtlCol="0" anchor="t">
             <a:spAutoFit/>
           </a:bodyPr>
           <a:lstStyle/>
@@ -7549,21 +7708,21 @@
       </p:sp>
       <p:sp>
         <p:nvSpPr>
-          <p:cNvPr name="TextBox 46" id="46"/>
-          <p:cNvSpPr txBox="true"/>
-          <p:nvPr/>
-        </p:nvSpPr>
-        <p:spPr>
-          <a:xfrm rot="0">
-            <a:off x="12426405" y="4228763"/>
-            <a:ext cx="723034" cy="317500"/>
+          <p:cNvPr id="46" name="TextBox 46"/>
+          <p:cNvSpPr txBox="1"/>
+          <p:nvPr/>
+        </p:nvSpPr>
+        <p:spPr>
+          <a:xfrm>
+            <a:off x="12335490" y="4228763"/>
+            <a:ext cx="884706" cy="317500"/>
           </a:xfrm>
           <a:prstGeom prst="rect">
             <a:avLst/>
           </a:prstGeom>
         </p:spPr>
         <p:txBody>
-          <a:bodyPr anchor="t" rtlCol="false" tIns="0" lIns="0" bIns="0" rIns="0">
+          <a:bodyPr lIns="0" tIns="0" rIns="0" bIns="0" rtlCol="0" anchor="t">
             <a:spAutoFit/>
           </a:bodyPr>
           <a:lstStyle/>
@@ -7593,21 +7752,21 @@
       </p:sp>
       <p:sp>
         <p:nvSpPr>
-          <p:cNvPr name="TextBox 47" id="47"/>
-          <p:cNvSpPr txBox="true"/>
-          <p:nvPr/>
-        </p:nvSpPr>
-        <p:spPr>
-          <a:xfrm rot="0">
-            <a:off x="13520056" y="4228763"/>
-            <a:ext cx="487182" cy="317500"/>
+          <p:cNvPr id="47" name="TextBox 47"/>
+          <p:cNvSpPr txBox="1"/>
+          <p:nvPr/>
+        </p:nvSpPr>
+        <p:spPr>
+          <a:xfrm>
+            <a:off x="13472030" y="4228763"/>
+            <a:ext cx="657377" cy="317500"/>
           </a:xfrm>
           <a:prstGeom prst="rect">
             <a:avLst/>
           </a:prstGeom>
         </p:spPr>
         <p:txBody>
-          <a:bodyPr anchor="t" rtlCol="false" tIns="0" lIns="0" bIns="0" rIns="0">
+          <a:bodyPr lIns="0" tIns="0" rIns="0" bIns="0" rtlCol="0" anchor="t">
             <a:spAutoFit/>
           </a:bodyPr>
           <a:lstStyle/>
@@ -7637,21 +7796,21 @@
       </p:sp>
       <p:sp>
         <p:nvSpPr>
-          <p:cNvPr name="TextBox 48" id="48"/>
-          <p:cNvSpPr txBox="true"/>
-          <p:nvPr/>
-        </p:nvSpPr>
-        <p:spPr>
-          <a:xfrm rot="0">
-            <a:off x="14543205" y="4228763"/>
-            <a:ext cx="561542" cy="317500"/>
+          <p:cNvPr id="48" name="TextBox 48"/>
+          <p:cNvSpPr txBox="1"/>
+          <p:nvPr/>
+        </p:nvSpPr>
+        <p:spPr>
+          <a:xfrm>
+            <a:off x="14431617" y="4228763"/>
+            <a:ext cx="696505" cy="317500"/>
           </a:xfrm>
           <a:prstGeom prst="rect">
             <a:avLst/>
           </a:prstGeom>
         </p:spPr>
         <p:txBody>
-          <a:bodyPr anchor="t" rtlCol="false" tIns="0" lIns="0" bIns="0" rIns="0">
+          <a:bodyPr lIns="0" tIns="0" rIns="0" bIns="0" rtlCol="0" anchor="t">
             <a:spAutoFit/>
           </a:bodyPr>
           <a:lstStyle/>
@@ -7681,21 +7840,21 @@
       </p:sp>
       <p:sp>
         <p:nvSpPr>
-          <p:cNvPr name="TextBox 49" id="49"/>
-          <p:cNvSpPr txBox="true"/>
-          <p:nvPr/>
-        </p:nvSpPr>
-        <p:spPr>
-          <a:xfrm rot="0">
-            <a:off x="15443223" y="4228763"/>
-            <a:ext cx="723034" cy="317500"/>
+          <p:cNvPr id="49" name="TextBox 49"/>
+          <p:cNvSpPr txBox="1"/>
+          <p:nvPr/>
+        </p:nvSpPr>
+        <p:spPr>
+          <a:xfrm>
+            <a:off x="15301059" y="4228763"/>
+            <a:ext cx="895133" cy="317500"/>
           </a:xfrm>
           <a:prstGeom prst="rect">
             <a:avLst/>
           </a:prstGeom>
         </p:spPr>
         <p:txBody>
-          <a:bodyPr anchor="t" rtlCol="false" tIns="0" lIns="0" bIns="0" rIns="0">
+          <a:bodyPr lIns="0" tIns="0" rIns="0" bIns="0" rtlCol="0" anchor="t">
             <a:spAutoFit/>
           </a:bodyPr>
           <a:lstStyle/>
@@ -7725,21 +7884,21 @@
       </p:sp>
       <p:sp>
         <p:nvSpPr>
-          <p:cNvPr name="TextBox 50" id="50"/>
-          <p:cNvSpPr txBox="true"/>
-          <p:nvPr/>
-        </p:nvSpPr>
-        <p:spPr>
-          <a:xfrm rot="0">
-            <a:off x="16536874" y="4228763"/>
-            <a:ext cx="487182" cy="317500"/>
+          <p:cNvPr id="50" name="TextBox 50"/>
+          <p:cNvSpPr txBox="1"/>
+          <p:nvPr/>
+        </p:nvSpPr>
+        <p:spPr>
+          <a:xfrm>
+            <a:off x="16362633" y="4228763"/>
+            <a:ext cx="722426" cy="317500"/>
           </a:xfrm>
           <a:prstGeom prst="rect">
             <a:avLst/>
           </a:prstGeom>
         </p:spPr>
         <p:txBody>
-          <a:bodyPr anchor="t" rtlCol="false" tIns="0" lIns="0" bIns="0" rIns="0">
+          <a:bodyPr lIns="0" tIns="0" rIns="0" bIns="0" rtlCol="0" anchor="t">
             <a:spAutoFit/>
           </a:bodyPr>
           <a:lstStyle/>
@@ -7769,21 +7928,21 @@
       </p:sp>
       <p:sp>
         <p:nvSpPr>
-          <p:cNvPr name="TextBox 51" id="51"/>
-          <p:cNvSpPr txBox="true"/>
-          <p:nvPr/>
-        </p:nvSpPr>
-        <p:spPr>
-          <a:xfrm rot="0">
-            <a:off x="11395473" y="4838606"/>
-            <a:ext cx="823371" cy="317500"/>
+          <p:cNvPr id="51" name="TextBox 51"/>
+          <p:cNvSpPr txBox="1"/>
+          <p:nvPr/>
+        </p:nvSpPr>
+        <p:spPr>
+          <a:xfrm>
+            <a:off x="11299339" y="4838606"/>
+            <a:ext cx="977667" cy="317500"/>
           </a:xfrm>
           <a:prstGeom prst="rect">
             <a:avLst/>
           </a:prstGeom>
         </p:spPr>
         <p:txBody>
-          <a:bodyPr anchor="t" rtlCol="false" tIns="0" lIns="0" bIns="0" rIns="0">
+          <a:bodyPr lIns="0" tIns="0" rIns="0" bIns="0" rtlCol="0" anchor="t">
             <a:spAutoFit/>
           </a:bodyPr>
           <a:lstStyle/>
@@ -7813,21 +7972,21 @@
       </p:sp>
       <p:sp>
         <p:nvSpPr>
-          <p:cNvPr name="TextBox 52" id="52"/>
-          <p:cNvSpPr txBox="true"/>
-          <p:nvPr/>
-        </p:nvSpPr>
-        <p:spPr>
-          <a:xfrm rot="0">
-            <a:off x="12372618" y="4838606"/>
-            <a:ext cx="806594" cy="317500"/>
+          <p:cNvPr id="52" name="TextBox 52"/>
+          <p:cNvSpPr txBox="1"/>
+          <p:nvPr/>
+        </p:nvSpPr>
+        <p:spPr>
+          <a:xfrm>
+            <a:off x="12317254" y="4838606"/>
+            <a:ext cx="938493" cy="317500"/>
           </a:xfrm>
           <a:prstGeom prst="rect">
             <a:avLst/>
           </a:prstGeom>
         </p:spPr>
         <p:txBody>
-          <a:bodyPr anchor="t" rtlCol="false" tIns="0" lIns="0" bIns="0" rIns="0">
+          <a:bodyPr lIns="0" tIns="0" rIns="0" bIns="0" rtlCol="0" anchor="t">
             <a:spAutoFit/>
           </a:bodyPr>
           <a:lstStyle/>
@@ -7857,21 +8016,21 @@
       </p:sp>
       <p:sp>
         <p:nvSpPr>
-          <p:cNvPr name="TextBox 53" id="53"/>
-          <p:cNvSpPr txBox="true"/>
-          <p:nvPr/>
-        </p:nvSpPr>
-        <p:spPr>
-          <a:xfrm rot="0">
-            <a:off x="13311111" y="4838606"/>
-            <a:ext cx="876192" cy="317500"/>
+          <p:cNvPr id="53" name="TextBox 53"/>
+          <p:cNvSpPr txBox="1"/>
+          <p:nvPr/>
+        </p:nvSpPr>
+        <p:spPr>
+          <a:xfrm>
+            <a:off x="13255747" y="4838606"/>
+            <a:ext cx="1028227" cy="317500"/>
           </a:xfrm>
           <a:prstGeom prst="rect">
             <a:avLst/>
           </a:prstGeom>
         </p:spPr>
         <p:txBody>
-          <a:bodyPr anchor="t" rtlCol="false" tIns="0" lIns="0" bIns="0" rIns="0">
+          <a:bodyPr lIns="0" tIns="0" rIns="0" bIns="0" rtlCol="0" anchor="t">
             <a:spAutoFit/>
           </a:bodyPr>
           <a:lstStyle/>
@@ -7901,21 +8060,21 @@
       </p:sp>
       <p:sp>
         <p:nvSpPr>
-          <p:cNvPr name="TextBox 54" id="54"/>
-          <p:cNvSpPr txBox="true"/>
-          <p:nvPr/>
-        </p:nvSpPr>
-        <p:spPr>
-          <a:xfrm rot="0">
-            <a:off x="14350649" y="4838606"/>
-            <a:ext cx="858441" cy="317500"/>
+          <p:cNvPr id="54" name="TextBox 54"/>
+          <p:cNvSpPr txBox="1"/>
+          <p:nvPr/>
+        </p:nvSpPr>
+        <p:spPr>
+          <a:xfrm>
+            <a:off x="14295555" y="4838606"/>
+            <a:ext cx="989356" cy="317500"/>
           </a:xfrm>
           <a:prstGeom prst="rect">
             <a:avLst/>
           </a:prstGeom>
         </p:spPr>
         <p:txBody>
-          <a:bodyPr anchor="t" rtlCol="false" tIns="0" lIns="0" bIns="0" rIns="0">
+          <a:bodyPr lIns="0" tIns="0" rIns="0" bIns="0" rtlCol="0" anchor="t">
             <a:spAutoFit/>
           </a:bodyPr>
           <a:lstStyle/>
@@ -7945,21 +8104,21 @@
       </p:sp>
       <p:sp>
         <p:nvSpPr>
-          <p:cNvPr name="TextBox 55" id="55"/>
-          <p:cNvSpPr txBox="true"/>
-          <p:nvPr/>
-        </p:nvSpPr>
-        <p:spPr>
-          <a:xfrm rot="0">
-            <a:off x="15349388" y="4838606"/>
-            <a:ext cx="798476" cy="317500"/>
+          <p:cNvPr id="55" name="TextBox 55"/>
+          <p:cNvSpPr txBox="1"/>
+          <p:nvPr/>
+        </p:nvSpPr>
+        <p:spPr>
+          <a:xfrm>
+            <a:off x="15308247" y="4838606"/>
+            <a:ext cx="908317" cy="317500"/>
           </a:xfrm>
           <a:prstGeom prst="rect">
             <a:avLst/>
           </a:prstGeom>
         </p:spPr>
         <p:txBody>
-          <a:bodyPr anchor="t" rtlCol="false" tIns="0" lIns="0" bIns="0" rIns="0">
+          <a:bodyPr lIns="0" tIns="0" rIns="0" bIns="0" rtlCol="0" anchor="t">
             <a:spAutoFit/>
           </a:bodyPr>
           <a:lstStyle/>
@@ -7989,21 +8148,21 @@
       </p:sp>
       <p:sp>
         <p:nvSpPr>
-          <p:cNvPr name="TextBox 56" id="56"/>
-          <p:cNvSpPr txBox="true"/>
-          <p:nvPr/>
-        </p:nvSpPr>
-        <p:spPr>
-          <a:xfrm rot="0">
-            <a:off x="16292481" y="4838606"/>
-            <a:ext cx="858874" cy="317500"/>
+          <p:cNvPr id="56" name="TextBox 56"/>
+          <p:cNvSpPr txBox="1"/>
+          <p:nvPr/>
+        </p:nvSpPr>
+        <p:spPr>
+          <a:xfrm>
+            <a:off x="16257705" y="4838606"/>
+            <a:ext cx="966819" cy="317500"/>
           </a:xfrm>
           <a:prstGeom prst="rect">
             <a:avLst/>
           </a:prstGeom>
         </p:spPr>
         <p:txBody>
-          <a:bodyPr anchor="t" rtlCol="false" tIns="0" lIns="0" bIns="0" rIns="0">
+          <a:bodyPr lIns="0" tIns="0" rIns="0" bIns="0" rtlCol="0" anchor="t">
             <a:spAutoFit/>
           </a:bodyPr>
           <a:lstStyle/>
@@ -8033,21 +8192,21 @@
       </p:sp>
       <p:sp>
         <p:nvSpPr>
-          <p:cNvPr name="TextBox 57" id="57"/>
-          <p:cNvSpPr txBox="true"/>
-          <p:nvPr/>
-        </p:nvSpPr>
-        <p:spPr>
-          <a:xfrm rot="0">
-            <a:off x="11399295" y="5673968"/>
-            <a:ext cx="819583" cy="317500"/>
+          <p:cNvPr id="57" name="TextBox 57"/>
+          <p:cNvSpPr txBox="1"/>
+          <p:nvPr/>
+        </p:nvSpPr>
+        <p:spPr>
+          <a:xfrm>
+            <a:off x="11328234" y="5673968"/>
+            <a:ext cx="936913" cy="317500"/>
           </a:xfrm>
           <a:prstGeom prst="rect">
             <a:avLst/>
           </a:prstGeom>
         </p:spPr>
         <p:txBody>
-          <a:bodyPr anchor="t" rtlCol="false" tIns="0" lIns="0" bIns="0" rIns="0">
+          <a:bodyPr lIns="0" tIns="0" rIns="0" bIns="0" rtlCol="0" anchor="t">
             <a:spAutoFit/>
           </a:bodyPr>
           <a:lstStyle/>
@@ -8077,21 +8236,21 @@
       </p:sp>
       <p:sp>
         <p:nvSpPr>
-          <p:cNvPr name="TextBox 58" id="58"/>
-          <p:cNvSpPr txBox="true"/>
-          <p:nvPr/>
-        </p:nvSpPr>
-        <p:spPr>
-          <a:xfrm rot="0">
-            <a:off x="12373139" y="5673968"/>
-            <a:ext cx="809409" cy="317500"/>
+          <p:cNvPr id="58" name="TextBox 58"/>
+          <p:cNvSpPr txBox="1"/>
+          <p:nvPr/>
+        </p:nvSpPr>
+        <p:spPr>
+          <a:xfrm>
+            <a:off x="12335490" y="5673968"/>
+            <a:ext cx="911183" cy="317500"/>
           </a:xfrm>
           <a:prstGeom prst="rect">
             <a:avLst/>
           </a:prstGeom>
         </p:spPr>
         <p:txBody>
-          <a:bodyPr anchor="t" rtlCol="false" tIns="0" lIns="0" bIns="0" rIns="0">
+          <a:bodyPr lIns="0" tIns="0" rIns="0" bIns="0" rtlCol="0" anchor="t">
             <a:spAutoFit/>
           </a:bodyPr>
           <a:lstStyle/>
@@ -8121,21 +8280,21 @@
       </p:sp>
       <p:sp>
         <p:nvSpPr>
-          <p:cNvPr name="TextBox 59" id="59"/>
-          <p:cNvSpPr txBox="true"/>
-          <p:nvPr/>
-        </p:nvSpPr>
-        <p:spPr>
-          <a:xfrm rot="0">
-            <a:off x="13324837" y="5673968"/>
-            <a:ext cx="852596" cy="317500"/>
+          <p:cNvPr id="59" name="TextBox 59"/>
+          <p:cNvSpPr txBox="1"/>
+          <p:nvPr/>
+        </p:nvSpPr>
+        <p:spPr>
+          <a:xfrm>
+            <a:off x="13306294" y="5673968"/>
+            <a:ext cx="951668" cy="317500"/>
           </a:xfrm>
           <a:prstGeom prst="rect">
             <a:avLst/>
           </a:prstGeom>
         </p:spPr>
         <p:txBody>
-          <a:bodyPr anchor="t" rtlCol="false" tIns="0" lIns="0" bIns="0" rIns="0">
+          <a:bodyPr lIns="0" tIns="0" rIns="0" bIns="0" rtlCol="0" anchor="t">
             <a:spAutoFit/>
           </a:bodyPr>
           <a:lstStyle/>
@@ -8165,21 +8324,21 @@
       </p:sp>
       <p:sp>
         <p:nvSpPr>
-          <p:cNvPr name="TextBox 60" id="60"/>
-          <p:cNvSpPr txBox="true"/>
-          <p:nvPr/>
-        </p:nvSpPr>
-        <p:spPr>
-          <a:xfrm rot="0">
-            <a:off x="14434351" y="5673968"/>
-            <a:ext cx="694892" cy="317500"/>
+          <p:cNvPr id="60" name="TextBox 60"/>
+          <p:cNvSpPr txBox="1"/>
+          <p:nvPr/>
+        </p:nvSpPr>
+        <p:spPr>
+          <a:xfrm>
+            <a:off x="14376156" y="5673968"/>
+            <a:ext cx="828155" cy="317500"/>
           </a:xfrm>
           <a:prstGeom prst="rect">
             <a:avLst/>
           </a:prstGeom>
         </p:spPr>
         <p:txBody>
-          <a:bodyPr anchor="t" rtlCol="false" tIns="0" lIns="0" bIns="0" rIns="0">
+          <a:bodyPr lIns="0" tIns="0" rIns="0" bIns="0" rtlCol="0" anchor="t">
             <a:spAutoFit/>
           </a:bodyPr>
           <a:lstStyle/>
@@ -8209,21 +8368,21 @@
       </p:sp>
       <p:sp>
         <p:nvSpPr>
-          <p:cNvPr name="TextBox 61" id="61"/>
-          <p:cNvSpPr txBox="true"/>
-          <p:nvPr/>
-        </p:nvSpPr>
-        <p:spPr>
-          <a:xfrm rot="0">
-            <a:off x="15340005" y="5673968"/>
-            <a:ext cx="821098" cy="317500"/>
+          <p:cNvPr id="61" name="TextBox 61"/>
+          <p:cNvSpPr txBox="1"/>
+          <p:nvPr/>
+        </p:nvSpPr>
+        <p:spPr>
+          <a:xfrm>
+            <a:off x="15303555" y="5673968"/>
+            <a:ext cx="917700" cy="317500"/>
           </a:xfrm>
           <a:prstGeom prst="rect">
             <a:avLst/>
           </a:prstGeom>
         </p:spPr>
         <p:txBody>
-          <a:bodyPr anchor="t" rtlCol="false" tIns="0" lIns="0" bIns="0" rIns="0">
+          <a:bodyPr lIns="0" tIns="0" rIns="0" bIns="0" rtlCol="0" anchor="t">
             <a:spAutoFit/>
           </a:bodyPr>
           <a:lstStyle/>
@@ -8253,21 +8412,21 @@
       </p:sp>
       <p:sp>
         <p:nvSpPr>
-          <p:cNvPr name="TextBox 62" id="62"/>
-          <p:cNvSpPr txBox="true"/>
-          <p:nvPr/>
-        </p:nvSpPr>
-        <p:spPr>
-          <a:xfrm rot="0">
+          <p:cNvPr id="62" name="TextBox 62"/>
+          <p:cNvSpPr txBox="1"/>
+          <p:nvPr/>
+        </p:nvSpPr>
+        <p:spPr>
+          <a:xfrm>
             <a:off x="16285371" y="5673968"/>
-            <a:ext cx="876949" cy="317500"/>
+            <a:ext cx="973929" cy="317500"/>
           </a:xfrm>
           <a:prstGeom prst="rect">
             <a:avLst/>
           </a:prstGeom>
         </p:spPr>
         <p:txBody>
-          <a:bodyPr anchor="t" rtlCol="false" tIns="0" lIns="0" bIns="0" rIns="0">
+          <a:bodyPr lIns="0" tIns="0" rIns="0" bIns="0" rtlCol="0" anchor="t">
             <a:spAutoFit/>
           </a:bodyPr>
           <a:lstStyle/>
@@ -8307,7 +8466,7 @@
 </file>
 
 <file path=ppt/slides/slide6.xml><?xml version="1.0" encoding="utf-8"?>
-<p:sld xmlns:p="http://schemas.openxmlformats.org/presentationml/2006/main" xmlns:a="http://schemas.openxmlformats.org/drawingml/2006/main" xmlns:r="http://schemas.openxmlformats.org/officeDocument/2006/relationships">
+<p:sld xmlns:a="http://schemas.openxmlformats.org/drawingml/2006/main" xmlns:r="http://schemas.openxmlformats.org/officeDocument/2006/relationships" xmlns:p="http://schemas.openxmlformats.org/presentationml/2006/main">
   <p:cSld>
     <p:spTree>
       <p:nvGrpSpPr>
@@ -8325,12 +8484,12 @@
       </p:grpSpPr>
       <p:sp>
         <p:nvSpPr>
-          <p:cNvPr name="Freeform 2" id="2"/>
+          <p:cNvPr id="2" name="Freeform 2"/>
           <p:cNvSpPr/>
           <p:nvPr/>
         </p:nvSpPr>
         <p:spPr>
-          <a:xfrm flipH="false" flipV="false" rot="1660033">
+          <a:xfrm rot="1660033">
             <a:off x="-1828349" y="-3995874"/>
             <a:ext cx="23190696" cy="18351712"/>
           </a:xfrm>
@@ -8339,9 +8498,9 @@
             <a:gdLst/>
             <a:ahLst/>
             <a:cxnLst/>
-            <a:rect r="r" b="b" t="t" l="l"/>
+            <a:rect l="l" t="t" r="r" b="b"/>
             <a:pathLst>
-              <a:path h="18351712" w="23190696">
+              <a:path w="23190696" h="18351712">
                 <a:moveTo>
                   <a:pt x="0" y="0"/>
                 </a:moveTo>
@@ -8364,19 +8523,26 @@
           <a:blipFill>
             <a:blip r:embed="rId2"/>
             <a:stretch>
-              <a:fillRect l="-18813" t="-28407" r="-33701" b="0"/>
+              <a:fillRect l="-18813" t="-28407" r="-33701"/>
             </a:stretch>
           </a:blipFill>
         </p:spPr>
-      </p:sp>
-      <p:sp>
-        <p:nvSpPr>
-          <p:cNvPr name="TextBox 3" id="3"/>
-          <p:cNvSpPr txBox="true"/>
-          <p:nvPr/>
-        </p:nvSpPr>
-        <p:spPr>
-          <a:xfrm rot="0">
+        <p:txBody>
+          <a:bodyPr/>
+          <a:lstStyle/>
+          <a:p>
+            <a:endParaRPr lang="en-US"/>
+          </a:p>
+        </p:txBody>
+      </p:sp>
+      <p:sp>
+        <p:nvSpPr>
+          <p:cNvPr id="3" name="TextBox 3"/>
+          <p:cNvSpPr txBox="1"/>
+          <p:nvPr/>
+        </p:nvSpPr>
+        <p:spPr>
+          <a:xfrm>
             <a:off x="840561" y="738309"/>
             <a:ext cx="11865897" cy="1156969"/>
           </a:xfrm>
@@ -8385,7 +8551,7 @@
           </a:prstGeom>
         </p:spPr>
         <p:txBody>
-          <a:bodyPr anchor="t" rtlCol="false" tIns="0" lIns="0" bIns="0" rIns="0">
+          <a:bodyPr lIns="0" tIns="0" rIns="0" bIns="0" rtlCol="0" anchor="t">
             <a:spAutoFit/>
           </a:bodyPr>
           <a:lstStyle/>
@@ -8412,12 +8578,12 @@
       </p:sp>
       <p:sp>
         <p:nvSpPr>
-          <p:cNvPr name="TextBox 4" id="4"/>
-          <p:cNvSpPr txBox="true"/>
-          <p:nvPr/>
-        </p:nvSpPr>
-        <p:spPr>
-          <a:xfrm rot="0">
+          <p:cNvPr id="4" name="TextBox 4"/>
+          <p:cNvSpPr txBox="1"/>
+          <p:nvPr/>
+        </p:nvSpPr>
+        <p:spPr>
+          <a:xfrm>
             <a:off x="840561" y="2114866"/>
             <a:ext cx="13710384" cy="1476375"/>
           </a:xfrm>
@@ -8426,7 +8592,7 @@
           </a:prstGeom>
         </p:spPr>
         <p:txBody>
-          <a:bodyPr anchor="t" rtlCol="false" tIns="0" lIns="0" bIns="0" rIns="0">
+          <a:bodyPr lIns="0" tIns="0" rIns="0" bIns="0" rtlCol="0" anchor="t">
             <a:spAutoFit/>
           </a:bodyPr>
           <a:lstStyle/>
@@ -8449,7 +8615,7 @@
               <a:t>In this step we used the </a:t>
             </a:r>
             <a:r>
-              <a:rPr lang="en-US" sz="3000" b="true">
+              <a:rPr lang="en-US" sz="3000" b="1">
                 <a:solidFill>
                   <a:srgbClr val="FFFFFF"/>
                 </a:solidFill>
@@ -8477,12 +8643,12 @@
       </p:sp>
       <p:sp>
         <p:nvSpPr>
-          <p:cNvPr name="TextBox 5" id="5"/>
-          <p:cNvSpPr txBox="true"/>
-          <p:nvPr/>
-        </p:nvSpPr>
-        <p:spPr>
-          <a:xfrm rot="0">
+          <p:cNvPr id="5" name="TextBox 5"/>
+          <p:cNvSpPr txBox="1"/>
+          <p:nvPr/>
+        </p:nvSpPr>
+        <p:spPr>
+          <a:xfrm>
             <a:off x="1746105" y="5881792"/>
             <a:ext cx="1714608" cy="600710"/>
           </a:xfrm>
@@ -8491,7 +8657,7 @@
           </a:prstGeom>
         </p:spPr>
         <p:txBody>
-          <a:bodyPr anchor="t" rtlCol="false" tIns="0" lIns="0" bIns="0" rIns="0">
+          <a:bodyPr lIns="0" tIns="0" rIns="0" bIns="0" rtlCol="0" anchor="t">
             <a:spAutoFit/>
           </a:bodyPr>
           <a:lstStyle/>
@@ -8521,12 +8687,12 @@
       </p:sp>
       <p:sp>
         <p:nvSpPr>
-          <p:cNvPr name="TextBox 6" id="6"/>
-          <p:cNvSpPr txBox="true"/>
-          <p:nvPr/>
-        </p:nvSpPr>
-        <p:spPr>
-          <a:xfrm rot="0">
+          <p:cNvPr id="6" name="TextBox 6"/>
+          <p:cNvSpPr txBox="1"/>
+          <p:nvPr/>
+        </p:nvSpPr>
+        <p:spPr>
+          <a:xfrm>
             <a:off x="4771213" y="5881792"/>
             <a:ext cx="2413289" cy="600710"/>
           </a:xfrm>
@@ -8535,7 +8701,7 @@
           </a:prstGeom>
         </p:spPr>
         <p:txBody>
-          <a:bodyPr anchor="t" rtlCol="false" tIns="0" lIns="0" bIns="0" rIns="0">
+          <a:bodyPr lIns="0" tIns="0" rIns="0" bIns="0" rtlCol="0" anchor="t">
             <a:spAutoFit/>
           </a:bodyPr>
           <a:lstStyle/>
@@ -8565,12 +8731,12 @@
       </p:sp>
       <p:sp>
         <p:nvSpPr>
-          <p:cNvPr name="TextBox 7" id="7"/>
-          <p:cNvSpPr txBox="true"/>
-          <p:nvPr/>
-        </p:nvSpPr>
-        <p:spPr>
-          <a:xfrm rot="0">
+          <p:cNvPr id="7" name="TextBox 7"/>
+          <p:cNvSpPr txBox="1"/>
+          <p:nvPr/>
+        </p:nvSpPr>
+        <p:spPr>
+          <a:xfrm>
             <a:off x="8475897" y="5881792"/>
             <a:ext cx="1341510" cy="600710"/>
           </a:xfrm>
@@ -8579,7 +8745,7 @@
           </a:prstGeom>
         </p:spPr>
         <p:txBody>
-          <a:bodyPr anchor="t" rtlCol="false" tIns="0" lIns="0" bIns="0" rIns="0">
+          <a:bodyPr lIns="0" tIns="0" rIns="0" bIns="0" rtlCol="0" anchor="t">
             <a:spAutoFit/>
           </a:bodyPr>
           <a:lstStyle/>
@@ -8609,12 +8775,12 @@
       </p:sp>
       <p:sp>
         <p:nvSpPr>
-          <p:cNvPr name="TextBox 8" id="8"/>
-          <p:cNvSpPr txBox="true"/>
-          <p:nvPr/>
-        </p:nvSpPr>
-        <p:spPr>
-          <a:xfrm rot="0">
+          <p:cNvPr id="8" name="TextBox 8"/>
+          <p:cNvSpPr txBox="1"/>
+          <p:nvPr/>
+        </p:nvSpPr>
+        <p:spPr>
+          <a:xfrm>
             <a:off x="11272892" y="5881792"/>
             <a:ext cx="678115" cy="600710"/>
           </a:xfrm>
@@ -8623,7 +8789,7 @@
           </a:prstGeom>
         </p:spPr>
         <p:txBody>
-          <a:bodyPr anchor="t" rtlCol="false" tIns="0" lIns="0" bIns="0" rIns="0">
+          <a:bodyPr lIns="0" tIns="0" rIns="0" bIns="0" rtlCol="0" anchor="t">
             <a:spAutoFit/>
           </a:bodyPr>
           <a:lstStyle/>
@@ -8653,12 +8819,12 @@
       </p:sp>
       <p:sp>
         <p:nvSpPr>
-          <p:cNvPr name="TextBox 9" id="9"/>
-          <p:cNvSpPr txBox="true"/>
-          <p:nvPr/>
-        </p:nvSpPr>
-        <p:spPr>
-          <a:xfrm rot="0">
+          <p:cNvPr id="9" name="TextBox 9"/>
+          <p:cNvSpPr txBox="1"/>
+          <p:nvPr/>
+        </p:nvSpPr>
+        <p:spPr>
+          <a:xfrm>
             <a:off x="13283695" y="5881792"/>
             <a:ext cx="3258200" cy="600710"/>
           </a:xfrm>
@@ -8667,7 +8833,7 @@
           </a:prstGeom>
         </p:spPr>
         <p:txBody>
-          <a:bodyPr anchor="t" rtlCol="false" tIns="0" lIns="0" bIns="0" rIns="0">
+          <a:bodyPr lIns="0" tIns="0" rIns="0" bIns="0" rtlCol="0" anchor="t">
             <a:spAutoFit/>
           </a:bodyPr>
           <a:lstStyle/>
@@ -8707,7 +8873,7 @@
 </file>
 
 <file path=ppt/slides/slide7.xml><?xml version="1.0" encoding="utf-8"?>
-<p:sld xmlns:p="http://schemas.openxmlformats.org/presentationml/2006/main" xmlns:a="http://schemas.openxmlformats.org/drawingml/2006/main" xmlns:r="http://schemas.openxmlformats.org/officeDocument/2006/relationships">
+<p:sld xmlns:a="http://schemas.openxmlformats.org/drawingml/2006/main" xmlns:r="http://schemas.openxmlformats.org/officeDocument/2006/relationships" xmlns:p="http://schemas.openxmlformats.org/presentationml/2006/main">
   <p:cSld>
     <p:spTree>
       <p:nvGrpSpPr>
@@ -8725,12 +8891,12 @@
       </p:grpSpPr>
       <p:sp>
         <p:nvSpPr>
-          <p:cNvPr name="Freeform 2" id="2"/>
+          <p:cNvPr id="2" name="Freeform 2"/>
           <p:cNvSpPr/>
           <p:nvPr/>
         </p:nvSpPr>
         <p:spPr>
-          <a:xfrm flipH="false" flipV="false" rot="0">
+          <a:xfrm>
             <a:off x="-2583756" y="-1453363"/>
             <a:ext cx="20871756" cy="11740363"/>
           </a:xfrm>
@@ -8739,9 +8905,9 @@
             <a:gdLst/>
             <a:ahLst/>
             <a:cxnLst/>
-            <a:rect r="r" b="b" t="t" l="l"/>
+            <a:rect l="l" t="t" r="r" b="b"/>
             <a:pathLst>
-              <a:path h="11740363" w="20871756">
+              <a:path w="20871756" h="11740363">
                 <a:moveTo>
                   <a:pt x="0" y="0"/>
                 </a:moveTo>
@@ -8764,19 +8930,26 @@
           <a:blipFill>
             <a:blip r:embed="rId2"/>
             <a:stretch>
-              <a:fillRect l="-373" t="-19402" r="-373" b="0"/>
+              <a:fillRect l="-373" t="-19402" r="-373"/>
             </a:stretch>
           </a:blipFill>
         </p:spPr>
-      </p:sp>
-      <p:sp>
-        <p:nvSpPr>
-          <p:cNvPr name="Freeform 3" id="3"/>
+        <p:txBody>
+          <a:bodyPr/>
+          <a:lstStyle/>
+          <a:p>
+            <a:endParaRPr lang="en-US"/>
+          </a:p>
+        </p:txBody>
+      </p:sp>
+      <p:sp>
+        <p:nvSpPr>
+          <p:cNvPr id="3" name="Freeform 3"/>
           <p:cNvSpPr/>
           <p:nvPr/>
         </p:nvSpPr>
         <p:spPr>
-          <a:xfrm flipH="false" flipV="false" rot="0">
+          <a:xfrm>
             <a:off x="1028700" y="4613296"/>
             <a:ext cx="5689602" cy="4448528"/>
           </a:xfrm>
@@ -8785,9 +8958,9 @@
             <a:gdLst/>
             <a:ahLst/>
             <a:cxnLst/>
-            <a:rect r="r" b="b" t="t" l="l"/>
+            <a:rect l="l" t="t" r="r" b="b"/>
             <a:pathLst>
-              <a:path h="4448528" w="5689602">
+              <a:path w="5689602" h="4448528">
                 <a:moveTo>
                   <a:pt x="0" y="0"/>
                 </a:moveTo>
@@ -8810,7 +8983,7 @@
           <a:blipFill>
             <a:blip r:embed="rId3"/>
             <a:stretch>
-              <a:fillRect l="0" t="0" r="0" b="0"/>
+              <a:fillRect/>
             </a:stretch>
           </a:blipFill>
           <a:ln cap="rnd">
@@ -8819,15 +8992,22 @@
             <a:round/>
           </a:ln>
         </p:spPr>
-      </p:sp>
-      <p:sp>
-        <p:nvSpPr>
-          <p:cNvPr name="Freeform 4" id="4"/>
+        <p:txBody>
+          <a:bodyPr/>
+          <a:lstStyle/>
+          <a:p>
+            <a:endParaRPr lang="en-US"/>
+          </a:p>
+        </p:txBody>
+      </p:sp>
+      <p:sp>
+        <p:nvSpPr>
+          <p:cNvPr id="4" name="Freeform 4"/>
           <p:cNvSpPr/>
           <p:nvPr/>
         </p:nvSpPr>
         <p:spPr>
-          <a:xfrm flipH="false" flipV="false" rot="0">
+          <a:xfrm>
             <a:off x="8885601" y="4613296"/>
             <a:ext cx="8373699" cy="4448528"/>
           </a:xfrm>
@@ -8836,9 +9016,9 @@
             <a:gdLst/>
             <a:ahLst/>
             <a:cxnLst/>
-            <a:rect r="r" b="b" t="t" l="l"/>
+            <a:rect l="l" t="t" r="r" b="b"/>
             <a:pathLst>
-              <a:path h="4448528" w="8373699">
+              <a:path w="8373699" h="4448528">
                 <a:moveTo>
                   <a:pt x="0" y="0"/>
                 </a:moveTo>
@@ -8861,19 +9041,26 @@
           <a:blipFill>
             <a:blip r:embed="rId4"/>
             <a:stretch>
-              <a:fillRect l="0" t="0" r="0" b="0"/>
+              <a:fillRect/>
             </a:stretch>
           </a:blipFill>
         </p:spPr>
-      </p:sp>
-      <p:sp>
-        <p:nvSpPr>
-          <p:cNvPr name="TextBox 5" id="5"/>
-          <p:cNvSpPr txBox="true"/>
-          <p:nvPr/>
-        </p:nvSpPr>
-        <p:spPr>
-          <a:xfrm rot="0">
+        <p:txBody>
+          <a:bodyPr/>
+          <a:lstStyle/>
+          <a:p>
+            <a:endParaRPr lang="en-US" dirty="0"/>
+          </a:p>
+        </p:txBody>
+      </p:sp>
+      <p:sp>
+        <p:nvSpPr>
+          <p:cNvPr id="5" name="TextBox 5"/>
+          <p:cNvSpPr txBox="1"/>
+          <p:nvPr/>
+        </p:nvSpPr>
+        <p:spPr>
+          <a:xfrm>
             <a:off x="1028700" y="920901"/>
             <a:ext cx="8949899" cy="3124200"/>
           </a:xfrm>
@@ -8882,7 +9069,7 @@
           </a:prstGeom>
         </p:spPr>
         <p:txBody>
-          <a:bodyPr anchor="t" rtlCol="false" tIns="0" lIns="0" bIns="0" rIns="0">
+          <a:bodyPr lIns="0" tIns="0" rIns="0" bIns="0" rtlCol="0" anchor="t">
             <a:spAutoFit/>
           </a:bodyPr>
           <a:lstStyle/>
@@ -8919,7 +9106,7 @@
 </file>
 
 <file path=ppt/slides/slide8.xml><?xml version="1.0" encoding="utf-8"?>
-<p:sld xmlns:p="http://schemas.openxmlformats.org/presentationml/2006/main" xmlns:a="http://schemas.openxmlformats.org/drawingml/2006/main" xmlns:r="http://schemas.openxmlformats.org/officeDocument/2006/relationships">
+<p:sld xmlns:a="http://schemas.openxmlformats.org/drawingml/2006/main" xmlns:r="http://schemas.openxmlformats.org/officeDocument/2006/relationships" xmlns:p="http://schemas.openxmlformats.org/presentationml/2006/main">
   <p:cSld>
     <p:spTree>
       <p:nvGrpSpPr>
@@ -8937,12 +9124,12 @@
       </p:grpSpPr>
       <p:sp>
         <p:nvSpPr>
-          <p:cNvPr name="Freeform 2" id="2"/>
+          <p:cNvPr id="2" name="Freeform 2"/>
           <p:cNvSpPr/>
           <p:nvPr/>
         </p:nvSpPr>
         <p:spPr>
-          <a:xfrm flipH="false" flipV="false" rot="0">
+          <a:xfrm>
             <a:off x="0" y="-152473"/>
             <a:ext cx="20871756" cy="11740363"/>
           </a:xfrm>
@@ -8951,9 +9138,9 @@
             <a:gdLst/>
             <a:ahLst/>
             <a:cxnLst/>
-            <a:rect r="r" b="b" t="t" l="l"/>
+            <a:rect l="l" t="t" r="r" b="b"/>
             <a:pathLst>
-              <a:path h="11740363" w="20871756">
+              <a:path w="20871756" h="11740363">
                 <a:moveTo>
                   <a:pt x="0" y="0"/>
                 </a:moveTo>
@@ -8976,19 +9163,26 @@
           <a:blipFill>
             <a:blip r:embed="rId2"/>
             <a:stretch>
-              <a:fillRect l="-373" t="-19402" r="-373" b="0"/>
+              <a:fillRect l="-373" t="-19402" r="-373"/>
             </a:stretch>
           </a:blipFill>
         </p:spPr>
-      </p:sp>
-      <p:sp>
-        <p:nvSpPr>
-          <p:cNvPr name="Freeform 3" id="3"/>
+        <p:txBody>
+          <a:bodyPr/>
+          <a:lstStyle/>
+          <a:p>
+            <a:endParaRPr lang="en-US"/>
+          </a:p>
+        </p:txBody>
+      </p:sp>
+      <p:sp>
+        <p:nvSpPr>
+          <p:cNvPr id="3" name="Freeform 3"/>
           <p:cNvSpPr/>
           <p:nvPr/>
         </p:nvSpPr>
         <p:spPr>
-          <a:xfrm flipH="false" flipV="false" rot="0">
+          <a:xfrm>
             <a:off x="1478194" y="4641518"/>
             <a:ext cx="5106194" cy="4616782"/>
           </a:xfrm>
@@ -8997,9 +9191,9 @@
             <a:gdLst/>
             <a:ahLst/>
             <a:cxnLst/>
-            <a:rect r="r" b="b" t="t" l="l"/>
+            <a:rect l="l" t="t" r="r" b="b"/>
             <a:pathLst>
-              <a:path h="4616782" w="5106194">
+              <a:path w="5106194" h="4616782">
                 <a:moveTo>
                   <a:pt x="0" y="0"/>
                 </a:moveTo>
@@ -9022,19 +9216,26 @@
           <a:blipFill>
             <a:blip r:embed="rId3"/>
             <a:stretch>
-              <a:fillRect l="0" t="0" r="0" b="0"/>
+              <a:fillRect/>
             </a:stretch>
           </a:blipFill>
         </p:spPr>
-      </p:sp>
-      <p:sp>
-        <p:nvSpPr>
-          <p:cNvPr name="Freeform 4" id="4"/>
+        <p:txBody>
+          <a:bodyPr/>
+          <a:lstStyle/>
+          <a:p>
+            <a:endParaRPr lang="en-US"/>
+          </a:p>
+        </p:txBody>
+      </p:sp>
+      <p:sp>
+        <p:nvSpPr>
+          <p:cNvPr id="4" name="Freeform 4"/>
           <p:cNvSpPr/>
           <p:nvPr/>
         </p:nvSpPr>
         <p:spPr>
-          <a:xfrm flipH="false" flipV="false" rot="0">
+          <a:xfrm>
             <a:off x="9144000" y="4641518"/>
             <a:ext cx="7199660" cy="4616782"/>
           </a:xfrm>
@@ -9043,9 +9244,9 @@
             <a:gdLst/>
             <a:ahLst/>
             <a:cxnLst/>
-            <a:rect r="r" b="b" t="t" l="l"/>
+            <a:rect l="l" t="t" r="r" b="b"/>
             <a:pathLst>
-              <a:path h="4616782" w="7199660">
+              <a:path w="7199660" h="4616782">
                 <a:moveTo>
                   <a:pt x="0" y="0"/>
                 </a:moveTo>
@@ -9068,19 +9269,26 @@
           <a:blipFill>
             <a:blip r:embed="rId4"/>
             <a:stretch>
-              <a:fillRect l="0" t="0" r="0" b="0"/>
+              <a:fillRect/>
             </a:stretch>
           </a:blipFill>
         </p:spPr>
-      </p:sp>
-      <p:sp>
-        <p:nvSpPr>
-          <p:cNvPr name="TextBox 5" id="5"/>
-          <p:cNvSpPr txBox="true"/>
-          <p:nvPr/>
-        </p:nvSpPr>
-        <p:spPr>
-          <a:xfrm rot="0">
+        <p:txBody>
+          <a:bodyPr/>
+          <a:lstStyle/>
+          <a:p>
+            <a:endParaRPr lang="en-US"/>
+          </a:p>
+        </p:txBody>
+      </p:sp>
+      <p:sp>
+        <p:nvSpPr>
+          <p:cNvPr id="5" name="TextBox 5"/>
+          <p:cNvSpPr txBox="1"/>
+          <p:nvPr/>
+        </p:nvSpPr>
+        <p:spPr>
+          <a:xfrm>
             <a:off x="1028700" y="920901"/>
             <a:ext cx="11111376" cy="3124200"/>
           </a:xfrm>
@@ -9089,7 +9297,7 @@
           </a:prstGeom>
         </p:spPr>
         <p:txBody>
-          <a:bodyPr anchor="t" rtlCol="false" tIns="0" lIns="0" bIns="0" rIns="0">
+          <a:bodyPr lIns="0" tIns="0" rIns="0" bIns="0" rtlCol="0" anchor="t">
             <a:spAutoFit/>
           </a:bodyPr>
           <a:lstStyle/>
@@ -9120,13 +9328,13 @@
     <a:masterClrMapping/>
   </p:clrMapOvr>
   <p:transition spd="slow">
-    <p:push dir="l"/>
+    <p:push/>
   </p:transition>
 </p:sld>
 </file>
 
 <file path=ppt/slides/slide9.xml><?xml version="1.0" encoding="utf-8"?>
-<p:sld xmlns:p="http://schemas.openxmlformats.org/presentationml/2006/main" xmlns:a="http://schemas.openxmlformats.org/drawingml/2006/main" xmlns:r="http://schemas.openxmlformats.org/officeDocument/2006/relationships">
+<p:sld xmlns:a="http://schemas.openxmlformats.org/drawingml/2006/main" xmlns:r="http://schemas.openxmlformats.org/officeDocument/2006/relationships" xmlns:p="http://schemas.openxmlformats.org/presentationml/2006/main">
   <p:cSld>
     <p:spTree>
       <p:nvGrpSpPr>
@@ -9144,12 +9352,12 @@
       </p:grpSpPr>
       <p:sp>
         <p:nvSpPr>
-          <p:cNvPr name="Freeform 2" id="2"/>
+          <p:cNvPr id="2" name="Freeform 2"/>
           <p:cNvSpPr/>
           <p:nvPr/>
         </p:nvSpPr>
         <p:spPr>
-          <a:xfrm flipH="false" flipV="false" rot="0">
+          <a:xfrm>
             <a:off x="-1843136" y="0"/>
             <a:ext cx="20131136" cy="12468257"/>
           </a:xfrm>
@@ -9158,9 +9366,9 @@
             <a:gdLst/>
             <a:ahLst/>
             <a:cxnLst/>
-            <a:rect r="r" b="b" t="t" l="l"/>
+            <a:rect l="l" t="t" r="r" b="b"/>
             <a:pathLst>
-              <a:path h="12468257" w="20131136">
+              <a:path w="20131136" h="12468257">
                 <a:moveTo>
                   <a:pt x="0" y="0"/>
                 </a:moveTo>
@@ -9183,19 +9391,26 @@
           <a:blipFill>
             <a:blip r:embed="rId2"/>
             <a:stretch>
-              <a:fillRect l="-153" t="0" r="-153" b="-7969"/>
+              <a:fillRect l="-153" r="-153" b="-7969"/>
             </a:stretch>
           </a:blipFill>
         </p:spPr>
-      </p:sp>
-      <p:sp>
-        <p:nvSpPr>
-          <p:cNvPr name="TextBox 3" id="3"/>
-          <p:cNvSpPr txBox="true"/>
-          <p:nvPr/>
-        </p:nvSpPr>
-        <p:spPr>
-          <a:xfrm rot="0">
+        <p:txBody>
+          <a:bodyPr/>
+          <a:lstStyle/>
+          <a:p>
+            <a:endParaRPr lang="en-US"/>
+          </a:p>
+        </p:txBody>
+      </p:sp>
+      <p:sp>
+        <p:nvSpPr>
+          <p:cNvPr id="3" name="TextBox 3"/>
+          <p:cNvSpPr txBox="1"/>
+          <p:nvPr/>
+        </p:nvSpPr>
+        <p:spPr>
+          <a:xfrm>
             <a:off x="1945335" y="2843229"/>
             <a:ext cx="10240109" cy="3390900"/>
           </a:xfrm>
@@ -9204,7 +9419,7 @@
           </a:prstGeom>
         </p:spPr>
         <p:txBody>
-          <a:bodyPr anchor="t" rtlCol="false" tIns="0" lIns="0" bIns="0" rIns="0">
+          <a:bodyPr lIns="0" tIns="0" rIns="0" bIns="0" rtlCol="0" anchor="t">
             <a:spAutoFit/>
           </a:bodyPr>
           <a:lstStyle/>
@@ -9231,12 +9446,12 @@
       </p:sp>
       <p:sp>
         <p:nvSpPr>
-          <p:cNvPr name="TextBox 4" id="4"/>
-          <p:cNvSpPr txBox="true"/>
-          <p:nvPr/>
-        </p:nvSpPr>
-        <p:spPr>
-          <a:xfrm rot="0">
+          <p:cNvPr id="4" name="TextBox 4"/>
+          <p:cNvSpPr txBox="1"/>
+          <p:nvPr/>
+        </p:nvSpPr>
+        <p:spPr>
+          <a:xfrm>
             <a:off x="12301511" y="7411550"/>
             <a:ext cx="5986489" cy="485775"/>
           </a:xfrm>
@@ -9245,7 +9460,7 @@
           </a:prstGeom>
         </p:spPr>
         <p:txBody>
-          <a:bodyPr anchor="t" rtlCol="false" tIns="0" lIns="0" bIns="0" rIns="0">
+          <a:bodyPr lIns="0" tIns="0" rIns="0" bIns="0" rtlCol="0" anchor="t">
             <a:spAutoFit/>
           </a:bodyPr>
           <a:lstStyle/>
@@ -9272,12 +9487,12 @@
       </p:sp>
       <p:sp>
         <p:nvSpPr>
-          <p:cNvPr name="TextBox 5" id="5"/>
-          <p:cNvSpPr txBox="true"/>
-          <p:nvPr/>
-        </p:nvSpPr>
-        <p:spPr>
-          <a:xfrm rot="0">
+          <p:cNvPr id="5" name="TextBox 5"/>
+          <p:cNvSpPr txBox="1"/>
+          <p:nvPr/>
+        </p:nvSpPr>
+        <p:spPr>
+          <a:xfrm>
             <a:off x="1945335" y="1320128"/>
             <a:ext cx="3149061" cy="714375"/>
           </a:xfrm>
@@ -9286,7 +9501,7 @@
           </a:prstGeom>
         </p:spPr>
         <p:txBody>
-          <a:bodyPr anchor="t" rtlCol="false" tIns="0" lIns="0" bIns="0" rIns="0">
+          <a:bodyPr lIns="0" tIns="0" rIns="0" bIns="0" rtlCol="0" anchor="t">
             <a:spAutoFit/>
           </a:bodyPr>
           <a:lstStyle/>
@@ -9313,12 +9528,12 @@
       </p:sp>
       <p:sp>
         <p:nvSpPr>
-          <p:cNvPr name="Freeform 6" id="6"/>
+          <p:cNvPr id="6" name="Freeform 6"/>
           <p:cNvSpPr/>
           <p:nvPr/>
         </p:nvSpPr>
         <p:spPr>
-          <a:xfrm flipH="false" flipV="false" rot="0">
+          <a:xfrm>
             <a:off x="416661" y="1063937"/>
             <a:ext cx="2028720" cy="1217232"/>
           </a:xfrm>
@@ -9327,9 +9542,9 @@
             <a:gdLst/>
             <a:ahLst/>
             <a:cxnLst/>
-            <a:rect r="r" b="b" t="t" l="l"/>
+            <a:rect l="l" t="t" r="r" b="b"/>
             <a:pathLst>
-              <a:path h="1217232" w="2028720">
+              <a:path w="2028720" h="1217232">
                 <a:moveTo>
                   <a:pt x="0" y="0"/>
                 </a:moveTo>
@@ -9352,10 +9567,17 @@
           <a:blipFill>
             <a:blip r:embed="rId3"/>
             <a:stretch>
-              <a:fillRect l="0" t="0" r="0" b="0"/>
+              <a:fillRect/>
             </a:stretch>
           </a:blipFill>
         </p:spPr>
+        <p:txBody>
+          <a:bodyPr/>
+          <a:lstStyle/>
+          <a:p>
+            <a:endParaRPr lang="en-US"/>
+          </a:p>
+        </p:txBody>
       </p:sp>
     </p:spTree>
   </p:cSld>
@@ -9363,7 +9585,7 @@
     <a:masterClrMapping/>
   </p:clrMapOvr>
   <p:transition spd="slow">
-    <p:push dir="l"/>
+    <p:push/>
   </p:transition>
 </p:sld>
 </file>
